--- a/HeraclitusSeminar.pptx
+++ b/HeraclitusSeminar.pptx
@@ -5,7 +5,7 @@
     <p:sldMasterId id="2147483648" r:id="rId1"/>
   </p:sldMasterIdLst>
   <p:notesMasterIdLst>
-    <p:notesMasterId r:id="rId56"/>
+    <p:notesMasterId r:id="rId87"/>
   </p:notesMasterIdLst>
   <p:sldIdLst>
     <p:sldId id="256" r:id="rId2"/>
@@ -48,20 +48,51 @@
     <p:sldId id="299" r:id="rId39"/>
     <p:sldId id="300" r:id="rId40"/>
     <p:sldId id="301" r:id="rId41"/>
-    <p:sldId id="302" r:id="rId42"/>
-    <p:sldId id="303" r:id="rId43"/>
-    <p:sldId id="304" r:id="rId44"/>
-    <p:sldId id="305" r:id="rId45"/>
-    <p:sldId id="306" r:id="rId46"/>
-    <p:sldId id="307" r:id="rId47"/>
-    <p:sldId id="308" r:id="rId48"/>
-    <p:sldId id="309" r:id="rId49"/>
-    <p:sldId id="274" r:id="rId50"/>
-    <p:sldId id="275" r:id="rId51"/>
-    <p:sldId id="276" r:id="rId52"/>
-    <p:sldId id="277" r:id="rId53"/>
-    <p:sldId id="278" r:id="rId54"/>
-    <p:sldId id="279" r:id="rId55"/>
+    <p:sldId id="310" r:id="rId42"/>
+    <p:sldId id="311" r:id="rId43"/>
+    <p:sldId id="302" r:id="rId44"/>
+    <p:sldId id="312" r:id="rId45"/>
+    <p:sldId id="303" r:id="rId46"/>
+    <p:sldId id="304" r:id="rId47"/>
+    <p:sldId id="314" r:id="rId48"/>
+    <p:sldId id="305" r:id="rId49"/>
+    <p:sldId id="315" r:id="rId50"/>
+    <p:sldId id="306" r:id="rId51"/>
+    <p:sldId id="313" r:id="rId52"/>
+    <p:sldId id="308" r:id="rId53"/>
+    <p:sldId id="309" r:id="rId54"/>
+    <p:sldId id="274" r:id="rId55"/>
+    <p:sldId id="316" r:id="rId56"/>
+    <p:sldId id="317" r:id="rId57"/>
+    <p:sldId id="318" r:id="rId58"/>
+    <p:sldId id="319" r:id="rId59"/>
+    <p:sldId id="320" r:id="rId60"/>
+    <p:sldId id="321" r:id="rId61"/>
+    <p:sldId id="322" r:id="rId62"/>
+    <p:sldId id="323" r:id="rId63"/>
+    <p:sldId id="341" r:id="rId64"/>
+    <p:sldId id="324" r:id="rId65"/>
+    <p:sldId id="328" r:id="rId66"/>
+    <p:sldId id="325" r:id="rId67"/>
+    <p:sldId id="326" r:id="rId68"/>
+    <p:sldId id="327" r:id="rId69"/>
+    <p:sldId id="329" r:id="rId70"/>
+    <p:sldId id="275" r:id="rId71"/>
+    <p:sldId id="336" r:id="rId72"/>
+    <p:sldId id="340" r:id="rId73"/>
+    <p:sldId id="338" r:id="rId74"/>
+    <p:sldId id="337" r:id="rId75"/>
+    <p:sldId id="339" r:id="rId76"/>
+    <p:sldId id="276" r:id="rId77"/>
+    <p:sldId id="330" r:id="rId78"/>
+    <p:sldId id="331" r:id="rId79"/>
+    <p:sldId id="332" r:id="rId80"/>
+    <p:sldId id="335" r:id="rId81"/>
+    <p:sldId id="333" r:id="rId82"/>
+    <p:sldId id="277" r:id="rId83"/>
+    <p:sldId id="278" r:id="rId84"/>
+    <p:sldId id="334" r:id="rId85"/>
+    <p:sldId id="279" r:id="rId86"/>
   </p:sldIdLst>
   <p:sldSz cx="12192000" cy="6858000"/>
   <p:notesSz cx="6858000" cy="9144000"/>
@@ -250,7 +281,7 @@
           <a:p>
             <a:fld id="{F408753F-E3E3-B748-A2FF-291889CD204E}" type="datetimeFigureOut">
               <a:rPr lang="en-US" smtClean="0"/>
-              <a:t>12/18/16</a:t>
+              <a:t>12/19/16</a:t>
             </a:fld>
             <a:endParaRPr lang="en-US"/>
           </a:p>
@@ -602,6 +633,386 @@
 </p:notes>
 </file>
 
+<file path=ppt/notesSlides/notesSlide10.xml><?xml version="1.0" encoding="utf-8"?>
+<p:notes xmlns:a="http://schemas.openxmlformats.org/drawingml/2006/main" xmlns:r="http://schemas.openxmlformats.org/officeDocument/2006/relationships" xmlns:p="http://schemas.openxmlformats.org/presentationml/2006/main">
+  <p:cSld>
+    <p:spTree>
+      <p:nvGrpSpPr>
+        <p:cNvPr id="1" name=""/>
+        <p:cNvGrpSpPr/>
+        <p:nvPr/>
+      </p:nvGrpSpPr>
+      <p:grpSpPr>
+        <a:xfrm>
+          <a:off x="0" y="0"/>
+          <a:ext cx="0" cy="0"/>
+          <a:chOff x="0" y="0"/>
+          <a:chExt cx="0" cy="0"/>
+        </a:xfrm>
+      </p:grpSpPr>
+      <p:sp>
+        <p:nvSpPr>
+          <p:cNvPr id="2" name="Slide Image Placeholder 1"/>
+          <p:cNvSpPr>
+            <a:spLocks noGrp="1" noRot="1" noChangeAspect="1"/>
+          </p:cNvSpPr>
+          <p:nvPr>
+            <p:ph type="sldImg"/>
+          </p:nvPr>
+        </p:nvSpPr>
+        <p:spPr/>
+      </p:sp>
+      <p:sp>
+        <p:nvSpPr>
+          <p:cNvPr id="3" name="Notes Placeholder 2"/>
+          <p:cNvSpPr>
+            <a:spLocks noGrp="1"/>
+          </p:cNvSpPr>
+          <p:nvPr>
+            <p:ph type="body" idx="1"/>
+          </p:nvPr>
+        </p:nvSpPr>
+        <p:spPr/>
+        <p:txBody>
+          <a:bodyPr/>
+          <a:lstStyle/>
+          <a:p>
+            <a:r>
+              <a:rPr lang="en-US" dirty="0" smtClean="0"/>
+              <a:t>Passwords stored in memory, cached tokens on disk, and what to do about them</a:t>
+            </a:r>
+            <a:endParaRPr lang="en-US" dirty="0"/>
+          </a:p>
+        </p:txBody>
+      </p:sp>
+      <p:sp>
+        <p:nvSpPr>
+          <p:cNvPr id="4" name="Slide Number Placeholder 3"/>
+          <p:cNvSpPr>
+            <a:spLocks noGrp="1"/>
+          </p:cNvSpPr>
+          <p:nvPr>
+            <p:ph type="sldNum" sz="quarter" idx="10"/>
+          </p:nvPr>
+        </p:nvSpPr>
+        <p:spPr/>
+        <p:txBody>
+          <a:bodyPr/>
+          <a:lstStyle/>
+          <a:p>
+            <a:fld id="{68015334-6572-2848-9BF7-11D1EE7BB817}" type="slidenum">
+              <a:rPr lang="en-US" smtClean="0"/>
+              <a:t>54</a:t>
+            </a:fld>
+            <a:endParaRPr lang="en-US"/>
+          </a:p>
+        </p:txBody>
+      </p:sp>
+    </p:spTree>
+    <p:extLst>
+      <p:ext uri="{BB962C8B-B14F-4D97-AF65-F5344CB8AC3E}">
+        <p14:creationId xmlns:p14="http://schemas.microsoft.com/office/powerpoint/2010/main" val="668681068"/>
+      </p:ext>
+    </p:extLst>
+  </p:cSld>
+  <p:clrMapOvr>
+    <a:masterClrMapping/>
+  </p:clrMapOvr>
+</p:notes>
+</file>
+
+<file path=ppt/notesSlides/notesSlide11.xml><?xml version="1.0" encoding="utf-8"?>
+<p:notes xmlns:a="http://schemas.openxmlformats.org/drawingml/2006/main" xmlns:r="http://schemas.openxmlformats.org/officeDocument/2006/relationships" xmlns:p="http://schemas.openxmlformats.org/presentationml/2006/main">
+  <p:cSld>
+    <p:spTree>
+      <p:nvGrpSpPr>
+        <p:cNvPr id="1" name=""/>
+        <p:cNvGrpSpPr/>
+        <p:nvPr/>
+      </p:nvGrpSpPr>
+      <p:grpSpPr>
+        <a:xfrm>
+          <a:off x="0" y="0"/>
+          <a:ext cx="0" cy="0"/>
+          <a:chOff x="0" y="0"/>
+          <a:chExt cx="0" cy="0"/>
+        </a:xfrm>
+      </p:grpSpPr>
+      <p:sp>
+        <p:nvSpPr>
+          <p:cNvPr id="2" name="Slide Image Placeholder 1"/>
+          <p:cNvSpPr>
+            <a:spLocks noGrp="1" noRot="1" noChangeAspect="1"/>
+          </p:cNvSpPr>
+          <p:nvPr>
+            <p:ph type="sldImg"/>
+          </p:nvPr>
+        </p:nvSpPr>
+        <p:spPr/>
+      </p:sp>
+      <p:sp>
+        <p:nvSpPr>
+          <p:cNvPr id="3" name="Notes Placeholder 2"/>
+          <p:cNvSpPr>
+            <a:spLocks noGrp="1"/>
+          </p:cNvSpPr>
+          <p:nvPr>
+            <p:ph type="body" idx="1"/>
+          </p:nvPr>
+        </p:nvSpPr>
+        <p:spPr/>
+        <p:txBody>
+          <a:bodyPr/>
+          <a:lstStyle/>
+          <a:p>
+            <a:r>
+              <a:rPr lang="en-US" dirty="0" smtClean="0"/>
+              <a:t>Screenshot from my </a:t>
+            </a:r>
+            <a:r>
+              <a:rPr lang="en-US" dirty="0" err="1" smtClean="0"/>
+              <a:t>DuoMobile</a:t>
+            </a:r>
+            <a:r>
+              <a:rPr lang="en-US" dirty="0" smtClean="0"/>
+              <a:t> page; an attacker with access to my file system would be able to see things</a:t>
+            </a:r>
+            <a:r>
+              <a:rPr lang="en-US" baseline="0" dirty="0" smtClean="0"/>
+              <a:t> (such as the email addresses released beneath the black boxes)</a:t>
+            </a:r>
+            <a:endParaRPr lang="en-US" dirty="0"/>
+          </a:p>
+        </p:txBody>
+      </p:sp>
+      <p:sp>
+        <p:nvSpPr>
+          <p:cNvPr id="4" name="Slide Number Placeholder 3"/>
+          <p:cNvSpPr>
+            <a:spLocks noGrp="1"/>
+          </p:cNvSpPr>
+          <p:nvPr>
+            <p:ph type="sldNum" sz="quarter" idx="10"/>
+          </p:nvPr>
+        </p:nvSpPr>
+        <p:spPr/>
+        <p:txBody>
+          <a:bodyPr/>
+          <a:lstStyle/>
+          <a:p>
+            <a:fld id="{68015334-6572-2848-9BF7-11D1EE7BB817}" type="slidenum">
+              <a:rPr lang="en-US" smtClean="0"/>
+              <a:t>56</a:t>
+            </a:fld>
+            <a:endParaRPr lang="en-US"/>
+          </a:p>
+        </p:txBody>
+      </p:sp>
+    </p:spTree>
+    <p:extLst>
+      <p:ext uri="{BB962C8B-B14F-4D97-AF65-F5344CB8AC3E}">
+        <p14:creationId xmlns:p14="http://schemas.microsoft.com/office/powerpoint/2010/main" val="595968197"/>
+      </p:ext>
+    </p:extLst>
+  </p:cSld>
+  <p:clrMapOvr>
+    <a:masterClrMapping/>
+  </p:clrMapOvr>
+</p:notes>
+</file>
+
+<file path=ppt/notesSlides/notesSlide12.xml><?xml version="1.0" encoding="utf-8"?>
+<p:notes xmlns:a="http://schemas.openxmlformats.org/drawingml/2006/main" xmlns:r="http://schemas.openxmlformats.org/officeDocument/2006/relationships" xmlns:p="http://schemas.openxmlformats.org/presentationml/2006/main">
+  <p:cSld>
+    <p:spTree>
+      <p:nvGrpSpPr>
+        <p:cNvPr id="1" name=""/>
+        <p:cNvGrpSpPr/>
+        <p:nvPr/>
+      </p:nvGrpSpPr>
+      <p:grpSpPr>
+        <a:xfrm>
+          <a:off x="0" y="0"/>
+          <a:ext cx="0" cy="0"/>
+          <a:chOff x="0" y="0"/>
+          <a:chExt cx="0" cy="0"/>
+        </a:xfrm>
+      </p:grpSpPr>
+      <p:sp>
+        <p:nvSpPr>
+          <p:cNvPr id="2" name="Slide Image Placeholder 1"/>
+          <p:cNvSpPr>
+            <a:spLocks noGrp="1" noRot="1" noChangeAspect="1"/>
+          </p:cNvSpPr>
+          <p:nvPr>
+            <p:ph type="sldImg"/>
+          </p:nvPr>
+        </p:nvSpPr>
+        <p:spPr/>
+      </p:sp>
+      <p:sp>
+        <p:nvSpPr>
+          <p:cNvPr id="3" name="Notes Placeholder 2"/>
+          <p:cNvSpPr>
+            <a:spLocks noGrp="1"/>
+          </p:cNvSpPr>
+          <p:nvPr>
+            <p:ph type="body" idx="1"/>
+          </p:nvPr>
+        </p:nvSpPr>
+        <p:spPr/>
+        <p:txBody>
+          <a:bodyPr/>
+          <a:lstStyle/>
+          <a:p>
+            <a:r>
+              <a:rPr lang="en-US" dirty="0" smtClean="0"/>
+              <a:t>Tokens token</a:t>
+            </a:r>
+            <a:r>
+              <a:rPr lang="en-US" baseline="0" dirty="0" smtClean="0"/>
+              <a:t>s tokens tokens tokens; also, </a:t>
+            </a:r>
+            <a:r>
+              <a:rPr lang="en-US" baseline="0" dirty="0" err="1" smtClean="0"/>
+              <a:t>TouchID</a:t>
+            </a:r>
+            <a:r>
+              <a:rPr lang="en-US" baseline="0" dirty="0" smtClean="0"/>
+              <a:t> is not user auth.</a:t>
+            </a:r>
+            <a:endParaRPr lang="en-US" dirty="0"/>
+          </a:p>
+        </p:txBody>
+      </p:sp>
+      <p:sp>
+        <p:nvSpPr>
+          <p:cNvPr id="4" name="Slide Number Placeholder 3"/>
+          <p:cNvSpPr>
+            <a:spLocks noGrp="1"/>
+          </p:cNvSpPr>
+          <p:nvPr>
+            <p:ph type="sldNum" sz="quarter" idx="10"/>
+          </p:nvPr>
+        </p:nvSpPr>
+        <p:spPr/>
+        <p:txBody>
+          <a:bodyPr/>
+          <a:lstStyle/>
+          <a:p>
+            <a:fld id="{68015334-6572-2848-9BF7-11D1EE7BB817}" type="slidenum">
+              <a:rPr lang="en-US" smtClean="0"/>
+              <a:t>70</a:t>
+            </a:fld>
+            <a:endParaRPr lang="en-US"/>
+          </a:p>
+        </p:txBody>
+      </p:sp>
+    </p:spTree>
+    <p:extLst>
+      <p:ext uri="{BB962C8B-B14F-4D97-AF65-F5344CB8AC3E}">
+        <p14:creationId xmlns:p14="http://schemas.microsoft.com/office/powerpoint/2010/main" val="1786403433"/>
+      </p:ext>
+    </p:extLst>
+  </p:cSld>
+  <p:clrMapOvr>
+    <a:masterClrMapping/>
+  </p:clrMapOvr>
+</p:notes>
+</file>
+
+<file path=ppt/notesSlides/notesSlide13.xml><?xml version="1.0" encoding="utf-8"?>
+<p:notes xmlns:a="http://schemas.openxmlformats.org/drawingml/2006/main" xmlns:r="http://schemas.openxmlformats.org/officeDocument/2006/relationships" xmlns:p="http://schemas.openxmlformats.org/presentationml/2006/main">
+  <p:cSld>
+    <p:spTree>
+      <p:nvGrpSpPr>
+        <p:cNvPr id="1" name=""/>
+        <p:cNvGrpSpPr/>
+        <p:nvPr/>
+      </p:nvGrpSpPr>
+      <p:grpSpPr>
+        <a:xfrm>
+          <a:off x="0" y="0"/>
+          <a:ext cx="0" cy="0"/>
+          <a:chOff x="0" y="0"/>
+          <a:chExt cx="0" cy="0"/>
+        </a:xfrm>
+      </p:grpSpPr>
+      <p:sp>
+        <p:nvSpPr>
+          <p:cNvPr id="2" name="Slide Image Placeholder 1"/>
+          <p:cNvSpPr>
+            <a:spLocks noGrp="1" noRot="1" noChangeAspect="1"/>
+          </p:cNvSpPr>
+          <p:nvPr>
+            <p:ph type="sldImg"/>
+          </p:nvPr>
+        </p:nvSpPr>
+        <p:spPr/>
+      </p:sp>
+      <p:sp>
+        <p:nvSpPr>
+          <p:cNvPr id="3" name="Notes Placeholder 2"/>
+          <p:cNvSpPr>
+            <a:spLocks noGrp="1"/>
+          </p:cNvSpPr>
+          <p:nvPr>
+            <p:ph type="body" idx="1"/>
+          </p:nvPr>
+        </p:nvSpPr>
+        <p:spPr/>
+        <p:txBody>
+          <a:bodyPr/>
+          <a:lstStyle/>
+          <a:p>
+            <a:r>
+              <a:rPr lang="en-US" dirty="0" smtClean="0"/>
+              <a:t>All things are random, but</a:t>
+            </a:r>
+            <a:r>
+              <a:rPr lang="en-US" baseline="0" dirty="0" smtClean="0"/>
+              <a:t> some things are more random than others.</a:t>
+            </a:r>
+            <a:endParaRPr lang="en-US" dirty="0"/>
+          </a:p>
+        </p:txBody>
+      </p:sp>
+      <p:sp>
+        <p:nvSpPr>
+          <p:cNvPr id="4" name="Slide Number Placeholder 3"/>
+          <p:cNvSpPr>
+            <a:spLocks noGrp="1"/>
+          </p:cNvSpPr>
+          <p:nvPr>
+            <p:ph type="sldNum" sz="quarter" idx="10"/>
+          </p:nvPr>
+        </p:nvSpPr>
+        <p:spPr/>
+        <p:txBody>
+          <a:bodyPr/>
+          <a:lstStyle/>
+          <a:p>
+            <a:fld id="{68015334-6572-2848-9BF7-11D1EE7BB817}" type="slidenum">
+              <a:rPr lang="en-US" smtClean="0"/>
+              <a:t>76</a:t>
+            </a:fld>
+            <a:endParaRPr lang="en-US"/>
+          </a:p>
+        </p:txBody>
+      </p:sp>
+    </p:spTree>
+    <p:extLst>
+      <p:ext uri="{BB962C8B-B14F-4D97-AF65-F5344CB8AC3E}">
+        <p14:creationId xmlns:p14="http://schemas.microsoft.com/office/powerpoint/2010/main" val="1623793954"/>
+      </p:ext>
+    </p:extLst>
+  </p:cSld>
+  <p:clrMapOvr>
+    <a:masterClrMapping/>
+  </p:clrMapOvr>
+</p:notes>
+</file>
+
 <file path=ppt/notesSlides/notesSlide2.xml><?xml version="1.0" encoding="utf-8"?>
 <p:notes xmlns:a="http://schemas.openxmlformats.org/drawingml/2006/main" xmlns:r="http://schemas.openxmlformats.org/officeDocument/2006/relationships" xmlns:p="http://schemas.openxmlformats.org/presentationml/2006/main">
   <p:cSld>
@@ -784,7 +1195,7 @@
           <a:p>
             <a:fld id="{68015334-6572-2848-9BF7-11D1EE7BB817}" type="slidenum">
               <a:rPr lang="en-US" smtClean="0"/>
-              <a:t>14</a:t>
+              <a:t>11</a:t>
             </a:fld>
             <a:endParaRPr lang="en-US"/>
           </a:p>
@@ -793,7 +1204,7 @@
     </p:spTree>
     <p:extLst>
       <p:ext uri="{BB962C8B-B14F-4D97-AF65-F5344CB8AC3E}">
-        <p14:creationId xmlns:p14="http://schemas.microsoft.com/office/powerpoint/2010/main" val="1138553391"/>
+        <p14:creationId xmlns:p14="http://schemas.microsoft.com/office/powerpoint/2010/main" val="1486265793"/>
       </p:ext>
     </p:extLst>
   </p:cSld>
@@ -849,31 +1260,20 @@
           <a:p>
             <a:r>
               <a:rPr lang="en-US" dirty="0" smtClean="0"/>
-              <a:t>TLS for all </a:t>
-            </a:r>
-            <a:r>
-              <a:rPr lang="en-US" dirty="0" err="1" smtClean="0"/>
-              <a:t>comms</a:t>
-            </a:r>
-            <a:r>
-              <a:rPr lang="en-US" dirty="0" smtClean="0"/>
-              <a:t>,</a:t>
+              <a:t>2 HTTP requests spread out over _days_</a:t>
+            </a:r>
+          </a:p>
+          <a:p>
+            <a:endParaRPr lang="en-US" dirty="0" smtClean="0"/>
+          </a:p>
+          <a:p>
+            <a:r>
+              <a:rPr lang="en-US" dirty="0" smtClean="0"/>
+              <a:t>Who</a:t>
             </a:r>
             <a:r>
               <a:rPr lang="en-US" baseline="0" dirty="0" smtClean="0"/>
-              <a:t> </a:t>
-            </a:r>
-            <a:r>
-              <a:rPr lang="en-US" dirty="0" smtClean="0"/>
-              <a:t>TLS Version, Check things that matter</a:t>
-            </a:r>
-            <a:r>
-              <a:rPr lang="en-US" baseline="0" dirty="0" smtClean="0"/>
-              <a:t> (not name), </a:t>
-            </a:r>
-            <a:r>
-              <a:rPr lang="en-US" dirty="0" smtClean="0"/>
-              <a:t>Cert pinning, Public Key Pinning</a:t>
+              <a:t> is really going to notice that level of recon?</a:t>
             </a:r>
             <a:endParaRPr lang="en-US" dirty="0"/>
           </a:p>
@@ -896,7 +1296,7 @@
           <a:p>
             <a:fld id="{68015334-6572-2848-9BF7-11D1EE7BB817}" type="slidenum">
               <a:rPr lang="en-US" smtClean="0"/>
-              <a:t>18</a:t>
+              <a:t>14</a:t>
             </a:fld>
             <a:endParaRPr lang="en-US"/>
           </a:p>
@@ -905,7 +1305,7 @@
     </p:spTree>
     <p:extLst>
       <p:ext uri="{BB962C8B-B14F-4D97-AF65-F5344CB8AC3E}">
-        <p14:creationId xmlns:p14="http://schemas.microsoft.com/office/powerpoint/2010/main" val="1446205304"/>
+        <p14:creationId xmlns:p14="http://schemas.microsoft.com/office/powerpoint/2010/main" val="1138553391"/>
       </p:ext>
     </p:extLst>
   </p:cSld>
@@ -961,19 +1361,31 @@
           <a:p>
             <a:r>
               <a:rPr lang="en-US" dirty="0" smtClean="0"/>
-              <a:t>The difference between hashing &amp; encryption, why encryption, types of hashing</a:t>
+              <a:t>TLS for all </a:t>
+            </a:r>
+            <a:r>
+              <a:rPr lang="en-US" dirty="0" err="1" smtClean="0"/>
+              <a:t>comms</a:t>
+            </a:r>
+            <a:r>
+              <a:rPr lang="en-US" dirty="0" smtClean="0"/>
+              <a:t>,</a:t>
             </a:r>
             <a:r>
               <a:rPr lang="en-US" baseline="0" dirty="0" smtClean="0"/>
-              <a:t> (e.g. hash vs </a:t>
-            </a:r>
-            <a:r>
-              <a:rPr lang="en-US" baseline="0" dirty="0" err="1" smtClean="0"/>
-              <a:t>hmac</a:t>
+              <a:t> </a:t>
+            </a:r>
+            <a:r>
+              <a:rPr lang="en-US" dirty="0" smtClean="0"/>
+              <a:t>TLS Version, Check things that matter</a:t>
             </a:r>
             <a:r>
               <a:rPr lang="en-US" baseline="0" dirty="0" smtClean="0"/>
-              <a:t>). Also, why to never use custom algorithms</a:t>
+              <a:t> (not name), </a:t>
+            </a:r>
+            <a:r>
+              <a:rPr lang="en-US" dirty="0" smtClean="0"/>
+              <a:t>Cert pinning, Public Key Pinning</a:t>
             </a:r>
             <a:endParaRPr lang="en-US" dirty="0"/>
           </a:p>
@@ -996,7 +1408,7 @@
           <a:p>
             <a:fld id="{68015334-6572-2848-9BF7-11D1EE7BB817}" type="slidenum">
               <a:rPr lang="en-US" smtClean="0"/>
-              <a:t>37</a:t>
+              <a:t>18</a:t>
             </a:fld>
             <a:endParaRPr lang="en-US"/>
           </a:p>
@@ -1005,7 +1417,7 @@
     </p:spTree>
     <p:extLst>
       <p:ext uri="{BB962C8B-B14F-4D97-AF65-F5344CB8AC3E}">
-        <p14:creationId xmlns:p14="http://schemas.microsoft.com/office/powerpoint/2010/main" val="347687548"/>
+        <p14:creationId xmlns:p14="http://schemas.microsoft.com/office/powerpoint/2010/main" val="1446205304"/>
       </p:ext>
     </p:extLst>
   </p:cSld>
@@ -1061,7 +1473,19 @@
           <a:p>
             <a:r>
               <a:rPr lang="en-US" dirty="0" smtClean="0"/>
-              <a:t>PIN example</a:t>
+              <a:t>The difference between hashing &amp; encryption, why encryption, types of hashing</a:t>
+            </a:r>
+            <a:r>
+              <a:rPr lang="en-US" baseline="0" dirty="0" smtClean="0"/>
+              <a:t> (e.g. hash vs </a:t>
+            </a:r>
+            <a:r>
+              <a:rPr lang="en-US" baseline="0" dirty="0" err="1" smtClean="0"/>
+              <a:t>hmac</a:t>
+            </a:r>
+            <a:r>
+              <a:rPr lang="en-US" baseline="0" dirty="0" smtClean="0"/>
+              <a:t>). Also, why to never use custom algorithms</a:t>
             </a:r>
             <a:endParaRPr lang="en-US" dirty="0"/>
           </a:p>
@@ -1084,7 +1508,7 @@
           <a:p>
             <a:fld id="{68015334-6572-2848-9BF7-11D1EE7BB817}" type="slidenum">
               <a:rPr lang="en-US" smtClean="0"/>
-              <a:t>40</a:t>
+              <a:t>37</a:t>
             </a:fld>
             <a:endParaRPr lang="en-US"/>
           </a:p>
@@ -1093,7 +1517,7 @@
     </p:spTree>
     <p:extLst>
       <p:ext uri="{BB962C8B-B14F-4D97-AF65-F5344CB8AC3E}">
-        <p14:creationId xmlns:p14="http://schemas.microsoft.com/office/powerpoint/2010/main" val="680455091"/>
+        <p14:creationId xmlns:p14="http://schemas.microsoft.com/office/powerpoint/2010/main" val="347687548"/>
       </p:ext>
     </p:extLst>
   </p:cSld>
@@ -1149,7 +1573,7 @@
           <a:p>
             <a:r>
               <a:rPr lang="en-US" dirty="0" smtClean="0"/>
-              <a:t>Passwords stored in memory, cached tokens on disk, and what to do about them</a:t>
+              <a:t>PIN example</a:t>
             </a:r>
             <a:endParaRPr lang="en-US" dirty="0"/>
           </a:p>
@@ -1172,7 +1596,7 @@
           <a:p>
             <a:fld id="{68015334-6572-2848-9BF7-11D1EE7BB817}" type="slidenum">
               <a:rPr lang="en-US" smtClean="0"/>
-              <a:t>49</a:t>
+              <a:t>40</a:t>
             </a:fld>
             <a:endParaRPr lang="en-US"/>
           </a:p>
@@ -1181,7 +1605,7 @@
     </p:spTree>
     <p:extLst>
       <p:ext uri="{BB962C8B-B14F-4D97-AF65-F5344CB8AC3E}">
-        <p14:creationId xmlns:p14="http://schemas.microsoft.com/office/powerpoint/2010/main" val="668681068"/>
+        <p14:creationId xmlns:p14="http://schemas.microsoft.com/office/powerpoint/2010/main" val="680455091"/>
       </p:ext>
     </p:extLst>
   </p:cSld>
@@ -1237,19 +1661,11 @@
           <a:p>
             <a:r>
               <a:rPr lang="en-US" dirty="0" smtClean="0"/>
-              <a:t>Tokens token</a:t>
+              <a:t>I can’t tell what those _are_,</a:t>
             </a:r>
             <a:r>
               <a:rPr lang="en-US" baseline="0" dirty="0" smtClean="0"/>
-              <a:t>s tokens tokens tokens; also, </a:t>
-            </a:r>
-            <a:r>
-              <a:rPr lang="en-US" baseline="0" dirty="0" err="1" smtClean="0"/>
-              <a:t>TouchID</a:t>
-            </a:r>
-            <a:r>
-              <a:rPr lang="en-US" baseline="0" dirty="0" smtClean="0"/>
-              <a:t> is not user auth.</a:t>
+              <a:t> but I can tell they are _the same_</a:t>
             </a:r>
             <a:endParaRPr lang="en-US" dirty="0"/>
           </a:p>
@@ -1272,7 +1688,7 @@
           <a:p>
             <a:fld id="{68015334-6572-2848-9BF7-11D1EE7BB817}" type="slidenum">
               <a:rPr lang="en-US" smtClean="0"/>
-              <a:t>50</a:t>
+              <a:t>42</a:t>
             </a:fld>
             <a:endParaRPr lang="en-US"/>
           </a:p>
@@ -1281,7 +1697,7 @@
     </p:spTree>
     <p:extLst>
       <p:ext uri="{BB962C8B-B14F-4D97-AF65-F5344CB8AC3E}">
-        <p14:creationId xmlns:p14="http://schemas.microsoft.com/office/powerpoint/2010/main" val="1786403433"/>
+        <p14:creationId xmlns:p14="http://schemas.microsoft.com/office/powerpoint/2010/main" val="1221973161"/>
       </p:ext>
     </p:extLst>
   </p:cSld>
@@ -1337,11 +1753,11 @@
           <a:p>
             <a:r>
               <a:rPr lang="en-US" dirty="0" smtClean="0"/>
-              <a:t>All things are random, but</a:t>
+              <a:t>Let’s take a step</a:t>
             </a:r>
             <a:r>
               <a:rPr lang="en-US" baseline="0" dirty="0" smtClean="0"/>
-              <a:t> some things are more random than others.</a:t>
+              <a:t> back &amp; talk about hashing</a:t>
             </a:r>
             <a:endParaRPr lang="en-US" dirty="0"/>
           </a:p>
@@ -1364,7 +1780,7 @@
           <a:p>
             <a:fld id="{68015334-6572-2848-9BF7-11D1EE7BB817}" type="slidenum">
               <a:rPr lang="en-US" smtClean="0"/>
-              <a:t>51</a:t>
+              <a:t>45</a:t>
             </a:fld>
             <a:endParaRPr lang="en-US"/>
           </a:p>
@@ -1373,7 +1789,7 @@
     </p:spTree>
     <p:extLst>
       <p:ext uri="{BB962C8B-B14F-4D97-AF65-F5344CB8AC3E}">
-        <p14:creationId xmlns:p14="http://schemas.microsoft.com/office/powerpoint/2010/main" val="1623793954"/>
+        <p14:creationId xmlns:p14="http://schemas.microsoft.com/office/powerpoint/2010/main" val="1362014171"/>
       </p:ext>
     </p:extLst>
   </p:cSld>
@@ -1444,7 +1860,7 @@
         </p:nvSpPr>
         <p:spPr>
           <a:xfrm>
-            <a:off x="1524000" y="3602038"/>
+            <a:off x="1524000" y="3518473"/>
             <a:ext cx="9144000" cy="1655762"/>
           </a:xfrm>
         </p:spPr>
@@ -1570,6 +1986,37 @@
           </a:p>
         </p:txBody>
       </p:sp>
+      <p:pic>
+        <p:nvPicPr>
+          <p:cNvPr id="8" name="Picture 7"/>
+          <p:cNvPicPr>
+            <a:picLocks noChangeAspect="1"/>
+          </p:cNvPicPr>
+          <p:nvPr userDrawn="1"/>
+        </p:nvPicPr>
+        <p:blipFill>
+          <a:blip r:embed="rId2">
+            <a:alphaModFix amt="50000"/>
+            <a:extLst>
+              <a:ext uri="{28A0092B-C50C-407E-A947-70E740481C1C}">
+                <a14:useLocalDpi xmlns:a14="http://schemas.microsoft.com/office/drawing/2010/main" val="0"/>
+              </a:ext>
+            </a:extLst>
+          </a:blip>
+          <a:stretch>
+            <a:fillRect/>
+          </a:stretch>
+        </p:blipFill>
+        <p:spPr>
+          <a:xfrm>
+            <a:off x="10082784" y="3738643"/>
+            <a:ext cx="1558379" cy="2573257"/>
+          </a:xfrm>
+          <a:prstGeom prst="rect">
+            <a:avLst/>
+          </a:prstGeom>
+        </p:spPr>
+      </p:pic>
     </p:spTree>
     <p:extLst>
       <p:ext uri="{BB962C8B-B14F-4D97-AF65-F5344CB8AC3E}">
@@ -1580,6 +2027,13 @@
   <p:clrMapOvr>
     <a:masterClrMapping/>
   </p:clrMapOvr>
+  <p:timing>
+    <p:tnLst>
+      <p:par>
+        <p:cTn id="1" dur="indefinite" restart="never" nodeType="tmRoot"/>
+      </p:par>
+    </p:tnLst>
+  </p:timing>
 </p:sldLayout>
 </file>
 
@@ -2106,6 +2560,37 @@
           </a:p>
         </p:txBody>
       </p:sp>
+      <p:pic>
+        <p:nvPicPr>
+          <p:cNvPr id="7" name="Picture 6"/>
+          <p:cNvPicPr>
+            <a:picLocks noChangeAspect="1"/>
+          </p:cNvPicPr>
+          <p:nvPr userDrawn="1"/>
+        </p:nvPicPr>
+        <p:blipFill>
+          <a:blip r:embed="rId2">
+            <a:alphaModFix amt="50000"/>
+            <a:extLst>
+              <a:ext uri="{28A0092B-C50C-407E-A947-70E740481C1C}">
+                <a14:useLocalDpi xmlns:a14="http://schemas.microsoft.com/office/drawing/2010/main" val="0"/>
+              </a:ext>
+            </a:extLst>
+          </a:blip>
+          <a:stretch>
+            <a:fillRect/>
+          </a:stretch>
+        </p:blipFill>
+        <p:spPr>
+          <a:xfrm>
+            <a:off x="10082784" y="3738643"/>
+            <a:ext cx="1558379" cy="2573257"/>
+          </a:xfrm>
+          <a:prstGeom prst="rect">
+            <a:avLst/>
+          </a:prstGeom>
+        </p:spPr>
+      </p:pic>
     </p:spTree>
     <p:extLst>
       <p:ext uri="{BB962C8B-B14F-4D97-AF65-F5344CB8AC3E}">
@@ -2116,6 +2601,13 @@
   <p:clrMapOvr>
     <a:masterClrMapping/>
   </p:clrMapOvr>
+  <p:timing>
+    <p:tnLst>
+      <p:par>
+        <p:cTn id="1" dur="indefinite" restart="never" nodeType="tmRoot"/>
+      </p:par>
+    </p:tnLst>
+  </p:timing>
 </p:sldLayout>
 </file>
 
@@ -4517,7 +5009,7 @@
         </p:blipFill>
         <p:spPr>
           <a:xfrm>
-            <a:off x="1896201" y="1690688"/>
+            <a:off x="1582603" y="1690688"/>
             <a:ext cx="8399597" cy="4351338"/>
           </a:xfrm>
         </p:spPr>
@@ -4734,7 +5226,11 @@
             <a:pPr lvl="1"/>
             <a:r>
               <a:rPr lang="is-IS" dirty="0" smtClean="0"/>
-              <a:t>We could find internal DNS/NTLM/Host info</a:t>
+              <a:t>We could find internal DNS/NTLM/Host </a:t>
+            </a:r>
+            <a:r>
+              <a:rPr lang="is-IS" dirty="0" smtClean="0"/>
+              <a:t>info</a:t>
             </a:r>
             <a:endParaRPr lang="en-US" dirty="0" smtClean="0"/>
           </a:p>
@@ -4894,7 +5390,7 @@
         </p:blipFill>
         <p:spPr>
           <a:xfrm>
-            <a:off x="1742664" y="1690688"/>
+            <a:off x="838200" y="1690688"/>
             <a:ext cx="8706672" cy="3726656"/>
           </a:xfrm>
         </p:spPr>
@@ -4978,6 +5474,13 @@
   <p:clrMapOvr>
     <a:masterClrMapping/>
   </p:clrMapOvr>
+  <p:timing>
+    <p:tnLst>
+      <p:par>
+        <p:cTn id="1" dur="indefinite" restart="never" nodeType="tmRoot"/>
+      </p:par>
+    </p:tnLst>
+  </p:timing>
 </p:sld>
 </file>
 
@@ -5543,11 +6046,27 @@
             </a:r>
             <a:r>
               <a:rPr lang="en-US" i="1" dirty="0" smtClean="0"/>
-              <a:t>N, </a:t>
-            </a:r>
-            <a:r>
-              <a:rPr lang="en-US" dirty="0" smtClean="0"/>
-              <a:t>for N != 10</a:t>
+              <a:t>N</a:t>
+            </a:r>
+            <a:r>
+              <a:rPr lang="en-US" dirty="0" smtClean="0"/>
+              <a:t>,</a:t>
+            </a:r>
+            <a:r>
+              <a:rPr lang="en-US" i="1" dirty="0" smtClean="0"/>
+              <a:t> </a:t>
+            </a:r>
+            <a:r>
+              <a:rPr lang="en-US" dirty="0" smtClean="0"/>
+              <a:t>for </a:t>
+            </a:r>
+            <a:r>
+              <a:rPr lang="en-US" i="1" dirty="0" smtClean="0"/>
+              <a:t>N</a:t>
+            </a:r>
+            <a:r>
+              <a:rPr lang="en-US" dirty="0" smtClean="0"/>
+              <a:t> != 10</a:t>
             </a:r>
             <a:endParaRPr lang="en-US" i="1" dirty="0"/>
           </a:p>
@@ -5753,6 +6272,13 @@
   <p:clrMapOvr>
     <a:masterClrMapping/>
   </p:clrMapOvr>
+  <p:timing>
+    <p:tnLst>
+      <p:par>
+        <p:cTn id="1" dur="indefinite" restart="never" nodeType="tmRoot"/>
+      </p:par>
+    </p:tnLst>
+  </p:timing>
 </p:sld>
 </file>
 
@@ -5790,7 +6316,23 @@
           <a:p>
             <a:r>
               <a:rPr lang="en-US" dirty="0" smtClean="0"/>
-              <a:t>Top N, for N != 10</a:t>
+              <a:t>Top </a:t>
+            </a:r>
+            <a:r>
+              <a:rPr lang="en-US" i="1" dirty="0" smtClean="0"/>
+              <a:t>N</a:t>
+            </a:r>
+            <a:r>
+              <a:rPr lang="en-US" dirty="0" smtClean="0"/>
+              <a:t>, for </a:t>
+            </a:r>
+            <a:r>
+              <a:rPr lang="en-US" i="1" dirty="0" smtClean="0"/>
+              <a:t>N</a:t>
+            </a:r>
+            <a:r>
+              <a:rPr lang="en-US" dirty="0" smtClean="0"/>
+              <a:t> != 10</a:t>
             </a:r>
             <a:endParaRPr lang="en-US" dirty="0"/>
           </a:p>
@@ -6314,6 +6856,13 @@
   <p:clrMapOvr>
     <a:masterClrMapping/>
   </p:clrMapOvr>
+  <p:timing>
+    <p:tnLst>
+      <p:par>
+        <p:cTn id="1" dur="indefinite" restart="never" nodeType="tmRoot"/>
+      </p:par>
+    </p:tnLst>
+  </p:timing>
 </p:sld>
 </file>
 
@@ -6374,8 +6923,19 @@
           <a:p>
             <a:r>
               <a:rPr lang="en-US" dirty="0" smtClean="0"/>
-              <a:t>Your Brave Speaker</a:t>
-            </a:r>
+              <a:t>Your Brave </a:t>
+            </a:r>
+            <a:r>
+              <a:rPr lang="en-US" dirty="0" smtClean="0"/>
+              <a:t>Speaker</a:t>
+            </a:r>
+          </a:p>
+          <a:p>
+            <a:r>
+              <a:rPr lang="en-US" dirty="0" err="1" smtClean="0"/>
+              <a:t>nVisium</a:t>
+            </a:r>
+            <a:endParaRPr lang="en-US" dirty="0" smtClean="0"/>
           </a:p>
           <a:p>
             <a:r>
@@ -6899,11 +7459,7 @@
           <a:p>
             <a:r>
               <a:rPr lang="is-IS" dirty="0" smtClean="0"/>
-              <a:t>Configuration issues (null cipher anyone</a:t>
-            </a:r>
-            <a:r>
-              <a:rPr lang="is-IS" dirty="0" smtClean="0"/>
-              <a:t>?)</a:t>
+              <a:t>Configuration issues (null cipher anyone?)</a:t>
             </a:r>
           </a:p>
           <a:p>
@@ -6911,7 +7467,6 @@
               <a:rPr lang="is-IS" b="1" dirty="0" smtClean="0"/>
               <a:t>Certificate validity</a:t>
             </a:r>
-            <a:endParaRPr lang="is-IS" b="1" dirty="0" smtClean="0"/>
           </a:p>
           <a:p>
             <a:endParaRPr lang="en-US" dirty="0"/>
@@ -7454,6 +8009,13 @@
   <p:clrMapOvr>
     <a:masterClrMapping/>
   </p:clrMapOvr>
+  <p:timing>
+    <p:tnLst>
+      <p:par>
+        <p:cTn id="1" dur="indefinite" restart="never" nodeType="tmRoot"/>
+      </p:par>
+    </p:tnLst>
+  </p:timing>
 </p:sld>
 </file>
 
@@ -7628,6 +8190,13 @@
   <p:clrMapOvr>
     <a:masterClrMapping/>
   </p:clrMapOvr>
+  <p:timing>
+    <p:tnLst>
+      <p:par>
+        <p:cTn id="1" dur="indefinite" restart="never" nodeType="tmRoot"/>
+      </p:par>
+    </p:tnLst>
+  </p:timing>
 </p:sld>
 </file>
 
@@ -7665,11 +8234,7 @@
           <a:p>
             <a:r>
               <a:rPr lang="en-US" dirty="0" smtClean="0"/>
-              <a:t>Fix? </a:t>
-            </a:r>
-            <a:r>
-              <a:rPr lang="en-US" dirty="0" smtClean="0"/>
-              <a:t>– </a:t>
+              <a:t>Fix? – </a:t>
             </a:r>
             <a:r>
               <a:rPr lang="en-US" dirty="0" smtClean="0">
@@ -8253,6 +8818,13 @@
   <p:clrMapOvr>
     <a:masterClrMapping/>
   </p:clrMapOvr>
+  <p:timing>
+    <p:tnLst>
+      <p:par>
+        <p:cTn id="1" dur="indefinite" restart="never" nodeType="tmRoot"/>
+      </p:par>
+    </p:tnLst>
+  </p:timing>
 </p:sld>
 </file>
 
@@ -9054,6 +9626,13 @@
   <p:clrMapOvr>
     <a:masterClrMapping/>
   </p:clrMapOvr>
+  <p:timing>
+    <p:tnLst>
+      <p:par>
+        <p:cTn id="1" dur="indefinite" restart="never" nodeType="tmRoot"/>
+      </p:par>
+    </p:tnLst>
+  </p:timing>
 </p:sld>
 </file>
 
@@ -9239,6 +9818,13 @@
   <p:clrMapOvr>
     <a:masterClrMapping/>
   </p:clrMapOvr>
+  <p:timing>
+    <p:tnLst>
+      <p:par>
+        <p:cTn id="1" dur="indefinite" restart="never" nodeType="tmRoot"/>
+      </p:par>
+    </p:tnLst>
+  </p:timing>
 </p:sld>
 </file>
 
@@ -9307,22 +9893,14 @@
             </a:r>
             <a:r>
               <a:rPr lang="en-US" dirty="0" smtClean="0"/>
-              <a:t> </a:t>
-            </a:r>
-            <a:r>
-              <a:rPr lang="en-US" dirty="0" smtClean="0"/>
-              <a:t>known about the cert</a:t>
+              <a:t> known about the cert</a:t>
             </a:r>
           </a:p>
           <a:p>
             <a:pPr lvl="1"/>
             <a:r>
               <a:rPr lang="en-US" dirty="0" smtClean="0"/>
-              <a:t>Public </a:t>
-            </a:r>
-            <a:r>
-              <a:rPr lang="en-US" dirty="0" smtClean="0"/>
-              <a:t>Key: a fingerprint of the cert (</a:t>
+              <a:t>Public Key: a fingerprint of the cert (</a:t>
             </a:r>
             <a:r>
               <a:rPr lang="nb-NO" dirty="0"/>
@@ -9551,23 +10129,7 @@
                 <a:ea typeface="Andale Mono" charset="0"/>
                 <a:cs typeface="Andale Mono" charset="0"/>
               </a:rPr>
-              <a:t> </a:t>
-            </a:r>
-            <a:r>
-              <a:rPr lang="en-US" sz="2400" dirty="0">
-                <a:latin typeface="Andale Mono" charset="0"/>
-                <a:ea typeface="Andale Mono" charset="0"/>
-                <a:cs typeface="Andale Mono" charset="0"/>
-              </a:rPr>
-              <a:t>=</a:t>
-            </a:r>
-            <a:r>
-              <a:rPr lang="en-US" sz="2400" dirty="0">
-                <a:latin typeface="Andale Mono" charset="0"/>
-                <a:ea typeface="Andale Mono" charset="0"/>
-                <a:cs typeface="Andale Mono" charset="0"/>
-              </a:rPr>
-              <a:t> </a:t>
+              <a:t> = </a:t>
             </a:r>
             <a:r>
               <a:rPr lang="en-US" sz="2400" dirty="0" err="1">
@@ -9575,15 +10137,7 @@
                 <a:ea typeface="Andale Mono" charset="0"/>
                 <a:cs typeface="Andale Mono" charset="0"/>
               </a:rPr>
-              <a:t>ServerTrustPolicy.</a:t>
-            </a:r>
-            <a:r>
-              <a:rPr lang="en-US" sz="2400" dirty="0" err="1">
-                <a:latin typeface="Andale Mono" charset="0"/>
-                <a:ea typeface="Andale Mono" charset="0"/>
-                <a:cs typeface="Andale Mono" charset="0"/>
-              </a:rPr>
-              <a:t>PinCertificates</a:t>
+              <a:t>ServerTrustPolicy.PinCertificates</a:t>
             </a:r>
             <a:r>
               <a:rPr lang="en-US" sz="2400" dirty="0">
@@ -9638,23 +10192,7 @@
                 <a:ea typeface="Andale Mono" charset="0"/>
                 <a:cs typeface="Andale Mono" charset="0"/>
               </a:rPr>
-              <a:t>: </a:t>
-            </a:r>
-            <a:r>
-              <a:rPr lang="en-US" sz="2400" dirty="0">
-                <a:latin typeface="Andale Mono" charset="0"/>
-                <a:ea typeface="Andale Mono" charset="0"/>
-                <a:cs typeface="Andale Mono" charset="0"/>
-              </a:rPr>
-              <a:t>true</a:t>
-            </a:r>
-            <a:r>
-              <a:rPr lang="en-US" sz="2400" dirty="0">
-                <a:latin typeface="Andale Mono" charset="0"/>
-                <a:ea typeface="Andale Mono" charset="0"/>
-                <a:cs typeface="Andale Mono" charset="0"/>
-              </a:rPr>
-              <a:t>, </a:t>
+              <a:t>: true, </a:t>
             </a:r>
             <a:endParaRPr lang="en-US" sz="2400" dirty="0" smtClean="0">
               <a:latin typeface="Andale Mono" charset="0"/>
@@ -9680,23 +10218,7 @@
                 <a:ea typeface="Andale Mono" charset="0"/>
                 <a:cs typeface="Andale Mono" charset="0"/>
               </a:rPr>
-              <a:t>: </a:t>
-            </a:r>
-            <a:r>
-              <a:rPr lang="en-US" sz="2400" dirty="0">
-                <a:latin typeface="Andale Mono" charset="0"/>
-                <a:ea typeface="Andale Mono" charset="0"/>
-                <a:cs typeface="Andale Mono" charset="0"/>
-              </a:rPr>
-              <a:t>true</a:t>
-            </a:r>
-            <a:r>
-              <a:rPr lang="en-US" sz="2400" dirty="0">
-                <a:latin typeface="Andale Mono" charset="0"/>
-                <a:ea typeface="Andale Mono" charset="0"/>
-                <a:cs typeface="Andale Mono" charset="0"/>
-              </a:rPr>
-              <a:t> )</a:t>
+              <a:t>: true )</a:t>
             </a:r>
           </a:p>
         </p:txBody>
@@ -10110,6 +10632,13 @@
   <p:clrMapOvr>
     <a:masterClrMapping/>
   </p:clrMapOvr>
+  <p:timing>
+    <p:tnLst>
+      <p:par>
+        <p:cTn id="1" dur="indefinite" restart="never" nodeType="tmRoot"/>
+      </p:par>
+    </p:tnLst>
+  </p:timing>
 </p:sld>
 </file>
 
@@ -10291,6 +10820,13 @@
   <p:clrMapOvr>
     <a:masterClrMapping/>
   </p:clrMapOvr>
+  <p:timing>
+    <p:tnLst>
+      <p:par>
+        <p:cTn id="1" dur="indefinite" restart="never" nodeType="tmRoot"/>
+      </p:par>
+    </p:tnLst>
+  </p:timing>
 </p:sld>
 </file>
 
@@ -10958,7 +11494,7 @@
             <a:pPr lvl="1"/>
             <a:r>
               <a:rPr lang="en-US" dirty="0" smtClean="0"/>
-              <a:t>no complementary function</a:t>
+              <a:t>no complimentary function</a:t>
             </a:r>
           </a:p>
           <a:p>
@@ -11049,6 +11585,13 @@
   <p:clrMapOvr>
     <a:masterClrMapping/>
   </p:clrMapOvr>
+  <p:timing>
+    <p:tnLst>
+      <p:par>
+        <p:cTn id="1" dur="indefinite" restart="never" nodeType="tmRoot"/>
+      </p:par>
+    </p:tnLst>
+  </p:timing>
 </p:sld>
 </file>
 
@@ -11531,6 +12074,13 @@
   <p:clrMapOvr>
     <a:masterClrMapping/>
   </p:clrMapOvr>
+  <p:timing>
+    <p:tnLst>
+      <p:par>
+        <p:cTn id="1" dur="indefinite" restart="never" nodeType="tmRoot"/>
+      </p:par>
+    </p:tnLst>
+  </p:timing>
 </p:sld>
 </file>
 
@@ -11593,7 +12143,66 @@
           <a:bodyPr/>
           <a:lstStyle/>
           <a:p>
-            <a:endParaRPr lang="en-US"/>
+            <a:r>
+              <a:rPr lang="en-US" dirty="0" smtClean="0"/>
+              <a:t>You </a:t>
+            </a:r>
+            <a:r>
+              <a:rPr lang="en-US" i="1" dirty="0" smtClean="0"/>
+              <a:t>can</a:t>
+            </a:r>
+            <a:r>
+              <a:rPr lang="en-US" dirty="0" smtClean="0"/>
+              <a:t> build an extremely strong cipher out of this</a:t>
+            </a:r>
+          </a:p>
+          <a:p>
+            <a:pPr lvl="1"/>
+            <a:r>
+              <a:rPr lang="en-US" dirty="0" err="1" smtClean="0"/>
+              <a:t>len</a:t>
+            </a:r>
+            <a:r>
+              <a:rPr lang="en-US" dirty="0" smtClean="0"/>
+              <a:t>(key) &gt;= </a:t>
+            </a:r>
+            <a:r>
+              <a:rPr lang="en-US" dirty="0" err="1" smtClean="0"/>
+              <a:t>len</a:t>
+            </a:r>
+            <a:r>
+              <a:rPr lang="en-US" dirty="0" smtClean="0"/>
+              <a:t>(plain-text-data)</a:t>
+            </a:r>
+          </a:p>
+          <a:p>
+            <a:r>
+              <a:rPr lang="en-US" dirty="0" smtClean="0"/>
+              <a:t>Security then relies on the </a:t>
+            </a:r>
+            <a:r>
+              <a:rPr lang="en-US" i="1" dirty="0" smtClean="0"/>
+              <a:t>key</a:t>
+            </a:r>
+            <a:endParaRPr lang="en-US" dirty="0" smtClean="0"/>
+          </a:p>
+          <a:p>
+            <a:pPr lvl="1"/>
+            <a:r>
+              <a:rPr lang="en-US" dirty="0" smtClean="0"/>
+              <a:t>Purely random</a:t>
+            </a:r>
+          </a:p>
+          <a:p>
+            <a:pPr lvl="1"/>
+            <a:r>
+              <a:rPr lang="en-US" u="sng" dirty="0" smtClean="0"/>
+              <a:t>Never used more than once</a:t>
+            </a:r>
+          </a:p>
+          <a:p>
+            <a:pPr lvl="1"/>
+            <a:endParaRPr lang="en-US" dirty="0"/>
           </a:p>
         </p:txBody>
       </p:sp>
@@ -11676,6 +12285,13 @@
   <p:clrMapOvr>
     <a:masterClrMapping/>
   </p:clrMapOvr>
+  <p:timing>
+    <p:tnLst>
+      <p:par>
+        <p:cTn id="1" dur="indefinite" restart="never" nodeType="tmRoot"/>
+      </p:par>
+    </p:tnLst>
+  </p:timing>
 </p:sld>
 </file>
 
@@ -11713,7 +12329,7 @@
           <a:p>
             <a:r>
               <a:rPr lang="en-US" dirty="0" smtClean="0"/>
-              <a:t>Knowing when to use what algorithm</a:t>
+              <a:t>Situation</a:t>
             </a:r>
             <a:endParaRPr lang="en-US" dirty="0"/>
           </a:p>
@@ -11734,7 +12350,48 @@
           <a:bodyPr/>
           <a:lstStyle/>
           <a:p>
-            <a:endParaRPr lang="en-US"/>
+            <a:r>
+              <a:rPr lang="en-US" dirty="0" smtClean="0"/>
+              <a:t>Client wants to store/transmit</a:t>
+            </a:r>
+            <a:r>
+              <a:rPr lang="is-IS" dirty="0" smtClean="0"/>
+              <a:t>… </a:t>
+            </a:r>
+            <a:r>
+              <a:rPr lang="is-IS" i="1" dirty="0" smtClean="0"/>
+              <a:t>something</a:t>
+            </a:r>
+          </a:p>
+          <a:p>
+            <a:r>
+              <a:rPr lang="en-US" dirty="0" smtClean="0"/>
+              <a:t>G</a:t>
+            </a:r>
+            <a:r>
+              <a:rPr lang="is-IS" dirty="0" smtClean="0"/>
+              <a:t>enerates a “key”</a:t>
+            </a:r>
+          </a:p>
+          <a:p>
+            <a:pPr lvl="1"/>
+            <a:r>
+              <a:rPr lang="en-US" dirty="0" smtClean="0"/>
+              <a:t>U</a:t>
+            </a:r>
+            <a:r>
+              <a:rPr lang="is-IS" dirty="0" smtClean="0"/>
+              <a:t>sually just a dictionary or something similar</a:t>
+            </a:r>
+          </a:p>
+          <a:p>
+            <a:r>
+              <a:rPr lang="is-IS" dirty="0" smtClean="0"/>
+              <a:t>Encrypts item</a:t>
+            </a:r>
+          </a:p>
+          <a:p>
+            <a:endParaRPr lang="en-US" dirty="0"/>
           </a:p>
         </p:txBody>
       </p:sp>
@@ -11807,10 +12464,40 @@
           </a:p>
         </p:txBody>
       </p:sp>
+      <p:pic>
+        <p:nvPicPr>
+          <p:cNvPr id="7" name="Picture 6"/>
+          <p:cNvPicPr>
+            <a:picLocks noChangeAspect="1"/>
+          </p:cNvPicPr>
+          <p:nvPr/>
+        </p:nvPicPr>
+        <p:blipFill>
+          <a:blip r:embed="rId2">
+            <a:extLst>
+              <a:ext uri="{28A0092B-C50C-407E-A947-70E740481C1C}">
+                <a14:useLocalDpi xmlns:a14="http://schemas.microsoft.com/office/drawing/2010/main" val="0"/>
+              </a:ext>
+            </a:extLst>
+          </a:blip>
+          <a:stretch>
+            <a:fillRect/>
+          </a:stretch>
+        </p:blipFill>
+        <p:spPr>
+          <a:xfrm>
+            <a:off x="2972816" y="3609521"/>
+            <a:ext cx="5637784" cy="2567442"/>
+          </a:xfrm>
+          <a:prstGeom prst="rect">
+            <a:avLst/>
+          </a:prstGeom>
+        </p:spPr>
+      </p:pic>
     </p:spTree>
     <p:extLst>
       <p:ext uri="{BB962C8B-B14F-4D97-AF65-F5344CB8AC3E}">
-        <p14:creationId xmlns:p14="http://schemas.microsoft.com/office/powerpoint/2010/main" val="29790114"/>
+        <p14:creationId xmlns:p14="http://schemas.microsoft.com/office/powerpoint/2010/main" val="1809000804"/>
       </p:ext>
     </p:extLst>
   </p:cSld>
@@ -11853,32 +12540,42 @@
           <a:lstStyle/>
           <a:p>
             <a:r>
-              <a:rPr lang="en-US" dirty="0" smtClean="0"/>
-              <a:t>Hashing</a:t>
-            </a:r>
-            <a:endParaRPr lang="en-US" dirty="0"/>
-          </a:p>
-        </p:txBody>
-      </p:sp>
-      <p:sp>
-        <p:nvSpPr>
-          <p:cNvPr id="3" name="Content Placeholder 2"/>
-          <p:cNvSpPr>
-            <a:spLocks noGrp="1"/>
-          </p:cNvSpPr>
+              <a:rPr lang="is-IS" dirty="0" smtClean="0"/>
+              <a:t>… non-solution</a:t>
+            </a:r>
+            <a:endParaRPr lang="en-US" dirty="0"/>
+          </a:p>
+        </p:txBody>
+      </p:sp>
+      <p:pic>
+        <p:nvPicPr>
+          <p:cNvPr id="7" name="Content Placeholder 6"/>
+          <p:cNvPicPr>
+            <a:picLocks noGrp="1" noChangeAspect="1"/>
+          </p:cNvPicPr>
           <p:nvPr>
             <p:ph idx="1"/>
           </p:nvPr>
-        </p:nvSpPr>
-        <p:spPr/>
-        <p:txBody>
-          <a:bodyPr/>
-          <a:lstStyle/>
-          <a:p>
-            <a:endParaRPr lang="en-US"/>
-          </a:p>
-        </p:txBody>
-      </p:sp>
+        </p:nvPicPr>
+        <p:blipFill>
+          <a:blip r:embed="rId3">
+            <a:extLst>
+              <a:ext uri="{28A0092B-C50C-407E-A947-70E740481C1C}">
+                <a14:useLocalDpi xmlns:a14="http://schemas.microsoft.com/office/drawing/2010/main" val="0"/>
+              </a:ext>
+            </a:extLst>
+          </a:blip>
+          <a:stretch>
+            <a:fillRect/>
+          </a:stretch>
+        </p:blipFill>
+        <p:spPr>
+          <a:xfrm>
+            <a:off x="3344164" y="1590753"/>
+            <a:ext cx="4809236" cy="4022679"/>
+          </a:xfrm>
+        </p:spPr>
+      </p:pic>
       <p:sp>
         <p:nvSpPr>
           <p:cNvPr id="4" name="Date Placeholder 3"/>
@@ -11951,13 +12648,20 @@
     </p:spTree>
     <p:extLst>
       <p:ext uri="{BB962C8B-B14F-4D97-AF65-F5344CB8AC3E}">
-        <p14:creationId xmlns:p14="http://schemas.microsoft.com/office/powerpoint/2010/main" val="1475743826"/>
+        <p14:creationId xmlns:p14="http://schemas.microsoft.com/office/powerpoint/2010/main" val="1271714052"/>
       </p:ext>
     </p:extLst>
   </p:cSld>
   <p:clrMapOvr>
     <a:masterClrMapping/>
   </p:clrMapOvr>
+  <p:timing>
+    <p:tnLst>
+      <p:par>
+        <p:cTn id="1" dur="indefinite" restart="never" nodeType="tmRoot"/>
+      </p:par>
+    </p:tnLst>
+  </p:timing>
 </p:sld>
 </file>
 
@@ -11995,7 +12699,7 @@
           <a:p>
             <a:r>
               <a:rPr lang="en-US" dirty="0" smtClean="0"/>
-              <a:t>Simple Hash: FNV1a</a:t>
+              <a:t>Knowing when to use what algorithm</a:t>
             </a:r>
             <a:endParaRPr lang="en-US" dirty="0"/>
           </a:p>
@@ -12016,7 +12720,67 @@
           <a:bodyPr/>
           <a:lstStyle/>
           <a:p>
-            <a:endParaRPr lang="en-US"/>
+            <a:r>
+              <a:rPr lang="en-US" dirty="0" smtClean="0"/>
+              <a:t>There are 3 hard problems in CS:</a:t>
+            </a:r>
+          </a:p>
+          <a:p>
+            <a:pPr lvl="1"/>
+            <a:r>
+              <a:rPr lang="en-US" dirty="0" smtClean="0"/>
+              <a:t>Naming things,</a:t>
+            </a:r>
+          </a:p>
+          <a:p>
+            <a:pPr lvl="1"/>
+            <a:r>
+              <a:rPr lang="en-US" dirty="0" smtClean="0"/>
+              <a:t>Cache invalidation,</a:t>
+            </a:r>
+          </a:p>
+          <a:p>
+            <a:pPr lvl="1"/>
+            <a:r>
+              <a:rPr lang="en-US" b="1" dirty="0" smtClean="0"/>
+              <a:t>Algorithm Selection</a:t>
+            </a:r>
+            <a:r>
+              <a:rPr lang="en-US" dirty="0" smtClean="0"/>
+              <a:t>,</a:t>
+            </a:r>
+          </a:p>
+          <a:p>
+            <a:pPr lvl="1"/>
+            <a:r>
+              <a:rPr lang="en-US" dirty="0" smtClean="0"/>
+              <a:t>and off-by-1 errors</a:t>
+            </a:r>
+          </a:p>
+          <a:p>
+            <a:r>
+              <a:rPr lang="en-US" dirty="0" smtClean="0"/>
+              <a:t>Avoid writing crypto</a:t>
+            </a:r>
+          </a:p>
+          <a:p>
+            <a:pPr lvl="1"/>
+            <a:r>
+              <a:rPr lang="en-US" dirty="0" smtClean="0"/>
+              <a:t>The minute you’re modifying bits &amp; bytes, you’re headed to trouble</a:t>
+            </a:r>
+          </a:p>
+          <a:p>
+            <a:pPr lvl="2"/>
+            <a:r>
+              <a:rPr lang="en-US" dirty="0" smtClean="0"/>
+              <a:t>As was I</a:t>
+            </a:r>
+            <a:r>
+              <a:rPr lang="is-IS" dirty="0" smtClean="0"/>
+              <a:t>… I gave up fighting with Swift’s type system &amp; patching things just to show you that demo cipher</a:t>
+            </a:r>
+            <a:endParaRPr lang="en-US" dirty="0"/>
           </a:p>
         </p:txBody>
       </p:sp>
@@ -12092,7 +12856,7 @@
     </p:spTree>
     <p:extLst>
       <p:ext uri="{BB962C8B-B14F-4D97-AF65-F5344CB8AC3E}">
-        <p14:creationId xmlns:p14="http://schemas.microsoft.com/office/powerpoint/2010/main" val="1537844379"/>
+        <p14:creationId xmlns:p14="http://schemas.microsoft.com/office/powerpoint/2010/main" val="29790114"/>
       </p:ext>
     </p:extLst>
   </p:cSld>
@@ -12136,7 +12900,11 @@
           <a:p>
             <a:r>
               <a:rPr lang="en-US" dirty="0" smtClean="0"/>
-              <a:t>Cryptographic &amp; Non-cryptographic</a:t>
+              <a:t>If you have to encrypt something</a:t>
+            </a:r>
+            <a:r>
+              <a:rPr lang="is-IS" dirty="0" smtClean="0"/>
+              <a:t>…</a:t>
             </a:r>
             <a:endParaRPr lang="en-US" dirty="0"/>
           </a:p>
@@ -12157,7 +12925,92 @@
           <a:bodyPr/>
           <a:lstStyle/>
           <a:p>
-            <a:endParaRPr lang="en-US"/>
+            <a:r>
+              <a:rPr lang="en-US" dirty="0" smtClean="0"/>
+              <a:t>Use Standard Algorithms &amp; secure modes</a:t>
+            </a:r>
+          </a:p>
+          <a:p>
+            <a:pPr lvl="1"/>
+            <a:r>
+              <a:rPr lang="en-US" dirty="0" smtClean="0"/>
+              <a:t>Transit: AES-256-GCM (Galois/Counter Mode)</a:t>
+            </a:r>
+          </a:p>
+          <a:p>
+            <a:pPr lvl="1"/>
+            <a:r>
+              <a:rPr lang="en-US" dirty="0" smtClean="0"/>
+              <a:t>Storage: AES-256-XTS (</a:t>
+            </a:r>
+            <a:r>
+              <a:rPr lang="en-US" b="1" dirty="0"/>
+              <a:t>X</a:t>
+            </a:r>
+            <a:r>
+              <a:rPr lang="en-US" dirty="0"/>
+              <a:t>EX-based </a:t>
+            </a:r>
+            <a:r>
+              <a:rPr lang="en-US" b="1" dirty="0"/>
+              <a:t>t</a:t>
+            </a:r>
+            <a:r>
+              <a:rPr lang="en-US" dirty="0"/>
+              <a:t>weaked-codebook mode with </a:t>
+            </a:r>
+            <a:r>
+              <a:rPr lang="en-US" dirty="0" err="1"/>
+              <a:t>ciphertext</a:t>
+            </a:r>
+            <a:r>
+              <a:rPr lang="en-US" dirty="0"/>
+              <a:t> </a:t>
+            </a:r>
+            <a:r>
+              <a:rPr lang="en-US" b="1" dirty="0" smtClean="0"/>
+              <a:t>s</a:t>
+            </a:r>
+            <a:r>
+              <a:rPr lang="en-US" dirty="0" smtClean="0"/>
+              <a:t>tealing)</a:t>
+            </a:r>
+          </a:p>
+          <a:p>
+            <a:pPr lvl="2"/>
+            <a:r>
+              <a:rPr lang="en-US" dirty="0" smtClean="0"/>
+              <a:t>Yes, “XTS” really does expand into a 6 word sentence.</a:t>
+            </a:r>
+          </a:p>
+          <a:p>
+            <a:pPr lvl="1"/>
+            <a:r>
+              <a:rPr lang="en-US" dirty="0" smtClean="0"/>
+              <a:t>Avoid Modes CBC &amp; ECB, Algorithms: DES, RC4</a:t>
+            </a:r>
+          </a:p>
+          <a:p>
+            <a:r>
+              <a:rPr lang="en-US" dirty="0" smtClean="0"/>
+              <a:t>Use OS Services where possible</a:t>
+            </a:r>
+          </a:p>
+          <a:p>
+            <a:pPr lvl="1"/>
+            <a:r>
+              <a:rPr lang="en-US" dirty="0" smtClean="0"/>
+              <a:t>Much harder to crack </a:t>
+            </a:r>
+            <a:r>
+              <a:rPr lang="en-US" dirty="0" err="1" smtClean="0"/>
+              <a:t>KeyChain</a:t>
+            </a:r>
+            <a:r>
+              <a:rPr lang="en-US" dirty="0" smtClean="0"/>
+              <a:t> than your app</a:t>
+            </a:r>
+            <a:endParaRPr lang="en-US" dirty="0"/>
           </a:p>
         </p:txBody>
       </p:sp>
@@ -12233,7 +13086,7 @@
     </p:spTree>
     <p:extLst>
       <p:ext uri="{BB962C8B-B14F-4D97-AF65-F5344CB8AC3E}">
-        <p14:creationId xmlns:p14="http://schemas.microsoft.com/office/powerpoint/2010/main" val="1304939370"/>
+        <p14:creationId xmlns:p14="http://schemas.microsoft.com/office/powerpoint/2010/main" val="647053906"/>
       </p:ext>
     </p:extLst>
   </p:cSld>
@@ -12277,7 +13130,7 @@
           <a:p>
             <a:r>
               <a:rPr lang="en-US" dirty="0" smtClean="0"/>
-              <a:t>Combining Hashing &amp; Encryption</a:t>
+              <a:t>Hashing</a:t>
             </a:r>
             <a:endParaRPr lang="en-US" dirty="0"/>
           </a:p>
@@ -12298,7 +13151,53 @@
           <a:bodyPr/>
           <a:lstStyle/>
           <a:p>
-            <a:endParaRPr lang="en-US"/>
+            <a:r>
+              <a:rPr lang="en-US" dirty="0" smtClean="0"/>
+              <a:t>“one way”</a:t>
+            </a:r>
+          </a:p>
+          <a:p>
+            <a:r>
+              <a:rPr lang="en-US" dirty="0" smtClean="0"/>
+              <a:t>Used to check if data is the same </a:t>
+            </a:r>
+          </a:p>
+          <a:p>
+            <a:pPr lvl="1"/>
+            <a:r>
+              <a:rPr lang="en-US" dirty="0" err="1" smtClean="0"/>
+              <a:t>Kinda</a:t>
+            </a:r>
+            <a:r>
+              <a:rPr lang="en-US" dirty="0" smtClean="0"/>
+              <a:t> </a:t>
+            </a:r>
+            <a:r>
+              <a:rPr lang="en-US" dirty="0" err="1" smtClean="0"/>
+              <a:t>sorta</a:t>
+            </a:r>
+            <a:endParaRPr lang="en-US" dirty="0" smtClean="0"/>
+          </a:p>
+          <a:p>
+            <a:r>
+              <a:rPr lang="en-US" dirty="0" smtClean="0"/>
+              <a:t>Two major classes:</a:t>
+            </a:r>
+          </a:p>
+          <a:p>
+            <a:pPr lvl="1"/>
+            <a:r>
+              <a:rPr lang="en-US" dirty="0" smtClean="0"/>
+              <a:t>Cryptographic</a:t>
+            </a:r>
+          </a:p>
+          <a:p>
+            <a:pPr lvl="1"/>
+            <a:r>
+              <a:rPr lang="en-US" dirty="0" smtClean="0"/>
+              <a:t>Non-cryptographic</a:t>
+            </a:r>
+            <a:endParaRPr lang="en-US" dirty="0"/>
           </a:p>
         </p:txBody>
       </p:sp>
@@ -12374,7 +13273,7 @@
     </p:spTree>
     <p:extLst>
       <p:ext uri="{BB962C8B-B14F-4D97-AF65-F5344CB8AC3E}">
-        <p14:creationId xmlns:p14="http://schemas.microsoft.com/office/powerpoint/2010/main" val="1244821618"/>
+        <p14:creationId xmlns:p14="http://schemas.microsoft.com/office/powerpoint/2010/main" val="1475743826"/>
       </p:ext>
     </p:extLst>
   </p:cSld>
@@ -12418,7 +13317,7 @@
           <a:p>
             <a:r>
               <a:rPr lang="en-US" dirty="0" smtClean="0"/>
-              <a:t>Word of waning against bespoke</a:t>
+              <a:t>Simple Hash: FNV1a</a:t>
             </a:r>
             <a:endParaRPr lang="en-US" dirty="0"/>
           </a:p>
@@ -12436,10 +13335,168 @@
         </p:nvSpPr>
         <p:spPr/>
         <p:txBody>
-          <a:bodyPr/>
-          <a:lstStyle/>
-          <a:p>
-            <a:endParaRPr lang="en-US"/>
+          <a:bodyPr>
+            <a:normAutofit fontScale="77500" lnSpcReduction="20000"/>
+          </a:bodyPr>
+          <a:lstStyle/>
+          <a:p>
+            <a:pPr marL="0" indent="0">
+              <a:buNone/>
+            </a:pPr>
+            <a:r>
+              <a:rPr lang="is-IS" dirty="0">
+                <a:latin typeface="Andale Mono" charset="0"/>
+                <a:ea typeface="Andale Mono" charset="0"/>
+                <a:cs typeface="Andale Mono" charset="0"/>
+              </a:rPr>
+              <a:t>uint64_t</a:t>
+            </a:r>
+          </a:p>
+          <a:p>
+            <a:pPr marL="0" indent="0">
+              <a:buNone/>
+            </a:pPr>
+            <a:r>
+              <a:rPr lang="is-IS" dirty="0">
+                <a:latin typeface="Andale Mono" charset="0"/>
+                <a:ea typeface="Andale Mono" charset="0"/>
+                <a:cs typeface="Andale Mono" charset="0"/>
+              </a:rPr>
+              <a:t>fnv1a(char *key, uint32_t len)</a:t>
+            </a:r>
+          </a:p>
+          <a:p>
+            <a:pPr marL="0" indent="0">
+              <a:buNone/>
+            </a:pPr>
+            <a:r>
+              <a:rPr lang="is-IS" dirty="0">
+                <a:latin typeface="Andale Mono" charset="0"/>
+                <a:ea typeface="Andale Mono" charset="0"/>
+                <a:cs typeface="Andale Mono" charset="0"/>
+              </a:rPr>
+              <a:t>{</a:t>
+            </a:r>
+          </a:p>
+          <a:p>
+            <a:pPr marL="0" indent="0">
+              <a:buNone/>
+            </a:pPr>
+            <a:r>
+              <a:rPr lang="is-IS" dirty="0">
+                <a:latin typeface="Andale Mono" charset="0"/>
+                <a:ea typeface="Andale Mono" charset="0"/>
+                <a:cs typeface="Andale Mono" charset="0"/>
+              </a:rPr>
+              <a:t>    uint64_t hash = 14695981039346656037;</a:t>
+            </a:r>
+          </a:p>
+          <a:p>
+            <a:pPr marL="0" indent="0">
+              <a:buNone/>
+            </a:pPr>
+            <a:r>
+              <a:rPr lang="is-IS" dirty="0">
+                <a:latin typeface="Andale Mono" charset="0"/>
+                <a:ea typeface="Andale Mono" charset="0"/>
+                <a:cs typeface="Andale Mono" charset="0"/>
+              </a:rPr>
+              <a:t>    uint32_t idx = 0;</a:t>
+            </a:r>
+          </a:p>
+          <a:p>
+            <a:pPr marL="0" indent="0">
+              <a:buNone/>
+            </a:pPr>
+            <a:r>
+              <a:rPr lang="is-IS" dirty="0">
+                <a:latin typeface="Andale Mono" charset="0"/>
+                <a:ea typeface="Andale Mono" charset="0"/>
+                <a:cs typeface="Andale Mono" charset="0"/>
+              </a:rPr>
+              <a:t>    for(; idx &lt; len; idx++)</a:t>
+            </a:r>
+          </a:p>
+          <a:p>
+            <a:pPr marL="0" indent="0">
+              <a:buNone/>
+            </a:pPr>
+            <a:r>
+              <a:rPr lang="is-IS" dirty="0">
+                <a:latin typeface="Andale Mono" charset="0"/>
+                <a:ea typeface="Andale Mono" charset="0"/>
+                <a:cs typeface="Andale Mono" charset="0"/>
+              </a:rPr>
+              <a:t>    {</a:t>
+            </a:r>
+          </a:p>
+          <a:p>
+            <a:pPr marL="0" indent="0">
+              <a:buNone/>
+            </a:pPr>
+            <a:r>
+              <a:rPr lang="is-IS" dirty="0">
+                <a:latin typeface="Andale Mono" charset="0"/>
+                <a:ea typeface="Andale Mono" charset="0"/>
+                <a:cs typeface="Andale Mono" charset="0"/>
+              </a:rPr>
+              <a:t>        hash ^= key[idx];</a:t>
+            </a:r>
+          </a:p>
+          <a:p>
+            <a:pPr marL="0" indent="0">
+              <a:buNone/>
+            </a:pPr>
+            <a:r>
+              <a:rPr lang="is-IS" dirty="0">
+                <a:latin typeface="Andale Mono" charset="0"/>
+                <a:ea typeface="Andale Mono" charset="0"/>
+                <a:cs typeface="Andale Mono" charset="0"/>
+              </a:rPr>
+              <a:t>        hash *= 1099511628211;</a:t>
+            </a:r>
+          </a:p>
+          <a:p>
+            <a:pPr marL="0" indent="0">
+              <a:buNone/>
+            </a:pPr>
+            <a:r>
+              <a:rPr lang="is-IS" dirty="0">
+                <a:latin typeface="Andale Mono" charset="0"/>
+                <a:ea typeface="Andale Mono" charset="0"/>
+                <a:cs typeface="Andale Mono" charset="0"/>
+              </a:rPr>
+              <a:t>    }</a:t>
+            </a:r>
+          </a:p>
+          <a:p>
+            <a:pPr marL="0" indent="0">
+              <a:buNone/>
+            </a:pPr>
+            <a:r>
+              <a:rPr lang="is-IS" dirty="0">
+                <a:latin typeface="Andale Mono" charset="0"/>
+                <a:ea typeface="Andale Mono" charset="0"/>
+                <a:cs typeface="Andale Mono" charset="0"/>
+              </a:rPr>
+              <a:t>    return hash;</a:t>
+            </a:r>
+          </a:p>
+          <a:p>
+            <a:pPr marL="0" indent="0">
+              <a:buNone/>
+            </a:pPr>
+            <a:r>
+              <a:rPr lang="is-IS" dirty="0">
+                <a:latin typeface="Andale Mono" charset="0"/>
+                <a:ea typeface="Andale Mono" charset="0"/>
+                <a:cs typeface="Andale Mono" charset="0"/>
+              </a:rPr>
+              <a:t>}</a:t>
+            </a:r>
+          </a:p>
+          <a:p>
+            <a:endParaRPr lang="en-US" dirty="0"/>
           </a:p>
         </p:txBody>
       </p:sp>
@@ -12515,13 +13572,20 @@
     </p:spTree>
     <p:extLst>
       <p:ext uri="{BB962C8B-B14F-4D97-AF65-F5344CB8AC3E}">
-        <p14:creationId xmlns:p14="http://schemas.microsoft.com/office/powerpoint/2010/main" val="1598227281"/>
+        <p14:creationId xmlns:p14="http://schemas.microsoft.com/office/powerpoint/2010/main" val="1537844379"/>
       </p:ext>
     </p:extLst>
   </p:cSld>
   <p:clrMapOvr>
     <a:masterClrMapping/>
   </p:clrMapOvr>
+  <p:timing>
+    <p:tnLst>
+      <p:par>
+        <p:cTn id="1" dur="indefinite" restart="never" nodeType="tmRoot"/>
+      </p:par>
+    </p:tnLst>
+  </p:timing>
 </p:sld>
 </file>
 
@@ -12559,7 +13623,7 @@
           <a:p>
             <a:r>
               <a:rPr lang="en-US" dirty="0" smtClean="0"/>
-              <a:t>Drawbacks</a:t>
+              <a:t>Simple Hash: FNV1a</a:t>
             </a:r>
             <a:endParaRPr lang="en-US" dirty="0"/>
           </a:p>
@@ -12580,7 +13644,107 @@
           <a:bodyPr/>
           <a:lstStyle/>
           <a:p>
-            <a:endParaRPr lang="en-US"/>
+            <a:r>
+              <a:rPr lang="en-US" dirty="0" smtClean="0">
+                <a:latin typeface="Andale Mono" charset="0"/>
+                <a:ea typeface="Andale Mono" charset="0"/>
+                <a:cs typeface="Andale Mono" charset="0"/>
+              </a:rPr>
+              <a:t>FNV1a(“test”) == </a:t>
+            </a:r>
+            <a:r>
+              <a:rPr lang="cs-CZ" dirty="0" smtClean="0">
+                <a:latin typeface="Andale Mono" charset="0"/>
+                <a:ea typeface="Andale Mono" charset="0"/>
+                <a:cs typeface="Andale Mono" charset="0"/>
+              </a:rPr>
+              <a:t>f9e6e6ef197c2b25</a:t>
+            </a:r>
+          </a:p>
+          <a:p>
+            <a:r>
+              <a:rPr lang="en-US" dirty="0" smtClean="0">
+                <a:latin typeface="Andale Mono" charset="0"/>
+                <a:ea typeface="Andale Mono" charset="0"/>
+                <a:cs typeface="Andale Mono" charset="0"/>
+              </a:rPr>
+              <a:t>FNV1a(“this”) == </a:t>
+            </a:r>
+            <a:r>
+              <a:rPr lang="cs-CZ" dirty="0" smtClean="0">
+                <a:latin typeface="Andale Mono" charset="0"/>
+                <a:ea typeface="Andale Mono" charset="0"/>
+                <a:cs typeface="Andale Mono" charset="0"/>
+              </a:rPr>
+              <a:t>2587bcef32493841</a:t>
+            </a:r>
+          </a:p>
+          <a:p>
+            <a:r>
+              <a:rPr lang="cs-CZ" dirty="0">
+                <a:latin typeface="Andale Mono" charset="0"/>
+                <a:ea typeface="Andale Mono" charset="0"/>
+                <a:cs typeface="Andale Mono" charset="0"/>
+              </a:rPr>
+              <a:t>FNV(“test“) == </a:t>
+            </a:r>
+            <a:r>
+              <a:rPr lang="hu-HU" dirty="0" smtClean="0">
+                <a:latin typeface="Andale Mono" charset="0"/>
+                <a:ea typeface="Andale Mono" charset="0"/>
+                <a:cs typeface="Andale Mono" charset="0"/>
+              </a:rPr>
+              <a:t>8c093f7e9fccbf69</a:t>
+            </a:r>
+            <a:endParaRPr lang="cs-CZ" dirty="0" smtClean="0">
+              <a:latin typeface="Andale Mono" charset="0"/>
+              <a:ea typeface="Andale Mono" charset="0"/>
+              <a:cs typeface="Andale Mono" charset="0"/>
+            </a:endParaRPr>
+          </a:p>
+          <a:p>
+            <a:r>
+              <a:rPr lang="cs-CZ" dirty="0" smtClean="0">
+                <a:latin typeface="Andale Mono" charset="0"/>
+                <a:ea typeface="Andale Mono" charset="0"/>
+                <a:cs typeface="Andale Mono" charset="0"/>
+              </a:rPr>
+              <a:t>FNV(“</a:t>
+            </a:r>
+            <a:r>
+              <a:rPr lang="cs-CZ" dirty="0" err="1" smtClean="0">
+                <a:latin typeface="Andale Mono" charset="0"/>
+                <a:ea typeface="Andale Mono" charset="0"/>
+                <a:cs typeface="Andale Mono" charset="0"/>
+              </a:rPr>
+              <a:t>this</a:t>
+            </a:r>
+            <a:r>
+              <a:rPr lang="cs-CZ" dirty="0" smtClean="0">
+                <a:latin typeface="Andale Mono" charset="0"/>
+                <a:ea typeface="Andale Mono" charset="0"/>
+                <a:cs typeface="Andale Mono" charset="0"/>
+              </a:rPr>
+              <a:t>“) == </a:t>
+            </a:r>
+            <a:r>
+              <a:rPr lang="nl-NL" dirty="0" smtClean="0">
+                <a:latin typeface="Andale Mono" charset="0"/>
+                <a:ea typeface="Andale Mono" charset="0"/>
+                <a:cs typeface="Andale Mono" charset="0"/>
+              </a:rPr>
+              <a:t>8c1a417e9fdb35c5</a:t>
+            </a:r>
+            <a:endParaRPr lang="nl-NL" dirty="0">
+              <a:ea typeface="Andale Mono" charset="0"/>
+              <a:cs typeface="Andale Mono" charset="0"/>
+            </a:endParaRPr>
+          </a:p>
+          <a:p>
+            <a:endParaRPr lang="cs-CZ" dirty="0"/>
+          </a:p>
+          <a:p>
+            <a:endParaRPr lang="en-US" dirty="0"/>
           </a:p>
         </p:txBody>
       </p:sp>
@@ -12656,7 +13820,7 @@
     </p:spTree>
     <p:extLst>
       <p:ext uri="{BB962C8B-B14F-4D97-AF65-F5344CB8AC3E}">
-        <p14:creationId xmlns:p14="http://schemas.microsoft.com/office/powerpoint/2010/main" val="1058294162"/>
+        <p14:creationId xmlns:p14="http://schemas.microsoft.com/office/powerpoint/2010/main" val="160390420"/>
       </p:ext>
     </p:extLst>
   </p:cSld>
@@ -12699,10 +13863,10 @@
           <a:lstStyle/>
           <a:p>
             <a:r>
-              <a:rPr lang="en-US" smtClean="0"/>
-              <a:t>Takeaways</a:t>
-            </a:r>
-            <a:endParaRPr lang="en-US"/>
+              <a:rPr lang="en-US" dirty="0" smtClean="0"/>
+              <a:t>Cryptographic &amp; Non-cryptographic</a:t>
+            </a:r>
+            <a:endParaRPr lang="en-US" dirty="0"/>
           </a:p>
         </p:txBody>
       </p:sp>
@@ -12721,7 +13885,53 @@
           <a:bodyPr/>
           <a:lstStyle/>
           <a:p>
-            <a:endParaRPr lang="en-US"/>
+            <a:r>
+              <a:rPr lang="en-US" dirty="0" smtClean="0"/>
+              <a:t>Non-Cryptographic: meant to be fast</a:t>
+            </a:r>
+          </a:p>
+          <a:p>
+            <a:r>
+              <a:rPr lang="en-US" dirty="0" smtClean="0"/>
+              <a:t>Cryptographic: meant to be slow</a:t>
+            </a:r>
+          </a:p>
+          <a:p>
+            <a:r>
+              <a:rPr lang="en-US" dirty="0" smtClean="0"/>
+              <a:t>Uses:</a:t>
+            </a:r>
+          </a:p>
+          <a:p>
+            <a:pPr lvl="1"/>
+            <a:r>
+              <a:rPr lang="en-US" dirty="0" smtClean="0"/>
+              <a:t>Non-cryptographic: Algorithms (like hash tables/dictionaries)</a:t>
+            </a:r>
+          </a:p>
+          <a:p>
+            <a:pPr lvl="1"/>
+            <a:r>
+              <a:rPr lang="en-US" dirty="0" smtClean="0"/>
+              <a:t>Cryptographic: file integrity</a:t>
+            </a:r>
+          </a:p>
+          <a:p>
+            <a:r>
+              <a:rPr lang="en-US" b="1" dirty="0" smtClean="0"/>
+              <a:t>DO NOT</a:t>
+            </a:r>
+            <a:r>
+              <a:rPr lang="en-US" dirty="0" smtClean="0"/>
+              <a:t> use non-cryptographic hashes for secure use</a:t>
+            </a:r>
+          </a:p>
+          <a:p>
+            <a:pPr lvl="1"/>
+            <a:r>
+              <a:rPr lang="en-US" dirty="0" smtClean="0"/>
+              <a:t>in fact, sometimes don’t even use cryptographic ones alone</a:t>
+            </a:r>
           </a:p>
         </p:txBody>
       </p:sp>
@@ -12797,7 +14007,7 @@
     </p:spTree>
     <p:extLst>
       <p:ext uri="{BB962C8B-B14F-4D97-AF65-F5344CB8AC3E}">
-        <p14:creationId xmlns:p14="http://schemas.microsoft.com/office/powerpoint/2010/main" val="1290416280"/>
+        <p14:creationId xmlns:p14="http://schemas.microsoft.com/office/powerpoint/2010/main" val="1304939370"/>
       </p:ext>
     </p:extLst>
   </p:cSld>
@@ -12831,53 +14041,96 @@
             <a:spLocks noGrp="1"/>
           </p:cNvSpPr>
           <p:nvPr>
-            <p:ph type="ctrTitle"/>
-          </p:nvPr>
-        </p:nvSpPr>
-        <p:spPr/>
-        <p:txBody>
-          <a:bodyPr/>
-          <a:lstStyle/>
-          <a:p>
-            <a:r>
-              <a:rPr lang="en-US" dirty="0" smtClean="0"/>
-              <a:t>Lifetime of Data</a:t>
-            </a:r>
-            <a:endParaRPr lang="en-US" dirty="0"/>
-          </a:p>
-        </p:txBody>
-      </p:sp>
-      <p:sp>
-        <p:nvSpPr>
-          <p:cNvPr id="3" name="Subtitle 2"/>
-          <p:cNvSpPr>
-            <a:spLocks noGrp="1"/>
-          </p:cNvSpPr>
-          <p:nvPr>
-            <p:ph type="subTitle" idx="1"/>
-          </p:nvPr>
-        </p:nvSpPr>
-        <p:spPr/>
-        <p:txBody>
-          <a:bodyPr/>
-          <a:lstStyle/>
-          <a:p>
+            <p:ph type="title"/>
+          </p:nvPr>
+        </p:nvSpPr>
+        <p:spPr/>
+        <p:txBody>
+          <a:bodyPr/>
+          <a:lstStyle/>
+          <a:p>
+            <a:r>
+              <a:rPr lang="en-US" dirty="0" smtClean="0"/>
+              <a:t>Encryption vs Hashing</a:t>
+            </a:r>
+            <a:endParaRPr lang="en-US" dirty="0"/>
+          </a:p>
+        </p:txBody>
+      </p:sp>
+      <p:sp>
+        <p:nvSpPr>
+          <p:cNvPr id="3" name="Content Placeholder 2"/>
+          <p:cNvSpPr>
+            <a:spLocks noGrp="1"/>
+          </p:cNvSpPr>
+          <p:nvPr>
+            <p:ph idx="1"/>
+          </p:nvPr>
+        </p:nvSpPr>
+        <p:spPr/>
+        <p:txBody>
+          <a:bodyPr/>
+          <a:lstStyle/>
+          <a:p>
+            <a:r>
+              <a:rPr lang="en-US" dirty="0" smtClean="0"/>
+              <a:t>Use Encryption</a:t>
+            </a:r>
+            <a:r>
+              <a:rPr lang="is-IS" dirty="0"/>
+              <a:t> </a:t>
+            </a:r>
+            <a:r>
+              <a:rPr lang="is-IS" dirty="0" smtClean="0"/>
+              <a:t>when you’re sharing something new</a:t>
+            </a:r>
+          </a:p>
+          <a:p>
+            <a:r>
+              <a:rPr lang="is-IS" dirty="0" smtClean="0"/>
+              <a:t>Use hashing when you’re sharing something:</a:t>
+            </a:r>
+          </a:p>
+          <a:p>
+            <a:pPr lvl="1"/>
+            <a:r>
+              <a:rPr lang="en-US" dirty="0" smtClean="0"/>
+              <a:t>B</a:t>
+            </a:r>
+            <a:r>
+              <a:rPr lang="is-IS" dirty="0" smtClean="0"/>
+              <a:t>oth sides know</a:t>
+            </a:r>
+          </a:p>
+          <a:p>
+            <a:pPr lvl="1"/>
+            <a:r>
+              <a:rPr lang="is-IS" dirty="0" smtClean="0"/>
+              <a:t>Both sides </a:t>
+            </a:r>
             <a:r>
               <a:rPr lang="is-IS" i="1" dirty="0" smtClean="0"/>
-              <a:t>…those who search for gold, dig over much earth and find little</a:t>
-            </a:r>
-            <a:endParaRPr lang="is-IS" dirty="0" smtClean="0"/>
-          </a:p>
-          <a:p>
-            <a:r>
-              <a:rPr lang="is-IS" sz="1600" dirty="0" smtClean="0"/>
-              <a:t>Clement, </a:t>
-            </a:r>
-            <a:r>
-              <a:rPr lang="is-IS" sz="1600" i="1" dirty="0" smtClean="0"/>
-              <a:t>Miscellanies</a:t>
-            </a:r>
-            <a:endParaRPr lang="en-US" sz="1600" i="1" dirty="0"/>
+              <a:t>may</a:t>
+            </a:r>
+            <a:r>
+              <a:rPr lang="is-IS" dirty="0" smtClean="0"/>
+              <a:t> know, but want to verify</a:t>
+            </a:r>
+          </a:p>
+          <a:p>
+            <a:pPr lvl="1"/>
+            <a:r>
+              <a:rPr lang="en-US" dirty="0" smtClean="0"/>
+              <a:t>O</a:t>
+            </a:r>
+            <a:r>
+              <a:rPr lang="is-IS" dirty="0" smtClean="0"/>
+              <a:t>ne side may not know, but wishes to ensure is unmodified</a:t>
+            </a:r>
+          </a:p>
+          <a:p>
+            <a:pPr lvl="1"/>
+            <a:endParaRPr lang="en-US" dirty="0"/>
           </a:p>
         </p:txBody>
       </p:sp>
@@ -12953,13 +14206,20 @@
     </p:spTree>
     <p:extLst>
       <p:ext uri="{BB962C8B-B14F-4D97-AF65-F5344CB8AC3E}">
-        <p14:creationId xmlns:p14="http://schemas.microsoft.com/office/powerpoint/2010/main" val="542822026"/>
+        <p14:creationId xmlns:p14="http://schemas.microsoft.com/office/powerpoint/2010/main" val="586295322"/>
       </p:ext>
     </p:extLst>
   </p:cSld>
   <p:clrMapOvr>
     <a:masterClrMapping/>
   </p:clrMapOvr>
+  <p:timing>
+    <p:tnLst>
+      <p:par>
+        <p:cTn id="1" dur="indefinite" restart="never" nodeType="tmRoot"/>
+      </p:par>
+    </p:tnLst>
+  </p:timing>
 </p:sld>
 </file>
 
@@ -13111,6 +14371,13 @@
   <p:clrMapOvr>
     <a:masterClrMapping/>
   </p:clrMapOvr>
+  <p:timing>
+    <p:tnLst>
+      <p:par>
+        <p:cTn id="1" dur="indefinite" restart="never" nodeType="tmRoot"/>
+      </p:par>
+    </p:tnLst>
+  </p:timing>
 </p:sld>
 </file>
 
@@ -13138,53 +14405,96 @@
             <a:spLocks noGrp="1"/>
           </p:cNvSpPr>
           <p:nvPr>
-            <p:ph type="ctrTitle"/>
-          </p:nvPr>
-        </p:nvSpPr>
-        <p:spPr/>
-        <p:txBody>
-          <a:bodyPr/>
-          <a:lstStyle/>
-          <a:p>
-            <a:r>
-              <a:rPr lang="en-US" dirty="0" smtClean="0"/>
-              <a:t>Mobile Registration</a:t>
-            </a:r>
-            <a:endParaRPr lang="en-US" dirty="0"/>
-          </a:p>
-        </p:txBody>
-      </p:sp>
-      <p:sp>
-        <p:nvSpPr>
-          <p:cNvPr id="3" name="Subtitle 2"/>
-          <p:cNvSpPr>
-            <a:spLocks noGrp="1"/>
-          </p:cNvSpPr>
-          <p:nvPr>
-            <p:ph type="subTitle" idx="1"/>
-          </p:nvPr>
-        </p:nvSpPr>
-        <p:spPr/>
-        <p:txBody>
-          <a:bodyPr/>
-          <a:lstStyle/>
-          <a:p>
-            <a:r>
-              <a:rPr lang="en-US" i="1" dirty="0" smtClean="0"/>
-              <a:t>They would not know the name of justice if these things did not exist</a:t>
-            </a:r>
-            <a:endParaRPr lang="en-US" dirty="0" smtClean="0"/>
-          </a:p>
-          <a:p>
-            <a:r>
-              <a:rPr lang="en-US" sz="1600" dirty="0" smtClean="0"/>
-              <a:t>Clement, </a:t>
-            </a:r>
-            <a:r>
-              <a:rPr lang="en-US" sz="1600" i="1" dirty="0" smtClean="0"/>
-              <a:t>Miscellanies</a:t>
-            </a:r>
-            <a:endParaRPr lang="en-US" sz="1600" i="1" dirty="0"/>
+            <p:ph type="title"/>
+          </p:nvPr>
+        </p:nvSpPr>
+        <p:spPr/>
+        <p:txBody>
+          <a:bodyPr/>
+          <a:lstStyle/>
+          <a:p>
+            <a:r>
+              <a:rPr lang="en-US" dirty="0" smtClean="0"/>
+              <a:t>Combining Hashing &amp; Encryption</a:t>
+            </a:r>
+            <a:endParaRPr lang="en-US" dirty="0"/>
+          </a:p>
+        </p:txBody>
+      </p:sp>
+      <p:sp>
+        <p:nvSpPr>
+          <p:cNvPr id="3" name="Content Placeholder 2"/>
+          <p:cNvSpPr>
+            <a:spLocks noGrp="1"/>
+          </p:cNvSpPr>
+          <p:nvPr>
+            <p:ph idx="1"/>
+          </p:nvPr>
+        </p:nvSpPr>
+        <p:spPr/>
+        <p:txBody>
+          <a:bodyPr/>
+          <a:lstStyle/>
+          <a:p>
+            <a:r>
+              <a:rPr lang="en-US" dirty="0" smtClean="0"/>
+              <a:t>Encryption != Integrity</a:t>
+            </a:r>
+          </a:p>
+          <a:p>
+            <a:pPr lvl="1"/>
+            <a:r>
+              <a:rPr lang="en-US" dirty="0" smtClean="0"/>
+              <a:t>Plaintext: [1 1 0 1 </a:t>
+            </a:r>
+            <a:r>
+              <a:rPr lang="is-IS" dirty="0" smtClean="0"/>
+              <a:t>…]</a:t>
+            </a:r>
+          </a:p>
+          <a:p>
+            <a:pPr lvl="1"/>
+            <a:r>
+              <a:rPr lang="is-IS" dirty="0" smtClean="0"/>
+              <a:t>Ciphertext: [0 1 0 0 ...]</a:t>
+            </a:r>
+          </a:p>
+          <a:p>
+            <a:r>
+              <a:rPr lang="is-IS" dirty="0" smtClean="0"/>
+              <a:t>Attackers can flip bits in the cipher text...</a:t>
+            </a:r>
+          </a:p>
+          <a:p>
+            <a:r>
+              <a:rPr lang="is-IS" dirty="0" smtClean="0"/>
+              <a:t>The fix? Encrypt then HMAC:</a:t>
+            </a:r>
+          </a:p>
+          <a:p>
+            <a:pPr lvl="1"/>
+            <a:r>
+              <a:rPr lang="is-IS" dirty="0" smtClean="0"/>
+              <a:t>Ciphertext: [0 1 0 0 ...]</a:t>
+            </a:r>
+          </a:p>
+          <a:p>
+            <a:pPr lvl="1"/>
+            <a:r>
+              <a:rPr lang="is-IS" dirty="0" smtClean="0"/>
+              <a:t>HMAC: [1 1 1 0 ...]</a:t>
+            </a:r>
+          </a:p>
+          <a:p>
+            <a:pPr lvl="1"/>
+            <a:r>
+              <a:rPr lang="is-IS" dirty="0" smtClean="0"/>
+              <a:t>Any modification in transit will fail the hash check</a:t>
+            </a:r>
+          </a:p>
+          <a:p>
+            <a:pPr lvl="1"/>
+            <a:endParaRPr lang="en-US" dirty="0"/>
           </a:p>
         </p:txBody>
       </p:sp>
@@ -13260,13 +14570,20 @@
     </p:spTree>
     <p:extLst>
       <p:ext uri="{BB962C8B-B14F-4D97-AF65-F5344CB8AC3E}">
-        <p14:creationId xmlns:p14="http://schemas.microsoft.com/office/powerpoint/2010/main" val="247592528"/>
+        <p14:creationId xmlns:p14="http://schemas.microsoft.com/office/powerpoint/2010/main" val="1244821618"/>
       </p:ext>
     </p:extLst>
   </p:cSld>
   <p:clrMapOvr>
     <a:masterClrMapping/>
   </p:clrMapOvr>
+  <p:timing>
+    <p:tnLst>
+      <p:par>
+        <p:cTn id="1" dur="indefinite" restart="never" nodeType="tmRoot"/>
+      </p:par>
+    </p:tnLst>
+  </p:timing>
 </p:sld>
 </file>
 
@@ -13294,50 +14611,84 @@
             <a:spLocks noGrp="1"/>
           </p:cNvSpPr>
           <p:nvPr>
-            <p:ph type="ctrTitle"/>
-          </p:nvPr>
-        </p:nvSpPr>
-        <p:spPr/>
-        <p:txBody>
-          <a:bodyPr/>
-          <a:lstStyle/>
-          <a:p>
-            <a:r>
-              <a:rPr lang="en-US" dirty="0" smtClean="0"/>
-              <a:t>Entropy Sources</a:t>
-            </a:r>
-            <a:endParaRPr lang="en-US" dirty="0"/>
-          </a:p>
-        </p:txBody>
-      </p:sp>
-      <p:sp>
-        <p:nvSpPr>
-          <p:cNvPr id="3" name="Subtitle 2"/>
-          <p:cNvSpPr>
-            <a:spLocks noGrp="1"/>
-          </p:cNvSpPr>
-          <p:nvPr>
-            <p:ph type="subTitle" idx="1"/>
-          </p:nvPr>
-        </p:nvSpPr>
-        <p:spPr/>
-        <p:txBody>
-          <a:bodyPr/>
-          <a:lstStyle/>
-          <a:p>
-            <a:r>
-              <a:rPr lang="en-US" i="1" dirty="0" smtClean="0"/>
-              <a:t>Let us not conjecture at random about the most important things</a:t>
-            </a:r>
-          </a:p>
-          <a:p>
-            <a:r>
-              <a:rPr lang="en-US" dirty="0" smtClean="0"/>
-              <a:t>Diogenes Laertius, </a:t>
-            </a:r>
-            <a:r>
-              <a:rPr lang="en-US" i="1" dirty="0" smtClean="0"/>
-              <a:t>Lives of the Philosophers</a:t>
+            <p:ph type="title"/>
+          </p:nvPr>
+        </p:nvSpPr>
+        <p:spPr>
+          <a:xfrm>
+            <a:off x="838200" y="389509"/>
+            <a:ext cx="10515600" cy="1325563"/>
+          </a:xfrm>
+        </p:spPr>
+        <p:txBody>
+          <a:bodyPr/>
+          <a:lstStyle/>
+          <a:p>
+            <a:r>
+              <a:rPr lang="en-US" dirty="0" smtClean="0"/>
+              <a:t>A word about password </a:t>
+            </a:r>
+            <a:r>
+              <a:rPr lang="en-US" dirty="0"/>
+              <a:t>s</a:t>
+            </a:r>
+            <a:r>
+              <a:rPr lang="en-US" dirty="0" smtClean="0"/>
+              <a:t>torage</a:t>
+            </a:r>
+            <a:endParaRPr lang="en-US" dirty="0"/>
+          </a:p>
+        </p:txBody>
+      </p:sp>
+      <p:sp>
+        <p:nvSpPr>
+          <p:cNvPr id="3" name="Content Placeholder 2"/>
+          <p:cNvSpPr>
+            <a:spLocks noGrp="1"/>
+          </p:cNvSpPr>
+          <p:nvPr>
+            <p:ph idx="1"/>
+          </p:nvPr>
+        </p:nvSpPr>
+        <p:spPr/>
+        <p:txBody>
+          <a:bodyPr/>
+          <a:lstStyle/>
+          <a:p>
+            <a:r>
+              <a:rPr lang="en-US" dirty="0" smtClean="0"/>
+              <a:t>Never Store passwords on the device.</a:t>
+            </a:r>
+          </a:p>
+          <a:p>
+            <a:r>
+              <a:rPr lang="en-US" dirty="0" smtClean="0"/>
+              <a:t>If you </a:t>
+            </a:r>
+            <a:r>
+              <a:rPr lang="en-US" b="1" dirty="0" smtClean="0"/>
+              <a:t>must</a:t>
+            </a:r>
+            <a:r>
+              <a:rPr lang="en-US" dirty="0" smtClean="0"/>
+              <a:t> store passwords on the device, use keychain</a:t>
+            </a:r>
+          </a:p>
+          <a:p>
+            <a:r>
+              <a:rPr lang="en-US" dirty="0" smtClean="0"/>
+              <a:t>If for some reason you cannot use the keychain</a:t>
+            </a:r>
+            <a:r>
+              <a:rPr lang="is-IS" dirty="0" smtClean="0"/>
+              <a:t>…</a:t>
+            </a:r>
+          </a:p>
+          <a:p>
+            <a:pPr lvl="1"/>
+            <a:r>
+              <a:rPr lang="is-IS" dirty="0" smtClean="0"/>
+              <a:t>You’re probably in trouble: pass the hash, key storage, &amp;c &amp;c</a:t>
             </a:r>
             <a:endParaRPr lang="en-US" dirty="0"/>
           </a:p>
@@ -13415,7 +14766,7 @@
     </p:spTree>
     <p:extLst>
       <p:ext uri="{BB962C8B-B14F-4D97-AF65-F5344CB8AC3E}">
-        <p14:creationId xmlns:p14="http://schemas.microsoft.com/office/powerpoint/2010/main" val="2070448506"/>
+        <p14:creationId xmlns:p14="http://schemas.microsoft.com/office/powerpoint/2010/main" val="1564100614"/>
       </p:ext>
     </p:extLst>
   </p:cSld>
@@ -13449,59 +14800,82 @@
             <a:spLocks noGrp="1"/>
           </p:cNvSpPr>
           <p:nvPr>
-            <p:ph type="ctrTitle"/>
-          </p:nvPr>
-        </p:nvSpPr>
-        <p:spPr/>
-        <p:txBody>
-          <a:bodyPr/>
-          <a:lstStyle/>
-          <a:p>
-            <a:r>
-              <a:rPr lang="en-US" dirty="0" smtClean="0"/>
-              <a:t>Take </a:t>
-            </a:r>
+            <p:ph type="title"/>
+          </p:nvPr>
+        </p:nvSpPr>
+        <p:spPr/>
+        <p:txBody>
+          <a:bodyPr/>
+          <a:lstStyle/>
+          <a:p>
+            <a:r>
+              <a:rPr lang="en-US" dirty="0" smtClean="0"/>
+              <a:t>Drawbacks</a:t>
+            </a:r>
+            <a:endParaRPr lang="en-US" dirty="0"/>
+          </a:p>
+        </p:txBody>
+      </p:sp>
+      <p:sp>
+        <p:nvSpPr>
+          <p:cNvPr id="3" name="Content Placeholder 2"/>
+          <p:cNvSpPr>
+            <a:spLocks noGrp="1"/>
+          </p:cNvSpPr>
+          <p:nvPr>
+            <p:ph idx="1"/>
+          </p:nvPr>
+        </p:nvSpPr>
+        <p:spPr/>
+        <p:txBody>
+          <a:bodyPr/>
+          <a:lstStyle/>
+          <a:p>
+            <a:r>
+              <a:rPr lang="en-US" dirty="0" smtClean="0"/>
+              <a:t>Key management</a:t>
+            </a:r>
+          </a:p>
+          <a:p>
+            <a:r>
+              <a:rPr lang="en-US" dirty="0" smtClean="0"/>
+              <a:t>Adequate strength</a:t>
+            </a:r>
+          </a:p>
+          <a:p>
+            <a:r>
+              <a:rPr lang="en-US" dirty="0" smtClean="0"/>
+              <a:t>Complexity in:</a:t>
+            </a:r>
+          </a:p>
+          <a:p>
+            <a:pPr lvl="1"/>
+            <a:r>
+              <a:rPr lang="en-US" dirty="0" smtClean="0"/>
+              <a:t>Key selection</a:t>
+            </a:r>
+          </a:p>
+          <a:p>
+            <a:pPr lvl="1"/>
+            <a:r>
+              <a:rPr lang="en-US" dirty="0" smtClean="0"/>
+              <a:t>Algorithm selection</a:t>
+            </a:r>
+          </a:p>
+          <a:p>
+            <a:pPr lvl="1"/>
             <a:r>
               <a:rPr lang="en-US" dirty="0" err="1" smtClean="0"/>
-              <a:t>Aways</a:t>
-            </a:r>
-            <a:endParaRPr lang="en-US" dirty="0"/>
-          </a:p>
-        </p:txBody>
-      </p:sp>
-      <p:sp>
-        <p:nvSpPr>
-          <p:cNvPr id="3" name="Subtitle 2"/>
-          <p:cNvSpPr>
-            <a:spLocks noGrp="1"/>
-          </p:cNvSpPr>
-          <p:nvPr>
-            <p:ph type="subTitle" idx="1"/>
-          </p:nvPr>
-        </p:nvSpPr>
-        <p:spPr/>
-        <p:txBody>
-          <a:bodyPr/>
-          <a:lstStyle/>
-          <a:p>
-            <a:r>
-              <a:rPr lang="en-US" i="1" dirty="0" smtClean="0"/>
-              <a:t>For fire will come and judge and convict all things</a:t>
-            </a:r>
-          </a:p>
-          <a:p>
-            <a:r>
-              <a:rPr lang="en-US" dirty="0" smtClean="0"/>
-              <a:t>Hippolytus, </a:t>
-            </a:r>
-            <a:r>
-              <a:rPr lang="en-US" i="1" dirty="0" smtClean="0"/>
-              <a:t>Refutation of all Heresies</a:t>
-            </a:r>
-            <a:endParaRPr lang="en-US" dirty="0" smtClean="0"/>
-          </a:p>
-          <a:p>
-            <a:endParaRPr lang="en-US" dirty="0"/>
+              <a:t>Ciphertext</a:t>
+            </a:r>
+            <a:r>
+              <a:rPr lang="en-US" dirty="0" smtClean="0"/>
+              <a:t> &amp; Key storage &amp; transmission</a:t>
+            </a:r>
+            <a:r>
+              <a:rPr lang="is-IS" dirty="0" smtClean="0"/>
+              <a:t>…</a:t>
+            </a:r>
           </a:p>
         </p:txBody>
       </p:sp>
@@ -13577,7 +14951,7 @@
     </p:spTree>
     <p:extLst>
       <p:ext uri="{BB962C8B-B14F-4D97-AF65-F5344CB8AC3E}">
-        <p14:creationId xmlns:p14="http://schemas.microsoft.com/office/powerpoint/2010/main" val="1060423506"/>
+        <p14:creationId xmlns:p14="http://schemas.microsoft.com/office/powerpoint/2010/main" val="1058294162"/>
       </p:ext>
     </p:extLst>
   </p:cSld>
@@ -13621,59 +14995,75 @@
           <a:p>
             <a:r>
               <a:rPr lang="en-US" dirty="0" smtClean="0"/>
-              <a:t>Take </a:t>
+              <a:t>Takeaways</a:t>
+            </a:r>
+            <a:endParaRPr lang="en-US" dirty="0"/>
+          </a:p>
+        </p:txBody>
+      </p:sp>
+      <p:sp>
+        <p:nvSpPr>
+          <p:cNvPr id="3" name="Content Placeholder 2"/>
+          <p:cNvSpPr>
+            <a:spLocks noGrp="1"/>
+          </p:cNvSpPr>
+          <p:nvPr>
+            <p:ph idx="1"/>
+          </p:nvPr>
+        </p:nvSpPr>
+        <p:spPr/>
+        <p:txBody>
+          <a:bodyPr/>
+          <a:lstStyle/>
+          <a:p>
+            <a:r>
+              <a:rPr lang="en-US" dirty="0" smtClean="0"/>
+              <a:t>Avoid encrypting anything manually</a:t>
+            </a:r>
+          </a:p>
+          <a:p>
+            <a:pPr lvl="1"/>
+            <a:r>
+              <a:rPr lang="en-US" dirty="0" smtClean="0"/>
+              <a:t>Use the </a:t>
             </a:r>
             <a:r>
               <a:rPr lang="en-US" dirty="0" err="1" smtClean="0"/>
-              <a:t>Aways</a:t>
-            </a:r>
-            <a:endParaRPr lang="en-US" dirty="0"/>
-          </a:p>
-        </p:txBody>
-      </p:sp>
-      <p:sp>
-        <p:nvSpPr>
-          <p:cNvPr id="3" name="Content Placeholder 2"/>
-          <p:cNvSpPr>
-            <a:spLocks noGrp="1"/>
-          </p:cNvSpPr>
-          <p:nvPr>
-            <p:ph idx="1"/>
-          </p:nvPr>
-        </p:nvSpPr>
-        <p:spPr/>
-        <p:txBody>
-          <a:bodyPr/>
-          <a:lstStyle/>
-          <a:p>
-            <a:r>
-              <a:rPr lang="en-US" dirty="0" smtClean="0"/>
-              <a:t>TLS: pin the public key or the certificate, use the latest version of TLS.</a:t>
-            </a:r>
-          </a:p>
-          <a:p>
-            <a:r>
-              <a:rPr lang="en-US" dirty="0" smtClean="0"/>
-              <a:t>Data: know when to encrypt, hash, or both your data.</a:t>
-            </a:r>
-          </a:p>
-          <a:p>
-            <a:r>
-              <a:rPr lang="en-US" dirty="0" smtClean="0"/>
-              <a:t>Data: make sure you know when &amp; where data is being used.</a:t>
-            </a:r>
-          </a:p>
-          <a:p>
-            <a:r>
-              <a:rPr lang="en-US" dirty="0" smtClean="0"/>
-              <a:t>Registration: make sure you know who your user is, and what device they’re on</a:t>
-            </a:r>
-          </a:p>
-          <a:p>
-            <a:r>
-              <a:rPr lang="en-US" dirty="0" smtClean="0"/>
-              <a:t>Entropy: stuff is like random, until it’s not.</a:t>
-            </a:r>
+              <a:t>KeyChain</a:t>
+            </a:r>
+            <a:r>
+              <a:rPr lang="en-US" dirty="0" smtClean="0"/>
+              <a:t>/</a:t>
+            </a:r>
+            <a:r>
+              <a:rPr lang="en-US" dirty="0" err="1" smtClean="0"/>
+              <a:t>KeyStore</a:t>
+            </a:r>
+            <a:r>
+              <a:rPr lang="en-US" dirty="0" smtClean="0"/>
+              <a:t> or the like instead</a:t>
+            </a:r>
+          </a:p>
+          <a:p>
+            <a:r>
+              <a:rPr lang="en-US" dirty="0" smtClean="0"/>
+              <a:t>If you </a:t>
+            </a:r>
+            <a:r>
+              <a:rPr lang="en-US" b="1" dirty="0" smtClean="0"/>
+              <a:t>must</a:t>
+            </a:r>
+            <a:r>
+              <a:rPr lang="en-US" dirty="0" smtClean="0"/>
+              <a:t>, use standard algorithms with secure modes</a:t>
+            </a:r>
+          </a:p>
+          <a:p>
+            <a:r>
+              <a:rPr lang="en-US" dirty="0" smtClean="0"/>
+              <a:t>Do not write custom algorithms</a:t>
+            </a:r>
+            <a:endParaRPr lang="en-US" dirty="0"/>
           </a:p>
         </p:txBody>
       </p:sp>
@@ -13749,7 +15139,7 @@
     </p:spTree>
     <p:extLst>
       <p:ext uri="{BB962C8B-B14F-4D97-AF65-F5344CB8AC3E}">
-        <p14:creationId xmlns:p14="http://schemas.microsoft.com/office/powerpoint/2010/main" val="1666281814"/>
+        <p14:creationId xmlns:p14="http://schemas.microsoft.com/office/powerpoint/2010/main" val="1290416280"/>
       </p:ext>
     </p:extLst>
   </p:cSld>
@@ -13783,42 +15173,53 @@
             <a:spLocks noGrp="1"/>
           </p:cNvSpPr>
           <p:nvPr>
-            <p:ph type="title"/>
-          </p:nvPr>
-        </p:nvSpPr>
-        <p:spPr/>
-        <p:txBody>
-          <a:bodyPr/>
-          <a:lstStyle/>
-          <a:p>
-            <a:r>
-              <a:rPr lang="en-US" dirty="0" smtClean="0"/>
-              <a:t>Thanks!</a:t>
-            </a:r>
-            <a:endParaRPr lang="en-US" dirty="0"/>
-          </a:p>
-        </p:txBody>
-      </p:sp>
-      <p:sp>
-        <p:nvSpPr>
-          <p:cNvPr id="3" name="Content Placeholder 2"/>
-          <p:cNvSpPr>
-            <a:spLocks noGrp="1"/>
-          </p:cNvSpPr>
-          <p:nvPr>
-            <p:ph idx="1"/>
-          </p:nvPr>
-        </p:nvSpPr>
-        <p:spPr/>
-        <p:txBody>
-          <a:bodyPr/>
-          <a:lstStyle/>
-          <a:p>
-            <a:r>
-              <a:rPr lang="en-US" dirty="0" smtClean="0"/>
-              <a:t>Questions?</a:t>
-            </a:r>
-            <a:endParaRPr lang="en-US" dirty="0"/>
+            <p:ph type="ctrTitle"/>
+          </p:nvPr>
+        </p:nvSpPr>
+        <p:spPr/>
+        <p:txBody>
+          <a:bodyPr/>
+          <a:lstStyle/>
+          <a:p>
+            <a:r>
+              <a:rPr lang="en-US" dirty="0" smtClean="0"/>
+              <a:t>Lifetime of Data</a:t>
+            </a:r>
+            <a:endParaRPr lang="en-US" dirty="0"/>
+          </a:p>
+        </p:txBody>
+      </p:sp>
+      <p:sp>
+        <p:nvSpPr>
+          <p:cNvPr id="3" name="Subtitle 2"/>
+          <p:cNvSpPr>
+            <a:spLocks noGrp="1"/>
+          </p:cNvSpPr>
+          <p:nvPr>
+            <p:ph type="subTitle" idx="1"/>
+          </p:nvPr>
+        </p:nvSpPr>
+        <p:spPr/>
+        <p:txBody>
+          <a:bodyPr/>
+          <a:lstStyle/>
+          <a:p>
+            <a:r>
+              <a:rPr lang="is-IS" i="1" dirty="0" smtClean="0"/>
+              <a:t>…those who search for gold, dig over much earth and find little</a:t>
+            </a:r>
+            <a:endParaRPr lang="is-IS" dirty="0" smtClean="0"/>
+          </a:p>
+          <a:p>
+            <a:r>
+              <a:rPr lang="is-IS" sz="1600" dirty="0" smtClean="0"/>
+              <a:t>Clement, </a:t>
+            </a:r>
+            <a:r>
+              <a:rPr lang="is-IS" sz="1600" i="1" dirty="0" smtClean="0"/>
+              <a:t>Miscellanies</a:t>
+            </a:r>
+            <a:endParaRPr lang="en-US" sz="1600" i="1" dirty="0"/>
           </a:p>
         </p:txBody>
       </p:sp>
@@ -13894,13 +15295,1160 @@
     </p:spTree>
     <p:extLst>
       <p:ext uri="{BB962C8B-B14F-4D97-AF65-F5344CB8AC3E}">
-        <p14:creationId xmlns:p14="http://schemas.microsoft.com/office/powerpoint/2010/main" val="862882034"/>
+        <p14:creationId xmlns:p14="http://schemas.microsoft.com/office/powerpoint/2010/main" val="542822026"/>
       </p:ext>
     </p:extLst>
   </p:cSld>
   <p:clrMapOvr>
     <a:masterClrMapping/>
   </p:clrMapOvr>
+  <p:timing>
+    <p:tnLst>
+      <p:par>
+        <p:cTn id="1" dur="indefinite" restart="never" nodeType="tmRoot"/>
+      </p:par>
+    </p:tnLst>
+  </p:timing>
+</p:sld>
+</file>
+
+<file path=ppt/slides/slide55.xml><?xml version="1.0" encoding="utf-8"?>
+<p:sld xmlns:a="http://schemas.openxmlformats.org/drawingml/2006/main" xmlns:r="http://schemas.openxmlformats.org/officeDocument/2006/relationships" xmlns:p="http://schemas.openxmlformats.org/presentationml/2006/main">
+  <p:cSld>
+    <p:spTree>
+      <p:nvGrpSpPr>
+        <p:cNvPr id="1" name=""/>
+        <p:cNvGrpSpPr/>
+        <p:nvPr/>
+      </p:nvGrpSpPr>
+      <p:grpSpPr>
+        <a:xfrm>
+          <a:off x="0" y="0"/>
+          <a:ext cx="0" cy="0"/>
+          <a:chOff x="0" y="0"/>
+          <a:chExt cx="0" cy="0"/>
+        </a:xfrm>
+      </p:grpSpPr>
+      <p:sp>
+        <p:nvSpPr>
+          <p:cNvPr id="2" name="Title 1"/>
+          <p:cNvSpPr>
+            <a:spLocks noGrp="1"/>
+          </p:cNvSpPr>
+          <p:nvPr>
+            <p:ph type="title"/>
+          </p:nvPr>
+        </p:nvSpPr>
+        <p:spPr/>
+        <p:txBody>
+          <a:bodyPr/>
+          <a:lstStyle/>
+          <a:p>
+            <a:r>
+              <a:rPr lang="en-US" dirty="0" smtClean="0"/>
+              <a:t>Data lives</a:t>
+            </a:r>
+            <a:r>
+              <a:rPr lang="is-IS" dirty="0" smtClean="0"/>
+              <a:t>…</a:t>
+            </a:r>
+            <a:endParaRPr lang="en-US" dirty="0"/>
+          </a:p>
+        </p:txBody>
+      </p:sp>
+      <p:sp>
+        <p:nvSpPr>
+          <p:cNvPr id="3" name="Content Placeholder 2"/>
+          <p:cNvSpPr>
+            <a:spLocks noGrp="1"/>
+          </p:cNvSpPr>
+          <p:nvPr>
+            <p:ph idx="1"/>
+          </p:nvPr>
+        </p:nvSpPr>
+        <p:spPr/>
+        <p:txBody>
+          <a:bodyPr/>
+          <a:lstStyle/>
+          <a:p>
+            <a:r>
+              <a:rPr lang="en-US" dirty="0" smtClean="0"/>
+              <a:t>On Screen</a:t>
+            </a:r>
+          </a:p>
+          <a:p>
+            <a:pPr lvl="1"/>
+            <a:r>
+              <a:rPr lang="en-US" dirty="0" smtClean="0"/>
+              <a:t>Backgrounded screenshots</a:t>
+            </a:r>
+          </a:p>
+          <a:p>
+            <a:r>
+              <a:rPr lang="en-US" dirty="0" smtClean="0"/>
+              <a:t>In Memory</a:t>
+            </a:r>
+          </a:p>
+          <a:p>
+            <a:pPr lvl="1"/>
+            <a:r>
+              <a:rPr lang="en-US" dirty="0" smtClean="0"/>
+              <a:t>Variables prior to GC</a:t>
+            </a:r>
+          </a:p>
+          <a:p>
+            <a:r>
+              <a:rPr lang="en-US" dirty="0" smtClean="0"/>
+              <a:t>On Disk</a:t>
+            </a:r>
+          </a:p>
+          <a:p>
+            <a:pPr lvl="1"/>
+            <a:r>
+              <a:rPr lang="en-US" dirty="0" smtClean="0"/>
+              <a:t>Potentially, depends on your reification of data</a:t>
+            </a:r>
+            <a:endParaRPr lang="en-US" dirty="0"/>
+          </a:p>
+        </p:txBody>
+      </p:sp>
+      <p:sp>
+        <p:nvSpPr>
+          <p:cNvPr id="4" name="Date Placeholder 3"/>
+          <p:cNvSpPr>
+            <a:spLocks noGrp="1"/>
+          </p:cNvSpPr>
+          <p:nvPr>
+            <p:ph type="dt" sz="half" idx="10"/>
+          </p:nvPr>
+        </p:nvSpPr>
+        <p:spPr/>
+        <p:txBody>
+          <a:bodyPr/>
+          <a:lstStyle/>
+          <a:p>
+            <a:r>
+              <a:rPr lang="en-US" smtClean="0"/>
+              <a:t>20-DEC-2016</a:t>
+            </a:r>
+            <a:endParaRPr lang="en-US" dirty="0"/>
+          </a:p>
+        </p:txBody>
+      </p:sp>
+      <p:sp>
+        <p:nvSpPr>
+          <p:cNvPr id="5" name="Footer Placeholder 4"/>
+          <p:cNvSpPr>
+            <a:spLocks noGrp="1"/>
+          </p:cNvSpPr>
+          <p:nvPr>
+            <p:ph type="ftr" sz="quarter" idx="11"/>
+          </p:nvPr>
+        </p:nvSpPr>
+        <p:spPr/>
+        <p:txBody>
+          <a:bodyPr/>
+          <a:lstStyle/>
+          <a:p>
+            <a:r>
+              <a:rPr lang="en-US" smtClean="0"/>
+              <a:t>©2016 nVisium</a:t>
+            </a:r>
+            <a:endParaRPr lang="en-US" dirty="0"/>
+          </a:p>
+        </p:txBody>
+      </p:sp>
+      <p:sp>
+        <p:nvSpPr>
+          <p:cNvPr id="6" name="Slide Number Placeholder 5"/>
+          <p:cNvSpPr>
+            <a:spLocks noGrp="1"/>
+          </p:cNvSpPr>
+          <p:nvPr>
+            <p:ph type="sldNum" sz="quarter" idx="12"/>
+          </p:nvPr>
+        </p:nvSpPr>
+        <p:spPr/>
+        <p:txBody>
+          <a:bodyPr/>
+          <a:lstStyle/>
+          <a:p>
+            <a:fld id="{52EE06B1-A74F-7141-A24F-57941FF3B645}" type="slidenum">
+              <a:rPr lang="en-US" smtClean="0"/>
+              <a:t>55</a:t>
+            </a:fld>
+            <a:endParaRPr lang="en-US"/>
+          </a:p>
+        </p:txBody>
+      </p:sp>
+    </p:spTree>
+    <p:extLst>
+      <p:ext uri="{BB962C8B-B14F-4D97-AF65-F5344CB8AC3E}">
+        <p14:creationId xmlns:p14="http://schemas.microsoft.com/office/powerpoint/2010/main" val="1705657731"/>
+      </p:ext>
+    </p:extLst>
+  </p:cSld>
+  <p:clrMapOvr>
+    <a:masterClrMapping/>
+  </p:clrMapOvr>
+</p:sld>
+</file>
+
+<file path=ppt/slides/slide56.xml><?xml version="1.0" encoding="utf-8"?>
+<p:sld xmlns:a="http://schemas.openxmlformats.org/drawingml/2006/main" xmlns:r="http://schemas.openxmlformats.org/officeDocument/2006/relationships" xmlns:p="http://schemas.openxmlformats.org/presentationml/2006/main">
+  <p:cSld>
+    <p:spTree>
+      <p:nvGrpSpPr>
+        <p:cNvPr id="1" name=""/>
+        <p:cNvGrpSpPr/>
+        <p:nvPr/>
+      </p:nvGrpSpPr>
+      <p:grpSpPr>
+        <a:xfrm>
+          <a:off x="0" y="0"/>
+          <a:ext cx="0" cy="0"/>
+          <a:chOff x="0" y="0"/>
+          <a:chExt cx="0" cy="0"/>
+        </a:xfrm>
+      </p:grpSpPr>
+      <p:sp>
+        <p:nvSpPr>
+          <p:cNvPr id="2" name="Title 1"/>
+          <p:cNvSpPr>
+            <a:spLocks noGrp="1"/>
+          </p:cNvSpPr>
+          <p:nvPr>
+            <p:ph type="title"/>
+          </p:nvPr>
+        </p:nvSpPr>
+        <p:spPr/>
+        <p:txBody>
+          <a:bodyPr/>
+          <a:lstStyle/>
+          <a:p>
+            <a:r>
+              <a:rPr lang="en-US" dirty="0" smtClean="0"/>
+              <a:t>On Screen</a:t>
+            </a:r>
+            <a:endParaRPr lang="en-US" dirty="0"/>
+          </a:p>
+        </p:txBody>
+      </p:sp>
+      <p:pic>
+        <p:nvPicPr>
+          <p:cNvPr id="8" name="Content Placeholder 7"/>
+          <p:cNvPicPr>
+            <a:picLocks noGrp="1" noChangeAspect="1"/>
+          </p:cNvPicPr>
+          <p:nvPr>
+            <p:ph idx="1"/>
+          </p:nvPr>
+        </p:nvPicPr>
+        <p:blipFill>
+          <a:blip r:embed="rId3">
+            <a:extLst>
+              <a:ext uri="{28A0092B-C50C-407E-A947-70E740481C1C}">
+                <a14:useLocalDpi xmlns:a14="http://schemas.microsoft.com/office/drawing/2010/main" val="0"/>
+              </a:ext>
+            </a:extLst>
+          </a:blip>
+          <a:stretch>
+            <a:fillRect/>
+          </a:stretch>
+        </p:blipFill>
+        <p:spPr>
+          <a:xfrm>
+            <a:off x="4291056" y="1297422"/>
+            <a:ext cx="3609887" cy="5058928"/>
+          </a:xfrm>
+        </p:spPr>
+      </p:pic>
+      <p:sp>
+        <p:nvSpPr>
+          <p:cNvPr id="4" name="Date Placeholder 3"/>
+          <p:cNvSpPr>
+            <a:spLocks noGrp="1"/>
+          </p:cNvSpPr>
+          <p:nvPr>
+            <p:ph type="dt" sz="half" idx="10"/>
+          </p:nvPr>
+        </p:nvSpPr>
+        <p:spPr/>
+        <p:txBody>
+          <a:bodyPr/>
+          <a:lstStyle/>
+          <a:p>
+            <a:r>
+              <a:rPr lang="en-US" smtClean="0"/>
+              <a:t>20-DEC-2016</a:t>
+            </a:r>
+            <a:endParaRPr lang="en-US" dirty="0"/>
+          </a:p>
+        </p:txBody>
+      </p:sp>
+      <p:sp>
+        <p:nvSpPr>
+          <p:cNvPr id="5" name="Footer Placeholder 4"/>
+          <p:cNvSpPr>
+            <a:spLocks noGrp="1"/>
+          </p:cNvSpPr>
+          <p:nvPr>
+            <p:ph type="ftr" sz="quarter" idx="11"/>
+          </p:nvPr>
+        </p:nvSpPr>
+        <p:spPr/>
+        <p:txBody>
+          <a:bodyPr/>
+          <a:lstStyle/>
+          <a:p>
+            <a:r>
+              <a:rPr lang="en-US" smtClean="0"/>
+              <a:t>©2016 nVisium</a:t>
+            </a:r>
+            <a:endParaRPr lang="en-US" dirty="0"/>
+          </a:p>
+        </p:txBody>
+      </p:sp>
+      <p:sp>
+        <p:nvSpPr>
+          <p:cNvPr id="6" name="Slide Number Placeholder 5"/>
+          <p:cNvSpPr>
+            <a:spLocks noGrp="1"/>
+          </p:cNvSpPr>
+          <p:nvPr>
+            <p:ph type="sldNum" sz="quarter" idx="12"/>
+          </p:nvPr>
+        </p:nvSpPr>
+        <p:spPr/>
+        <p:txBody>
+          <a:bodyPr/>
+          <a:lstStyle/>
+          <a:p>
+            <a:fld id="{52EE06B1-A74F-7141-A24F-57941FF3B645}" type="slidenum">
+              <a:rPr lang="en-US" smtClean="0"/>
+              <a:t>56</a:t>
+            </a:fld>
+            <a:endParaRPr lang="en-US"/>
+          </a:p>
+        </p:txBody>
+      </p:sp>
+    </p:spTree>
+    <p:extLst>
+      <p:ext uri="{BB962C8B-B14F-4D97-AF65-F5344CB8AC3E}">
+        <p14:creationId xmlns:p14="http://schemas.microsoft.com/office/powerpoint/2010/main" val="1971447680"/>
+      </p:ext>
+    </p:extLst>
+  </p:cSld>
+  <p:clrMapOvr>
+    <a:masterClrMapping/>
+  </p:clrMapOvr>
+</p:sld>
+</file>
+
+<file path=ppt/slides/slide57.xml><?xml version="1.0" encoding="utf-8"?>
+<p:sld xmlns:a="http://schemas.openxmlformats.org/drawingml/2006/main" xmlns:r="http://schemas.openxmlformats.org/officeDocument/2006/relationships" xmlns:p="http://schemas.openxmlformats.org/presentationml/2006/main">
+  <p:cSld>
+    <p:spTree>
+      <p:nvGrpSpPr>
+        <p:cNvPr id="1" name=""/>
+        <p:cNvGrpSpPr/>
+        <p:nvPr/>
+      </p:nvGrpSpPr>
+      <p:grpSpPr>
+        <a:xfrm>
+          <a:off x="0" y="0"/>
+          <a:ext cx="0" cy="0"/>
+          <a:chOff x="0" y="0"/>
+          <a:chExt cx="0" cy="0"/>
+        </a:xfrm>
+      </p:grpSpPr>
+      <p:sp>
+        <p:nvSpPr>
+          <p:cNvPr id="2" name="Title 1"/>
+          <p:cNvSpPr>
+            <a:spLocks noGrp="1"/>
+          </p:cNvSpPr>
+          <p:nvPr>
+            <p:ph type="title"/>
+          </p:nvPr>
+        </p:nvSpPr>
+        <p:spPr/>
+        <p:txBody>
+          <a:bodyPr/>
+          <a:lstStyle/>
+          <a:p>
+            <a:r>
+              <a:rPr lang="en-US" dirty="0" smtClean="0"/>
+              <a:t>Side-channel </a:t>
+            </a:r>
+            <a:endParaRPr lang="en-US" dirty="0"/>
+          </a:p>
+        </p:txBody>
+      </p:sp>
+      <p:sp>
+        <p:nvSpPr>
+          <p:cNvPr id="3" name="Content Placeholder 2"/>
+          <p:cNvSpPr>
+            <a:spLocks noGrp="1"/>
+          </p:cNvSpPr>
+          <p:nvPr>
+            <p:ph idx="1"/>
+          </p:nvPr>
+        </p:nvSpPr>
+        <p:spPr/>
+        <p:txBody>
+          <a:bodyPr/>
+          <a:lstStyle/>
+          <a:p>
+            <a:r>
+              <a:rPr lang="en-US" dirty="0" smtClean="0"/>
+              <a:t>iOS/Android save screenshots</a:t>
+            </a:r>
+          </a:p>
+          <a:p>
+            <a:r>
+              <a:rPr lang="en-US" dirty="0" smtClean="0"/>
+              <a:t>Can leak sensitive data</a:t>
+            </a:r>
+          </a:p>
+          <a:p>
+            <a:r>
+              <a:rPr lang="en-US" dirty="0" smtClean="0"/>
+              <a:t>Best protection?</a:t>
+            </a:r>
+          </a:p>
+          <a:p>
+            <a:pPr lvl="1"/>
+            <a:r>
+              <a:rPr lang="en-US" dirty="0" smtClean="0"/>
+              <a:t>Just use your company’s logo as a screen blank on backgrounding</a:t>
+            </a:r>
+          </a:p>
+          <a:p>
+            <a:r>
+              <a:rPr lang="en-US" dirty="0" smtClean="0"/>
+              <a:t>Another step:</a:t>
+            </a:r>
+          </a:p>
+          <a:p>
+            <a:pPr lvl="1"/>
+            <a:r>
+              <a:rPr lang="en-US" dirty="0" smtClean="0"/>
+              <a:t>Clear sensitive data on background</a:t>
+            </a:r>
+            <a:endParaRPr lang="en-US" dirty="0"/>
+          </a:p>
+        </p:txBody>
+      </p:sp>
+      <p:sp>
+        <p:nvSpPr>
+          <p:cNvPr id="4" name="Date Placeholder 3"/>
+          <p:cNvSpPr>
+            <a:spLocks noGrp="1"/>
+          </p:cNvSpPr>
+          <p:nvPr>
+            <p:ph type="dt" sz="half" idx="10"/>
+          </p:nvPr>
+        </p:nvSpPr>
+        <p:spPr/>
+        <p:txBody>
+          <a:bodyPr/>
+          <a:lstStyle/>
+          <a:p>
+            <a:r>
+              <a:rPr lang="en-US" smtClean="0"/>
+              <a:t>20-DEC-2016</a:t>
+            </a:r>
+            <a:endParaRPr lang="en-US" dirty="0"/>
+          </a:p>
+        </p:txBody>
+      </p:sp>
+      <p:sp>
+        <p:nvSpPr>
+          <p:cNvPr id="5" name="Footer Placeholder 4"/>
+          <p:cNvSpPr>
+            <a:spLocks noGrp="1"/>
+          </p:cNvSpPr>
+          <p:nvPr>
+            <p:ph type="ftr" sz="quarter" idx="11"/>
+          </p:nvPr>
+        </p:nvSpPr>
+        <p:spPr/>
+        <p:txBody>
+          <a:bodyPr/>
+          <a:lstStyle/>
+          <a:p>
+            <a:r>
+              <a:rPr lang="en-US" smtClean="0"/>
+              <a:t>©2016 nVisium</a:t>
+            </a:r>
+            <a:endParaRPr lang="en-US" dirty="0"/>
+          </a:p>
+        </p:txBody>
+      </p:sp>
+      <p:sp>
+        <p:nvSpPr>
+          <p:cNvPr id="6" name="Slide Number Placeholder 5"/>
+          <p:cNvSpPr>
+            <a:spLocks noGrp="1"/>
+          </p:cNvSpPr>
+          <p:nvPr>
+            <p:ph type="sldNum" sz="quarter" idx="12"/>
+          </p:nvPr>
+        </p:nvSpPr>
+        <p:spPr/>
+        <p:txBody>
+          <a:bodyPr/>
+          <a:lstStyle/>
+          <a:p>
+            <a:fld id="{52EE06B1-A74F-7141-A24F-57941FF3B645}" type="slidenum">
+              <a:rPr lang="en-US" smtClean="0"/>
+              <a:t>57</a:t>
+            </a:fld>
+            <a:endParaRPr lang="en-US"/>
+          </a:p>
+        </p:txBody>
+      </p:sp>
+    </p:spTree>
+    <p:extLst>
+      <p:ext uri="{BB962C8B-B14F-4D97-AF65-F5344CB8AC3E}">
+        <p14:creationId xmlns:p14="http://schemas.microsoft.com/office/powerpoint/2010/main" val="528619641"/>
+      </p:ext>
+    </p:extLst>
+  </p:cSld>
+  <p:clrMapOvr>
+    <a:masterClrMapping/>
+  </p:clrMapOvr>
+  <p:timing>
+    <p:tnLst>
+      <p:par>
+        <p:cTn id="1" dur="indefinite" restart="never" nodeType="tmRoot"/>
+      </p:par>
+    </p:tnLst>
+  </p:timing>
+</p:sld>
+</file>
+
+<file path=ppt/slides/slide58.xml><?xml version="1.0" encoding="utf-8"?>
+<p:sld xmlns:a="http://schemas.openxmlformats.org/drawingml/2006/main" xmlns:r="http://schemas.openxmlformats.org/officeDocument/2006/relationships" xmlns:p="http://schemas.openxmlformats.org/presentationml/2006/main">
+  <p:cSld>
+    <p:spTree>
+      <p:nvGrpSpPr>
+        <p:cNvPr id="1" name=""/>
+        <p:cNvGrpSpPr/>
+        <p:nvPr/>
+      </p:nvGrpSpPr>
+      <p:grpSpPr>
+        <a:xfrm>
+          <a:off x="0" y="0"/>
+          <a:ext cx="0" cy="0"/>
+          <a:chOff x="0" y="0"/>
+          <a:chExt cx="0" cy="0"/>
+        </a:xfrm>
+      </p:grpSpPr>
+      <p:sp>
+        <p:nvSpPr>
+          <p:cNvPr id="2" name="Title 1"/>
+          <p:cNvSpPr>
+            <a:spLocks noGrp="1"/>
+          </p:cNvSpPr>
+          <p:nvPr>
+            <p:ph type="title"/>
+          </p:nvPr>
+        </p:nvSpPr>
+        <p:spPr/>
+        <p:txBody>
+          <a:bodyPr/>
+          <a:lstStyle/>
+          <a:p>
+            <a:r>
+              <a:rPr lang="en-US" dirty="0" smtClean="0"/>
+              <a:t>In Memory</a:t>
+            </a:r>
+            <a:endParaRPr lang="en-US" dirty="0"/>
+          </a:p>
+        </p:txBody>
+      </p:sp>
+      <p:sp>
+        <p:nvSpPr>
+          <p:cNvPr id="3" name="Content Placeholder 2"/>
+          <p:cNvSpPr>
+            <a:spLocks noGrp="1"/>
+          </p:cNvSpPr>
+          <p:nvPr>
+            <p:ph idx="1"/>
+          </p:nvPr>
+        </p:nvSpPr>
+        <p:spPr/>
+        <p:txBody>
+          <a:bodyPr/>
+          <a:lstStyle/>
+          <a:p>
+            <a:r>
+              <a:rPr lang="en-US" dirty="0" smtClean="0"/>
+              <a:t>Consider the following:</a:t>
+            </a:r>
+          </a:p>
+          <a:p>
+            <a:pPr marL="0" indent="0">
+              <a:buNone/>
+            </a:pPr>
+            <a:r>
+              <a:rPr lang="en-US" dirty="0" smtClean="0">
+                <a:latin typeface="Andale Mono" charset="0"/>
+                <a:ea typeface="Andale Mono" charset="0"/>
+                <a:cs typeface="Andale Mono" charset="0"/>
+              </a:rPr>
+              <a:t>let username = </a:t>
+            </a:r>
+            <a:r>
+              <a:rPr lang="en-US" dirty="0" err="1" smtClean="0">
+                <a:latin typeface="Andale Mono" charset="0"/>
+                <a:ea typeface="Andale Mono" charset="0"/>
+                <a:cs typeface="Andale Mono" charset="0"/>
+              </a:rPr>
+              <a:t>userField.text</a:t>
+            </a:r>
+            <a:r>
+              <a:rPr lang="en-US" dirty="0" smtClean="0">
+                <a:latin typeface="Andale Mono" charset="0"/>
+                <a:ea typeface="Andale Mono" charset="0"/>
+                <a:cs typeface="Andale Mono" charset="0"/>
+              </a:rPr>
+              <a:t>!</a:t>
+            </a:r>
+          </a:p>
+          <a:p>
+            <a:pPr marL="0" indent="0">
+              <a:buNone/>
+            </a:pPr>
+            <a:r>
+              <a:rPr lang="en-US" dirty="0" smtClean="0">
+                <a:latin typeface="Andale Mono" charset="0"/>
+                <a:ea typeface="Andale Mono" charset="0"/>
+                <a:cs typeface="Andale Mono" charset="0"/>
+              </a:rPr>
+              <a:t>let password = </a:t>
+            </a:r>
+            <a:r>
+              <a:rPr lang="en-US" dirty="0" err="1" smtClean="0">
+                <a:latin typeface="Andale Mono" charset="0"/>
+                <a:ea typeface="Andale Mono" charset="0"/>
+                <a:cs typeface="Andale Mono" charset="0"/>
+              </a:rPr>
+              <a:t>passField.text</a:t>
+            </a:r>
+            <a:r>
+              <a:rPr lang="en-US" dirty="0" smtClean="0">
+                <a:latin typeface="Andale Mono" charset="0"/>
+                <a:ea typeface="Andale Mono" charset="0"/>
+                <a:cs typeface="Andale Mono" charset="0"/>
+              </a:rPr>
+              <a:t>!</a:t>
+            </a:r>
+          </a:p>
+          <a:p>
+            <a:r>
+              <a:rPr lang="en-US" dirty="0" smtClean="0">
+                <a:ea typeface="Andale Mono" charset="0"/>
+                <a:cs typeface="Andale Mono" charset="0"/>
+              </a:rPr>
+              <a:t>How long do these variables live in Memory? How long do the text fields last?</a:t>
+            </a:r>
+            <a:endParaRPr lang="en-US" dirty="0">
+              <a:ea typeface="Andale Mono" charset="0"/>
+              <a:cs typeface="Andale Mono" charset="0"/>
+            </a:endParaRPr>
+          </a:p>
+        </p:txBody>
+      </p:sp>
+      <p:sp>
+        <p:nvSpPr>
+          <p:cNvPr id="4" name="Date Placeholder 3"/>
+          <p:cNvSpPr>
+            <a:spLocks noGrp="1"/>
+          </p:cNvSpPr>
+          <p:nvPr>
+            <p:ph type="dt" sz="half" idx="10"/>
+          </p:nvPr>
+        </p:nvSpPr>
+        <p:spPr/>
+        <p:txBody>
+          <a:bodyPr/>
+          <a:lstStyle/>
+          <a:p>
+            <a:r>
+              <a:rPr lang="en-US" smtClean="0"/>
+              <a:t>20-DEC-2016</a:t>
+            </a:r>
+            <a:endParaRPr lang="en-US" dirty="0"/>
+          </a:p>
+        </p:txBody>
+      </p:sp>
+      <p:sp>
+        <p:nvSpPr>
+          <p:cNvPr id="5" name="Footer Placeholder 4"/>
+          <p:cNvSpPr>
+            <a:spLocks noGrp="1"/>
+          </p:cNvSpPr>
+          <p:nvPr>
+            <p:ph type="ftr" sz="quarter" idx="11"/>
+          </p:nvPr>
+        </p:nvSpPr>
+        <p:spPr/>
+        <p:txBody>
+          <a:bodyPr/>
+          <a:lstStyle/>
+          <a:p>
+            <a:r>
+              <a:rPr lang="en-US" smtClean="0"/>
+              <a:t>©2016 nVisium</a:t>
+            </a:r>
+            <a:endParaRPr lang="en-US" dirty="0"/>
+          </a:p>
+        </p:txBody>
+      </p:sp>
+      <p:sp>
+        <p:nvSpPr>
+          <p:cNvPr id="6" name="Slide Number Placeholder 5"/>
+          <p:cNvSpPr>
+            <a:spLocks noGrp="1"/>
+          </p:cNvSpPr>
+          <p:nvPr>
+            <p:ph type="sldNum" sz="quarter" idx="12"/>
+          </p:nvPr>
+        </p:nvSpPr>
+        <p:spPr/>
+        <p:txBody>
+          <a:bodyPr/>
+          <a:lstStyle/>
+          <a:p>
+            <a:fld id="{52EE06B1-A74F-7141-A24F-57941FF3B645}" type="slidenum">
+              <a:rPr lang="en-US" smtClean="0"/>
+              <a:t>58</a:t>
+            </a:fld>
+            <a:endParaRPr lang="en-US"/>
+          </a:p>
+        </p:txBody>
+      </p:sp>
+    </p:spTree>
+    <p:extLst>
+      <p:ext uri="{BB962C8B-B14F-4D97-AF65-F5344CB8AC3E}">
+        <p14:creationId xmlns:p14="http://schemas.microsoft.com/office/powerpoint/2010/main" val="493125819"/>
+      </p:ext>
+    </p:extLst>
+  </p:cSld>
+  <p:clrMapOvr>
+    <a:masterClrMapping/>
+  </p:clrMapOvr>
+</p:sld>
+</file>
+
+<file path=ppt/slides/slide59.xml><?xml version="1.0" encoding="utf-8"?>
+<p:sld xmlns:a="http://schemas.openxmlformats.org/drawingml/2006/main" xmlns:r="http://schemas.openxmlformats.org/officeDocument/2006/relationships" xmlns:p="http://schemas.openxmlformats.org/presentationml/2006/main">
+  <p:cSld>
+    <p:spTree>
+      <p:nvGrpSpPr>
+        <p:cNvPr id="1" name=""/>
+        <p:cNvGrpSpPr/>
+        <p:nvPr/>
+      </p:nvGrpSpPr>
+      <p:grpSpPr>
+        <a:xfrm>
+          <a:off x="0" y="0"/>
+          <a:ext cx="0" cy="0"/>
+          <a:chOff x="0" y="0"/>
+          <a:chExt cx="0" cy="0"/>
+        </a:xfrm>
+      </p:grpSpPr>
+      <p:sp>
+        <p:nvSpPr>
+          <p:cNvPr id="2" name="Title 1"/>
+          <p:cNvSpPr>
+            <a:spLocks noGrp="1"/>
+          </p:cNvSpPr>
+          <p:nvPr>
+            <p:ph type="title"/>
+          </p:nvPr>
+        </p:nvSpPr>
+        <p:spPr/>
+        <p:txBody>
+          <a:bodyPr/>
+          <a:lstStyle/>
+          <a:p>
+            <a:r>
+              <a:rPr lang="en-US" dirty="0" err="1" smtClean="0"/>
+              <a:t>Cycript</a:t>
+            </a:r>
+            <a:r>
+              <a:rPr lang="en-US" dirty="0" smtClean="0"/>
+              <a:t> example</a:t>
+            </a:r>
+            <a:endParaRPr lang="en-US" dirty="0"/>
+          </a:p>
+        </p:txBody>
+      </p:sp>
+      <p:sp>
+        <p:nvSpPr>
+          <p:cNvPr id="3" name="Content Placeholder 2"/>
+          <p:cNvSpPr>
+            <a:spLocks noGrp="1"/>
+          </p:cNvSpPr>
+          <p:nvPr>
+            <p:ph idx="1"/>
+          </p:nvPr>
+        </p:nvSpPr>
+        <p:spPr/>
+        <p:txBody>
+          <a:bodyPr>
+            <a:normAutofit fontScale="85000" lnSpcReduction="10000"/>
+          </a:bodyPr>
+          <a:lstStyle/>
+          <a:p>
+            <a:r>
+              <a:rPr lang="en-US" dirty="0"/>
+              <a:t>[#"&lt;</a:t>
+            </a:r>
+            <a:r>
+              <a:rPr lang="en-US" dirty="0" err="1"/>
+              <a:t>UITextField</a:t>
+            </a:r>
+            <a:r>
+              <a:rPr lang="en-US" dirty="0"/>
+              <a:t>: 0x105199f60; frame = (25 34; 270 36); text = ''; </a:t>
+            </a:r>
+            <a:r>
+              <a:rPr lang="en-US" dirty="0" err="1"/>
+              <a:t>clipsToBounds</a:t>
+            </a:r>
+            <a:r>
+              <a:rPr lang="en-US" dirty="0"/>
+              <a:t> = YES; opaque = NO; </a:t>
+            </a:r>
+            <a:r>
+              <a:rPr lang="en-US" dirty="0" err="1"/>
+              <a:t>autoresize</a:t>
+            </a:r>
+            <a:r>
+              <a:rPr lang="en-US" dirty="0"/>
+              <a:t> = RM+BM; </a:t>
+            </a:r>
+            <a:r>
+              <a:rPr lang="en-US" dirty="0" err="1"/>
+              <a:t>gestureRecognizers</a:t>
+            </a:r>
+            <a:r>
+              <a:rPr lang="en-US" dirty="0"/>
+              <a:t> = &lt;</a:t>
+            </a:r>
+            <a:r>
+              <a:rPr lang="en-US" dirty="0" err="1"/>
+              <a:t>NSArray</a:t>
+            </a:r>
+            <a:r>
+              <a:rPr lang="en-US" dirty="0"/>
+              <a:t>: 0x10119f000&gt;; layer = &lt;</a:t>
+            </a:r>
+            <a:r>
+              <a:rPr lang="en-US" dirty="0" err="1"/>
+              <a:t>CALayer</a:t>
+            </a:r>
+            <a:r>
+              <a:rPr lang="en-US" dirty="0"/>
+              <a:t>: 0x10519a3b0&gt;&gt;",#"&lt;</a:t>
+            </a:r>
+            <a:r>
+              <a:rPr lang="en-US" dirty="0" err="1"/>
+              <a:t>UITextField</a:t>
+            </a:r>
+            <a:r>
+              <a:rPr lang="en-US" dirty="0"/>
+              <a:t>: 0x105b7a600; frame = (25 34; 270 36); text = </a:t>
+            </a:r>
+            <a:r>
+              <a:rPr lang="en-US" b="1" dirty="0" smtClean="0"/>
+              <a:t>’</a:t>
+            </a:r>
+            <a:r>
+              <a:rPr lang="en-US" b="1" dirty="0" err="1" smtClean="0"/>
+              <a:t>SOMEACCOUNT@test.com</a:t>
+            </a:r>
+            <a:r>
+              <a:rPr lang="en-US" b="1" dirty="0"/>
+              <a:t>'; </a:t>
+            </a:r>
+            <a:r>
+              <a:rPr lang="en-US" dirty="0" err="1"/>
+              <a:t>clipsToBounds</a:t>
+            </a:r>
+            <a:r>
+              <a:rPr lang="en-US" dirty="0"/>
+              <a:t> = YES; opaque = NO; </a:t>
+            </a:r>
+            <a:r>
+              <a:rPr lang="en-US" dirty="0" err="1"/>
+              <a:t>autoresize</a:t>
+            </a:r>
+            <a:r>
+              <a:rPr lang="en-US" dirty="0"/>
+              <a:t> = RM+BM; </a:t>
+            </a:r>
+            <a:r>
+              <a:rPr lang="en-US" dirty="0" err="1"/>
+              <a:t>gestureRecognizers</a:t>
+            </a:r>
+            <a:r>
+              <a:rPr lang="en-US" dirty="0"/>
+              <a:t> = &lt;</a:t>
+            </a:r>
+            <a:r>
+              <a:rPr lang="en-US" dirty="0" err="1"/>
+              <a:t>NSArray</a:t>
+            </a:r>
+            <a:r>
+              <a:rPr lang="en-US" dirty="0"/>
+              <a:t>: 0x101293280&gt;; layer = &lt;</a:t>
+            </a:r>
+            <a:r>
+              <a:rPr lang="en-US" dirty="0" err="1"/>
+              <a:t>CALayer</a:t>
+            </a:r>
+            <a:r>
+              <a:rPr lang="en-US" dirty="0"/>
+              <a:t>: 0x1011cd560&gt;&gt;",#"&lt;</a:t>
+            </a:r>
+            <a:r>
+              <a:rPr lang="en-US" dirty="0" err="1"/>
+              <a:t>UITextField</a:t>
+            </a:r>
+            <a:r>
+              <a:rPr lang="en-US" dirty="0"/>
+              <a:t>: 0x105372f20; frame = (25 34; 270 36); text = ''; </a:t>
+            </a:r>
+            <a:r>
+              <a:rPr lang="en-US" dirty="0" err="1"/>
+              <a:t>clipsToBounds</a:t>
+            </a:r>
+            <a:r>
+              <a:rPr lang="en-US" dirty="0"/>
+              <a:t> = YES; opaque = NO; </a:t>
+            </a:r>
+            <a:r>
+              <a:rPr lang="en-US" dirty="0" err="1"/>
+              <a:t>autoresize</a:t>
+            </a:r>
+            <a:r>
+              <a:rPr lang="en-US" dirty="0"/>
+              <a:t> = RM+BM; tag = 1; </a:t>
+            </a:r>
+            <a:r>
+              <a:rPr lang="en-US" dirty="0" err="1"/>
+              <a:t>gestureRecognizers</a:t>
+            </a:r>
+            <a:r>
+              <a:rPr lang="en-US" dirty="0"/>
+              <a:t> = &lt;</a:t>
+            </a:r>
+            <a:r>
+              <a:rPr lang="en-US" dirty="0" err="1"/>
+              <a:t>NSArray</a:t>
+            </a:r>
+            <a:r>
+              <a:rPr lang="en-US" dirty="0"/>
+              <a:t>: 0x10518d0c0&gt;; layer = &lt;</a:t>
+            </a:r>
+            <a:r>
+              <a:rPr lang="en-US" dirty="0" err="1"/>
+              <a:t>CALayer</a:t>
+            </a:r>
+            <a:r>
+              <a:rPr lang="en-US" dirty="0"/>
+              <a:t>: 0x105373270&gt;&gt;",#"&lt;</a:t>
+            </a:r>
+            <a:r>
+              <a:rPr lang="en-US" dirty="0" err="1"/>
+              <a:t>UISearchBarTextField</a:t>
+            </a:r>
+            <a:r>
+              <a:rPr lang="en-US" dirty="0"/>
+              <a:t>: 0x107f4fd50; frame = (8 8; 304 28); text = ''; </a:t>
+            </a:r>
+            <a:r>
+              <a:rPr lang="en-US" dirty="0" err="1"/>
+              <a:t>clipsToBounds</a:t>
+            </a:r>
+            <a:r>
+              <a:rPr lang="en-US" dirty="0"/>
+              <a:t> = YES; opaque = NO; </a:t>
+            </a:r>
+            <a:r>
+              <a:rPr lang="en-US" dirty="0" err="1"/>
+              <a:t>gestureRecognizers</a:t>
+            </a:r>
+            <a:r>
+              <a:rPr lang="en-US" dirty="0"/>
+              <a:t> = &lt;</a:t>
+            </a:r>
+            <a:r>
+              <a:rPr lang="en-US" dirty="0" err="1"/>
+              <a:t>NSArray</a:t>
+            </a:r>
+            <a:r>
+              <a:rPr lang="en-US" dirty="0"/>
+              <a:t>: 0x1064d1570&gt;; layer = &lt;</a:t>
+            </a:r>
+            <a:r>
+              <a:rPr lang="en-US" dirty="0" err="1"/>
+              <a:t>CALayer</a:t>
+            </a:r>
+            <a:r>
+              <a:rPr lang="en-US" dirty="0"/>
+              <a:t>: 0x107f500d0&gt;&gt;",#"&lt;</a:t>
+            </a:r>
+            <a:r>
+              <a:rPr lang="en-US" dirty="0" err="1"/>
+              <a:t>UITextField</a:t>
+            </a:r>
+            <a:r>
+              <a:rPr lang="en-US" dirty="0"/>
+              <a:t>: 0x1011effe0; frame = (25 34; 270 36); text = </a:t>
+            </a:r>
+            <a:r>
+              <a:rPr lang="en-US" b="1" dirty="0"/>
+              <a:t>'!Password01'; </a:t>
+            </a:r>
+            <a:r>
+              <a:rPr lang="en-US" dirty="0" err="1"/>
+              <a:t>clipsToBounds</a:t>
+            </a:r>
+            <a:r>
+              <a:rPr lang="en-US" dirty="0"/>
+              <a:t> = YES; opaque = NO; </a:t>
+            </a:r>
+            <a:r>
+              <a:rPr lang="en-US" dirty="0" err="1"/>
+              <a:t>autoresize</a:t>
+            </a:r>
+            <a:r>
+              <a:rPr lang="en-US" dirty="0"/>
+              <a:t> = RM+BM; tag = 1; </a:t>
+            </a:r>
+            <a:r>
+              <a:rPr lang="en-US" dirty="0" err="1"/>
+              <a:t>gestureRecognizers</a:t>
+            </a:r>
+            <a:r>
+              <a:rPr lang="en-US" dirty="0"/>
+              <a:t> = &lt;</a:t>
+            </a:r>
+            <a:r>
+              <a:rPr lang="en-US" dirty="0" err="1"/>
+              <a:t>NSArray</a:t>
+            </a:r>
+            <a:r>
+              <a:rPr lang="en-US" dirty="0"/>
+              <a:t>: 0x1053baeb0&gt;; layer = &lt;</a:t>
+            </a:r>
+            <a:r>
+              <a:rPr lang="en-US" dirty="0" err="1"/>
+              <a:t>CALayer</a:t>
+            </a:r>
+            <a:r>
+              <a:rPr lang="en-US" dirty="0"/>
+              <a:t>: 0x1011aa600&gt;&gt;"]</a:t>
+            </a:r>
+          </a:p>
+          <a:p>
+            <a:endParaRPr lang="en-US" dirty="0"/>
+          </a:p>
+        </p:txBody>
+      </p:sp>
+      <p:sp>
+        <p:nvSpPr>
+          <p:cNvPr id="4" name="Date Placeholder 3"/>
+          <p:cNvSpPr>
+            <a:spLocks noGrp="1"/>
+          </p:cNvSpPr>
+          <p:nvPr>
+            <p:ph type="dt" sz="half" idx="10"/>
+          </p:nvPr>
+        </p:nvSpPr>
+        <p:spPr/>
+        <p:txBody>
+          <a:bodyPr/>
+          <a:lstStyle/>
+          <a:p>
+            <a:r>
+              <a:rPr lang="en-US" smtClean="0"/>
+              <a:t>20-DEC-2016</a:t>
+            </a:r>
+            <a:endParaRPr lang="en-US" dirty="0"/>
+          </a:p>
+        </p:txBody>
+      </p:sp>
+      <p:sp>
+        <p:nvSpPr>
+          <p:cNvPr id="5" name="Footer Placeholder 4"/>
+          <p:cNvSpPr>
+            <a:spLocks noGrp="1"/>
+          </p:cNvSpPr>
+          <p:nvPr>
+            <p:ph type="ftr" sz="quarter" idx="11"/>
+          </p:nvPr>
+        </p:nvSpPr>
+        <p:spPr/>
+        <p:txBody>
+          <a:bodyPr/>
+          <a:lstStyle/>
+          <a:p>
+            <a:r>
+              <a:rPr lang="en-US" smtClean="0"/>
+              <a:t>©2016 nVisium</a:t>
+            </a:r>
+            <a:endParaRPr lang="en-US" dirty="0"/>
+          </a:p>
+        </p:txBody>
+      </p:sp>
+      <p:sp>
+        <p:nvSpPr>
+          <p:cNvPr id="6" name="Slide Number Placeholder 5"/>
+          <p:cNvSpPr>
+            <a:spLocks noGrp="1"/>
+          </p:cNvSpPr>
+          <p:nvPr>
+            <p:ph type="sldNum" sz="quarter" idx="12"/>
+          </p:nvPr>
+        </p:nvSpPr>
+        <p:spPr/>
+        <p:txBody>
+          <a:bodyPr/>
+          <a:lstStyle/>
+          <a:p>
+            <a:fld id="{52EE06B1-A74F-7141-A24F-57941FF3B645}" type="slidenum">
+              <a:rPr lang="en-US" smtClean="0"/>
+              <a:t>59</a:t>
+            </a:fld>
+            <a:endParaRPr lang="en-US"/>
+          </a:p>
+        </p:txBody>
+      </p:sp>
+    </p:spTree>
+    <p:extLst>
+      <p:ext uri="{BB962C8B-B14F-4D97-AF65-F5344CB8AC3E}">
+        <p14:creationId xmlns:p14="http://schemas.microsoft.com/office/powerpoint/2010/main" val="1412009510"/>
+      </p:ext>
+    </p:extLst>
+  </p:cSld>
+  <p:clrMapOvr>
+    <a:masterClrMapping/>
+  </p:clrMapOvr>
+  <p:timing>
+    <p:tnLst>
+      <p:par>
+        <p:cTn id="1" dur="indefinite" restart="never" nodeType="tmRoot"/>
+      </p:par>
+    </p:tnLst>
+  </p:timing>
 </p:sld>
 </file>
 
@@ -14052,6 +16600,1726 @@
     <p:extLst>
       <p:ext uri="{BB962C8B-B14F-4D97-AF65-F5344CB8AC3E}">
         <p14:creationId xmlns:p14="http://schemas.microsoft.com/office/powerpoint/2010/main" val="135306194"/>
+      </p:ext>
+    </p:extLst>
+  </p:cSld>
+  <p:clrMapOvr>
+    <a:masterClrMapping/>
+  </p:clrMapOvr>
+</p:sld>
+</file>
+
+<file path=ppt/slides/slide60.xml><?xml version="1.0" encoding="utf-8"?>
+<p:sld xmlns:a="http://schemas.openxmlformats.org/drawingml/2006/main" xmlns:r="http://schemas.openxmlformats.org/officeDocument/2006/relationships" xmlns:p="http://schemas.openxmlformats.org/presentationml/2006/main">
+  <p:cSld>
+    <p:spTree>
+      <p:nvGrpSpPr>
+        <p:cNvPr id="1" name=""/>
+        <p:cNvGrpSpPr/>
+        <p:nvPr/>
+      </p:nvGrpSpPr>
+      <p:grpSpPr>
+        <a:xfrm>
+          <a:off x="0" y="0"/>
+          <a:ext cx="0" cy="0"/>
+          <a:chOff x="0" y="0"/>
+          <a:chExt cx="0" cy="0"/>
+        </a:xfrm>
+      </p:grpSpPr>
+      <p:sp>
+        <p:nvSpPr>
+          <p:cNvPr id="2" name="Title 1"/>
+          <p:cNvSpPr>
+            <a:spLocks noGrp="1"/>
+          </p:cNvSpPr>
+          <p:nvPr>
+            <p:ph type="title"/>
+          </p:nvPr>
+        </p:nvSpPr>
+        <p:spPr/>
+        <p:txBody>
+          <a:bodyPr/>
+          <a:lstStyle/>
+          <a:p>
+            <a:r>
+              <a:rPr lang="en-US" dirty="0" smtClean="0"/>
+              <a:t>Attack Surface</a:t>
+            </a:r>
+            <a:endParaRPr lang="en-US" dirty="0"/>
+          </a:p>
+        </p:txBody>
+      </p:sp>
+      <p:sp>
+        <p:nvSpPr>
+          <p:cNvPr id="3" name="Content Placeholder 2"/>
+          <p:cNvSpPr>
+            <a:spLocks noGrp="1"/>
+          </p:cNvSpPr>
+          <p:nvPr>
+            <p:ph idx="1"/>
+          </p:nvPr>
+        </p:nvSpPr>
+        <p:spPr/>
+        <p:txBody>
+          <a:bodyPr/>
+          <a:lstStyle/>
+          <a:p>
+            <a:r>
+              <a:rPr lang="en-US" dirty="0" smtClean="0"/>
+              <a:t>Malicious App, jailbroken device, Operating System bug</a:t>
+            </a:r>
+            <a:r>
+              <a:rPr lang="is-IS" dirty="0" smtClean="0"/>
+              <a:t>…</a:t>
+            </a:r>
+          </a:p>
+          <a:p>
+            <a:pPr lvl="1"/>
+            <a:r>
+              <a:rPr lang="en-US" dirty="0" smtClean="0"/>
+              <a:t>P</a:t>
+            </a:r>
+            <a:r>
+              <a:rPr lang="is-IS" dirty="0" smtClean="0"/>
+              <a:t>art of why any app with truly sensitive operations (CC, &amp;c.) should jailbreak detect.</a:t>
+            </a:r>
+          </a:p>
+          <a:p>
+            <a:r>
+              <a:rPr lang="is-IS" dirty="0" smtClean="0"/>
+              <a:t>If you’re not already, look at the “alternative” appstores for your app</a:t>
+            </a:r>
+          </a:p>
+          <a:p>
+            <a:r>
+              <a:rPr lang="is-IS" dirty="0" smtClean="0"/>
+              <a:t>... </a:t>
+            </a:r>
+            <a:r>
+              <a:rPr lang="en-US" dirty="0" smtClean="0"/>
+              <a:t>B</a:t>
+            </a:r>
+            <a:r>
+              <a:rPr lang="is-IS" dirty="0" smtClean="0"/>
+              <a:t>ut what can you do about it?</a:t>
+            </a:r>
+            <a:endParaRPr lang="en-US" dirty="0" smtClean="0"/>
+          </a:p>
+          <a:p>
+            <a:endParaRPr lang="en-US" dirty="0"/>
+          </a:p>
+        </p:txBody>
+      </p:sp>
+      <p:sp>
+        <p:nvSpPr>
+          <p:cNvPr id="4" name="Date Placeholder 3"/>
+          <p:cNvSpPr>
+            <a:spLocks noGrp="1"/>
+          </p:cNvSpPr>
+          <p:nvPr>
+            <p:ph type="dt" sz="half" idx="10"/>
+          </p:nvPr>
+        </p:nvSpPr>
+        <p:spPr/>
+        <p:txBody>
+          <a:bodyPr/>
+          <a:lstStyle/>
+          <a:p>
+            <a:r>
+              <a:rPr lang="en-US" smtClean="0"/>
+              <a:t>20-DEC-2016</a:t>
+            </a:r>
+            <a:endParaRPr lang="en-US" dirty="0"/>
+          </a:p>
+        </p:txBody>
+      </p:sp>
+      <p:sp>
+        <p:nvSpPr>
+          <p:cNvPr id="5" name="Footer Placeholder 4"/>
+          <p:cNvSpPr>
+            <a:spLocks noGrp="1"/>
+          </p:cNvSpPr>
+          <p:nvPr>
+            <p:ph type="ftr" sz="quarter" idx="11"/>
+          </p:nvPr>
+        </p:nvSpPr>
+        <p:spPr/>
+        <p:txBody>
+          <a:bodyPr/>
+          <a:lstStyle/>
+          <a:p>
+            <a:r>
+              <a:rPr lang="en-US" smtClean="0"/>
+              <a:t>©2016 nVisium</a:t>
+            </a:r>
+            <a:endParaRPr lang="en-US" dirty="0"/>
+          </a:p>
+        </p:txBody>
+      </p:sp>
+      <p:sp>
+        <p:nvSpPr>
+          <p:cNvPr id="6" name="Slide Number Placeholder 5"/>
+          <p:cNvSpPr>
+            <a:spLocks noGrp="1"/>
+          </p:cNvSpPr>
+          <p:nvPr>
+            <p:ph type="sldNum" sz="quarter" idx="12"/>
+          </p:nvPr>
+        </p:nvSpPr>
+        <p:spPr/>
+        <p:txBody>
+          <a:bodyPr/>
+          <a:lstStyle/>
+          <a:p>
+            <a:fld id="{52EE06B1-A74F-7141-A24F-57941FF3B645}" type="slidenum">
+              <a:rPr lang="en-US" smtClean="0"/>
+              <a:t>60</a:t>
+            </a:fld>
+            <a:endParaRPr lang="en-US"/>
+          </a:p>
+        </p:txBody>
+      </p:sp>
+    </p:spTree>
+    <p:extLst>
+      <p:ext uri="{BB962C8B-B14F-4D97-AF65-F5344CB8AC3E}">
+        <p14:creationId xmlns:p14="http://schemas.microsoft.com/office/powerpoint/2010/main" val="1680440261"/>
+      </p:ext>
+    </p:extLst>
+  </p:cSld>
+  <p:clrMapOvr>
+    <a:masterClrMapping/>
+  </p:clrMapOvr>
+  <p:timing>
+    <p:tnLst>
+      <p:par>
+        <p:cTn id="1" dur="indefinite" restart="never" nodeType="tmRoot"/>
+      </p:par>
+    </p:tnLst>
+  </p:timing>
+</p:sld>
+</file>
+
+<file path=ppt/slides/slide61.xml><?xml version="1.0" encoding="utf-8"?>
+<p:sld xmlns:a="http://schemas.openxmlformats.org/drawingml/2006/main" xmlns:r="http://schemas.openxmlformats.org/officeDocument/2006/relationships" xmlns:p="http://schemas.openxmlformats.org/presentationml/2006/main">
+  <p:cSld>
+    <p:spTree>
+      <p:nvGrpSpPr>
+        <p:cNvPr id="1" name=""/>
+        <p:cNvGrpSpPr/>
+        <p:nvPr/>
+      </p:nvGrpSpPr>
+      <p:grpSpPr>
+        <a:xfrm>
+          <a:off x="0" y="0"/>
+          <a:ext cx="0" cy="0"/>
+          <a:chOff x="0" y="0"/>
+          <a:chExt cx="0" cy="0"/>
+        </a:xfrm>
+      </p:grpSpPr>
+      <p:sp>
+        <p:nvSpPr>
+          <p:cNvPr id="2" name="Title 1"/>
+          <p:cNvSpPr>
+            <a:spLocks noGrp="1"/>
+          </p:cNvSpPr>
+          <p:nvPr>
+            <p:ph type="title"/>
+          </p:nvPr>
+        </p:nvSpPr>
+        <p:spPr/>
+        <p:txBody>
+          <a:bodyPr/>
+          <a:lstStyle/>
+          <a:p>
+            <a:r>
+              <a:rPr lang="en-US" dirty="0" smtClean="0"/>
+              <a:t>Solution: lifecycle management</a:t>
+            </a:r>
+            <a:endParaRPr lang="en-US" dirty="0"/>
+          </a:p>
+        </p:txBody>
+      </p:sp>
+      <p:sp>
+        <p:nvSpPr>
+          <p:cNvPr id="3" name="Content Placeholder 2"/>
+          <p:cNvSpPr>
+            <a:spLocks noGrp="1"/>
+          </p:cNvSpPr>
+          <p:nvPr>
+            <p:ph idx="1"/>
+          </p:nvPr>
+        </p:nvSpPr>
+        <p:spPr/>
+        <p:txBody>
+          <a:bodyPr/>
+          <a:lstStyle/>
+          <a:p>
+            <a:r>
+              <a:rPr lang="en-US" dirty="0" smtClean="0"/>
+              <a:t>Know when &amp; where data is used</a:t>
+            </a:r>
+          </a:p>
+          <a:p>
+            <a:r>
+              <a:rPr lang="en-US" dirty="0" smtClean="0"/>
+              <a:t>Remove from memory ASAP</a:t>
+            </a:r>
+          </a:p>
+          <a:p>
+            <a:r>
+              <a:rPr lang="en-US" dirty="0" smtClean="0"/>
+              <a:t>Store in secure location (</a:t>
+            </a:r>
+            <a:r>
+              <a:rPr lang="en-US" dirty="0" err="1" smtClean="0"/>
+              <a:t>KeyChain</a:t>
+            </a:r>
+            <a:r>
+              <a:rPr lang="en-US" dirty="0" smtClean="0"/>
+              <a:t>, &amp;c.)</a:t>
+            </a:r>
+          </a:p>
+          <a:p>
+            <a:r>
+              <a:rPr lang="en-US" dirty="0" smtClean="0"/>
+              <a:t>Never leave things in the open</a:t>
+            </a:r>
+          </a:p>
+          <a:p>
+            <a:pPr lvl="1"/>
+            <a:r>
+              <a:rPr lang="en-US" dirty="0" smtClean="0"/>
+              <a:t>Unless you </a:t>
+            </a:r>
+            <a:r>
+              <a:rPr lang="en-US" b="1" dirty="0" smtClean="0"/>
+              <a:t>have</a:t>
+            </a:r>
+            <a:r>
+              <a:rPr lang="en-US" dirty="0" smtClean="0"/>
+              <a:t> to</a:t>
+            </a:r>
+            <a:endParaRPr lang="en-US" dirty="0"/>
+          </a:p>
+        </p:txBody>
+      </p:sp>
+      <p:sp>
+        <p:nvSpPr>
+          <p:cNvPr id="4" name="Date Placeholder 3"/>
+          <p:cNvSpPr>
+            <a:spLocks noGrp="1"/>
+          </p:cNvSpPr>
+          <p:nvPr>
+            <p:ph type="dt" sz="half" idx="10"/>
+          </p:nvPr>
+        </p:nvSpPr>
+        <p:spPr/>
+        <p:txBody>
+          <a:bodyPr/>
+          <a:lstStyle/>
+          <a:p>
+            <a:r>
+              <a:rPr lang="en-US" smtClean="0"/>
+              <a:t>20-DEC-2016</a:t>
+            </a:r>
+            <a:endParaRPr lang="en-US" dirty="0"/>
+          </a:p>
+        </p:txBody>
+      </p:sp>
+      <p:sp>
+        <p:nvSpPr>
+          <p:cNvPr id="5" name="Footer Placeholder 4"/>
+          <p:cNvSpPr>
+            <a:spLocks noGrp="1"/>
+          </p:cNvSpPr>
+          <p:nvPr>
+            <p:ph type="ftr" sz="quarter" idx="11"/>
+          </p:nvPr>
+        </p:nvSpPr>
+        <p:spPr/>
+        <p:txBody>
+          <a:bodyPr/>
+          <a:lstStyle/>
+          <a:p>
+            <a:r>
+              <a:rPr lang="en-US" smtClean="0"/>
+              <a:t>©2016 nVisium</a:t>
+            </a:r>
+            <a:endParaRPr lang="en-US" dirty="0"/>
+          </a:p>
+        </p:txBody>
+      </p:sp>
+      <p:sp>
+        <p:nvSpPr>
+          <p:cNvPr id="6" name="Slide Number Placeholder 5"/>
+          <p:cNvSpPr>
+            <a:spLocks noGrp="1"/>
+          </p:cNvSpPr>
+          <p:nvPr>
+            <p:ph type="sldNum" sz="quarter" idx="12"/>
+          </p:nvPr>
+        </p:nvSpPr>
+        <p:spPr/>
+        <p:txBody>
+          <a:bodyPr/>
+          <a:lstStyle/>
+          <a:p>
+            <a:fld id="{52EE06B1-A74F-7141-A24F-57941FF3B645}" type="slidenum">
+              <a:rPr lang="en-US" smtClean="0"/>
+              <a:t>61</a:t>
+            </a:fld>
+            <a:endParaRPr lang="en-US"/>
+          </a:p>
+        </p:txBody>
+      </p:sp>
+    </p:spTree>
+    <p:extLst>
+      <p:ext uri="{BB962C8B-B14F-4D97-AF65-F5344CB8AC3E}">
+        <p14:creationId xmlns:p14="http://schemas.microsoft.com/office/powerpoint/2010/main" val="1174524792"/>
+      </p:ext>
+    </p:extLst>
+  </p:cSld>
+  <p:clrMapOvr>
+    <a:masterClrMapping/>
+  </p:clrMapOvr>
+</p:sld>
+</file>
+
+<file path=ppt/slides/slide62.xml><?xml version="1.0" encoding="utf-8"?>
+<p:sld xmlns:a="http://schemas.openxmlformats.org/drawingml/2006/main" xmlns:r="http://schemas.openxmlformats.org/officeDocument/2006/relationships" xmlns:p="http://schemas.openxmlformats.org/presentationml/2006/main">
+  <p:cSld>
+    <p:spTree>
+      <p:nvGrpSpPr>
+        <p:cNvPr id="1" name=""/>
+        <p:cNvGrpSpPr/>
+        <p:nvPr/>
+      </p:nvGrpSpPr>
+      <p:grpSpPr>
+        <a:xfrm>
+          <a:off x="0" y="0"/>
+          <a:ext cx="0" cy="0"/>
+          <a:chOff x="0" y="0"/>
+          <a:chExt cx="0" cy="0"/>
+        </a:xfrm>
+      </p:grpSpPr>
+      <p:sp>
+        <p:nvSpPr>
+          <p:cNvPr id="2" name="Title 1"/>
+          <p:cNvSpPr>
+            <a:spLocks noGrp="1"/>
+          </p:cNvSpPr>
+          <p:nvPr>
+            <p:ph type="title"/>
+          </p:nvPr>
+        </p:nvSpPr>
+        <p:spPr/>
+        <p:txBody>
+          <a:bodyPr/>
+          <a:lstStyle/>
+          <a:p>
+            <a:r>
+              <a:rPr lang="en-US" dirty="0" smtClean="0"/>
+              <a:t>Lastly</a:t>
+            </a:r>
+            <a:r>
+              <a:rPr lang="is-IS" dirty="0" smtClean="0"/>
+              <a:t>… ”disk”</a:t>
+            </a:r>
+            <a:endParaRPr lang="en-US" dirty="0"/>
+          </a:p>
+        </p:txBody>
+      </p:sp>
+      <p:sp>
+        <p:nvSpPr>
+          <p:cNvPr id="3" name="Content Placeholder 2"/>
+          <p:cNvSpPr>
+            <a:spLocks noGrp="1"/>
+          </p:cNvSpPr>
+          <p:nvPr>
+            <p:ph idx="1"/>
+          </p:nvPr>
+        </p:nvSpPr>
+        <p:spPr/>
+        <p:txBody>
+          <a:bodyPr/>
+          <a:lstStyle/>
+          <a:p>
+            <a:r>
+              <a:rPr lang="en-US" dirty="0" smtClean="0"/>
+              <a:t>When we say disk</a:t>
+            </a:r>
+            <a:r>
+              <a:rPr lang="is-IS" dirty="0" smtClean="0"/>
+              <a:t>… we mean the FS</a:t>
+            </a:r>
+          </a:p>
+          <a:p>
+            <a:r>
+              <a:rPr lang="is-IS" dirty="0" smtClean="0"/>
+              <a:t>All sorts of obvious things:</a:t>
+            </a:r>
+          </a:p>
+          <a:p>
+            <a:pPr lvl="1"/>
+            <a:r>
+              <a:rPr lang="is-IS" dirty="0" smtClean="0"/>
+              <a:t>Documents saved, images, logs...</a:t>
+            </a:r>
+          </a:p>
+          <a:p>
+            <a:r>
+              <a:rPr lang="is-IS" dirty="0" smtClean="0"/>
+              <a:t>And not so obvious</a:t>
+            </a:r>
+          </a:p>
+          <a:p>
+            <a:pPr lvl="1"/>
+            <a:r>
+              <a:rPr lang="is-IS" dirty="0" smtClean="0"/>
+              <a:t>CFURL cache is usually the biggest &amp; scariest</a:t>
+            </a:r>
+            <a:endParaRPr lang="en-US" dirty="0"/>
+          </a:p>
+        </p:txBody>
+      </p:sp>
+      <p:sp>
+        <p:nvSpPr>
+          <p:cNvPr id="4" name="Date Placeholder 3"/>
+          <p:cNvSpPr>
+            <a:spLocks noGrp="1"/>
+          </p:cNvSpPr>
+          <p:nvPr>
+            <p:ph type="dt" sz="half" idx="10"/>
+          </p:nvPr>
+        </p:nvSpPr>
+        <p:spPr/>
+        <p:txBody>
+          <a:bodyPr/>
+          <a:lstStyle/>
+          <a:p>
+            <a:r>
+              <a:rPr lang="en-US" smtClean="0"/>
+              <a:t>20-DEC-2016</a:t>
+            </a:r>
+            <a:endParaRPr lang="en-US" dirty="0"/>
+          </a:p>
+        </p:txBody>
+      </p:sp>
+      <p:sp>
+        <p:nvSpPr>
+          <p:cNvPr id="5" name="Footer Placeholder 4"/>
+          <p:cNvSpPr>
+            <a:spLocks noGrp="1"/>
+          </p:cNvSpPr>
+          <p:nvPr>
+            <p:ph type="ftr" sz="quarter" idx="11"/>
+          </p:nvPr>
+        </p:nvSpPr>
+        <p:spPr/>
+        <p:txBody>
+          <a:bodyPr/>
+          <a:lstStyle/>
+          <a:p>
+            <a:r>
+              <a:rPr lang="en-US" smtClean="0"/>
+              <a:t>©2016 nVisium</a:t>
+            </a:r>
+            <a:endParaRPr lang="en-US" dirty="0"/>
+          </a:p>
+        </p:txBody>
+      </p:sp>
+      <p:sp>
+        <p:nvSpPr>
+          <p:cNvPr id="6" name="Slide Number Placeholder 5"/>
+          <p:cNvSpPr>
+            <a:spLocks noGrp="1"/>
+          </p:cNvSpPr>
+          <p:nvPr>
+            <p:ph type="sldNum" sz="quarter" idx="12"/>
+          </p:nvPr>
+        </p:nvSpPr>
+        <p:spPr/>
+        <p:txBody>
+          <a:bodyPr/>
+          <a:lstStyle/>
+          <a:p>
+            <a:fld id="{52EE06B1-A74F-7141-A24F-57941FF3B645}" type="slidenum">
+              <a:rPr lang="en-US" smtClean="0"/>
+              <a:t>62</a:t>
+            </a:fld>
+            <a:endParaRPr lang="en-US"/>
+          </a:p>
+        </p:txBody>
+      </p:sp>
+    </p:spTree>
+    <p:extLst>
+      <p:ext uri="{BB962C8B-B14F-4D97-AF65-F5344CB8AC3E}">
+        <p14:creationId xmlns:p14="http://schemas.microsoft.com/office/powerpoint/2010/main" val="650987134"/>
+      </p:ext>
+    </p:extLst>
+  </p:cSld>
+  <p:clrMapOvr>
+    <a:masterClrMapping/>
+  </p:clrMapOvr>
+  <p:timing>
+    <p:tnLst>
+      <p:par>
+        <p:cTn id="1" dur="indefinite" restart="never" nodeType="tmRoot"/>
+      </p:par>
+    </p:tnLst>
+  </p:timing>
+</p:sld>
+</file>
+
+<file path=ppt/slides/slide63.xml><?xml version="1.0" encoding="utf-8"?>
+<p:sld xmlns:a="http://schemas.openxmlformats.org/drawingml/2006/main" xmlns:r="http://schemas.openxmlformats.org/officeDocument/2006/relationships" xmlns:p="http://schemas.openxmlformats.org/presentationml/2006/main">
+  <p:cSld>
+    <p:spTree>
+      <p:nvGrpSpPr>
+        <p:cNvPr id="1" name=""/>
+        <p:cNvGrpSpPr/>
+        <p:nvPr/>
+      </p:nvGrpSpPr>
+      <p:grpSpPr>
+        <a:xfrm>
+          <a:off x="0" y="0"/>
+          <a:ext cx="0" cy="0"/>
+          <a:chOff x="0" y="0"/>
+          <a:chExt cx="0" cy="0"/>
+        </a:xfrm>
+      </p:grpSpPr>
+      <p:sp>
+        <p:nvSpPr>
+          <p:cNvPr id="2" name="Title 1"/>
+          <p:cNvSpPr>
+            <a:spLocks noGrp="1"/>
+          </p:cNvSpPr>
+          <p:nvPr>
+            <p:ph type="title"/>
+          </p:nvPr>
+        </p:nvSpPr>
+        <p:spPr/>
+        <p:txBody>
+          <a:bodyPr/>
+          <a:lstStyle/>
+          <a:p>
+            <a:r>
+              <a:rPr lang="en-US" dirty="0" smtClean="0"/>
+              <a:t>Attack Path</a:t>
+            </a:r>
+            <a:endParaRPr lang="en-US" dirty="0"/>
+          </a:p>
+        </p:txBody>
+      </p:sp>
+      <p:pic>
+        <p:nvPicPr>
+          <p:cNvPr id="7" name="Content Placeholder 6"/>
+          <p:cNvPicPr>
+            <a:picLocks noGrp="1" noChangeAspect="1"/>
+          </p:cNvPicPr>
+          <p:nvPr>
+            <p:ph idx="1"/>
+          </p:nvPr>
+        </p:nvPicPr>
+        <p:blipFill>
+          <a:blip r:embed="rId2">
+            <a:extLst>
+              <a:ext uri="{28A0092B-C50C-407E-A947-70E740481C1C}">
+                <a14:useLocalDpi xmlns:a14="http://schemas.microsoft.com/office/drawing/2010/main" val="0"/>
+              </a:ext>
+            </a:extLst>
+          </a:blip>
+          <a:stretch>
+            <a:fillRect/>
+          </a:stretch>
+        </p:blipFill>
+        <p:spPr>
+          <a:xfrm>
+            <a:off x="838200" y="1690688"/>
+            <a:ext cx="8966200" cy="4216400"/>
+          </a:xfrm>
+        </p:spPr>
+      </p:pic>
+      <p:sp>
+        <p:nvSpPr>
+          <p:cNvPr id="4" name="Date Placeholder 3"/>
+          <p:cNvSpPr>
+            <a:spLocks noGrp="1"/>
+          </p:cNvSpPr>
+          <p:nvPr>
+            <p:ph type="dt" sz="half" idx="10"/>
+          </p:nvPr>
+        </p:nvSpPr>
+        <p:spPr/>
+        <p:txBody>
+          <a:bodyPr/>
+          <a:lstStyle/>
+          <a:p>
+            <a:r>
+              <a:rPr lang="en-US" smtClean="0"/>
+              <a:t>20-DEC-2016</a:t>
+            </a:r>
+            <a:endParaRPr lang="en-US" dirty="0"/>
+          </a:p>
+        </p:txBody>
+      </p:sp>
+      <p:sp>
+        <p:nvSpPr>
+          <p:cNvPr id="5" name="Footer Placeholder 4"/>
+          <p:cNvSpPr>
+            <a:spLocks noGrp="1"/>
+          </p:cNvSpPr>
+          <p:nvPr>
+            <p:ph type="ftr" sz="quarter" idx="11"/>
+          </p:nvPr>
+        </p:nvSpPr>
+        <p:spPr/>
+        <p:txBody>
+          <a:bodyPr/>
+          <a:lstStyle/>
+          <a:p>
+            <a:r>
+              <a:rPr lang="en-US" smtClean="0"/>
+              <a:t>©2016 nVisium</a:t>
+            </a:r>
+            <a:endParaRPr lang="en-US" dirty="0"/>
+          </a:p>
+        </p:txBody>
+      </p:sp>
+      <p:sp>
+        <p:nvSpPr>
+          <p:cNvPr id="6" name="Slide Number Placeholder 5"/>
+          <p:cNvSpPr>
+            <a:spLocks noGrp="1"/>
+          </p:cNvSpPr>
+          <p:nvPr>
+            <p:ph type="sldNum" sz="quarter" idx="12"/>
+          </p:nvPr>
+        </p:nvSpPr>
+        <p:spPr/>
+        <p:txBody>
+          <a:bodyPr/>
+          <a:lstStyle/>
+          <a:p>
+            <a:fld id="{52EE06B1-A74F-7141-A24F-57941FF3B645}" type="slidenum">
+              <a:rPr lang="en-US" smtClean="0"/>
+              <a:t>63</a:t>
+            </a:fld>
+            <a:endParaRPr lang="en-US"/>
+          </a:p>
+        </p:txBody>
+      </p:sp>
+    </p:spTree>
+    <p:extLst>
+      <p:ext uri="{BB962C8B-B14F-4D97-AF65-F5344CB8AC3E}">
+        <p14:creationId xmlns:p14="http://schemas.microsoft.com/office/powerpoint/2010/main" val="1353415368"/>
+      </p:ext>
+    </p:extLst>
+  </p:cSld>
+  <p:clrMapOvr>
+    <a:masterClrMapping/>
+  </p:clrMapOvr>
+</p:sld>
+</file>
+
+<file path=ppt/slides/slide64.xml><?xml version="1.0" encoding="utf-8"?>
+<p:sld xmlns:a="http://schemas.openxmlformats.org/drawingml/2006/main" xmlns:r="http://schemas.openxmlformats.org/officeDocument/2006/relationships" xmlns:p="http://schemas.openxmlformats.org/presentationml/2006/main">
+  <p:cSld>
+    <p:spTree>
+      <p:nvGrpSpPr>
+        <p:cNvPr id="1" name=""/>
+        <p:cNvGrpSpPr/>
+        <p:nvPr/>
+      </p:nvGrpSpPr>
+      <p:grpSpPr>
+        <a:xfrm>
+          <a:off x="0" y="0"/>
+          <a:ext cx="0" cy="0"/>
+          <a:chOff x="0" y="0"/>
+          <a:chExt cx="0" cy="0"/>
+        </a:xfrm>
+      </p:grpSpPr>
+      <p:sp>
+        <p:nvSpPr>
+          <p:cNvPr id="2" name="Title 1"/>
+          <p:cNvSpPr>
+            <a:spLocks noGrp="1"/>
+          </p:cNvSpPr>
+          <p:nvPr>
+            <p:ph type="title"/>
+          </p:nvPr>
+        </p:nvSpPr>
+        <p:spPr/>
+        <p:txBody>
+          <a:bodyPr/>
+          <a:lstStyle/>
+          <a:p>
+            <a:r>
+              <a:rPr lang="en-US" dirty="0" smtClean="0"/>
+              <a:t>Storage Lifetime: cookies</a:t>
+            </a:r>
+            <a:endParaRPr lang="en-US" dirty="0"/>
+          </a:p>
+        </p:txBody>
+      </p:sp>
+      <p:pic>
+        <p:nvPicPr>
+          <p:cNvPr id="7" name="Content Placeholder 6"/>
+          <p:cNvPicPr>
+            <a:picLocks noGrp="1" noChangeAspect="1"/>
+          </p:cNvPicPr>
+          <p:nvPr>
+            <p:ph idx="1"/>
+          </p:nvPr>
+        </p:nvPicPr>
+        <p:blipFill>
+          <a:blip r:embed="rId2">
+            <a:extLst>
+              <a:ext uri="{28A0092B-C50C-407E-A947-70E740481C1C}">
+                <a14:useLocalDpi xmlns:a14="http://schemas.microsoft.com/office/drawing/2010/main" val="0"/>
+              </a:ext>
+            </a:extLst>
+          </a:blip>
+          <a:stretch>
+            <a:fillRect/>
+          </a:stretch>
+        </p:blipFill>
+        <p:spPr>
+          <a:xfrm>
+            <a:off x="838200" y="1690688"/>
+            <a:ext cx="8034055" cy="4351338"/>
+          </a:xfrm>
+        </p:spPr>
+      </p:pic>
+      <p:sp>
+        <p:nvSpPr>
+          <p:cNvPr id="4" name="Date Placeholder 3"/>
+          <p:cNvSpPr>
+            <a:spLocks noGrp="1"/>
+          </p:cNvSpPr>
+          <p:nvPr>
+            <p:ph type="dt" sz="half" idx="10"/>
+          </p:nvPr>
+        </p:nvSpPr>
+        <p:spPr/>
+        <p:txBody>
+          <a:bodyPr/>
+          <a:lstStyle/>
+          <a:p>
+            <a:r>
+              <a:rPr lang="en-US" smtClean="0"/>
+              <a:t>20-DEC-2016</a:t>
+            </a:r>
+            <a:endParaRPr lang="en-US" dirty="0"/>
+          </a:p>
+        </p:txBody>
+      </p:sp>
+      <p:sp>
+        <p:nvSpPr>
+          <p:cNvPr id="5" name="Footer Placeholder 4"/>
+          <p:cNvSpPr>
+            <a:spLocks noGrp="1"/>
+          </p:cNvSpPr>
+          <p:nvPr>
+            <p:ph type="ftr" sz="quarter" idx="11"/>
+          </p:nvPr>
+        </p:nvSpPr>
+        <p:spPr/>
+        <p:txBody>
+          <a:bodyPr/>
+          <a:lstStyle/>
+          <a:p>
+            <a:r>
+              <a:rPr lang="en-US" smtClean="0"/>
+              <a:t>©2016 nVisium</a:t>
+            </a:r>
+            <a:endParaRPr lang="en-US" dirty="0"/>
+          </a:p>
+        </p:txBody>
+      </p:sp>
+      <p:sp>
+        <p:nvSpPr>
+          <p:cNvPr id="6" name="Slide Number Placeholder 5"/>
+          <p:cNvSpPr>
+            <a:spLocks noGrp="1"/>
+          </p:cNvSpPr>
+          <p:nvPr>
+            <p:ph type="sldNum" sz="quarter" idx="12"/>
+          </p:nvPr>
+        </p:nvSpPr>
+        <p:spPr/>
+        <p:txBody>
+          <a:bodyPr/>
+          <a:lstStyle/>
+          <a:p>
+            <a:fld id="{52EE06B1-A74F-7141-A24F-57941FF3B645}" type="slidenum">
+              <a:rPr lang="en-US" smtClean="0"/>
+              <a:t>64</a:t>
+            </a:fld>
+            <a:endParaRPr lang="en-US"/>
+          </a:p>
+        </p:txBody>
+      </p:sp>
+    </p:spTree>
+    <p:extLst>
+      <p:ext uri="{BB962C8B-B14F-4D97-AF65-F5344CB8AC3E}">
+        <p14:creationId xmlns:p14="http://schemas.microsoft.com/office/powerpoint/2010/main" val="443797346"/>
+      </p:ext>
+    </p:extLst>
+  </p:cSld>
+  <p:clrMapOvr>
+    <a:masterClrMapping/>
+  </p:clrMapOvr>
+</p:sld>
+</file>
+
+<file path=ppt/slides/slide65.xml><?xml version="1.0" encoding="utf-8"?>
+<p:sld xmlns:a="http://schemas.openxmlformats.org/drawingml/2006/main" xmlns:r="http://schemas.openxmlformats.org/officeDocument/2006/relationships" xmlns:p="http://schemas.openxmlformats.org/presentationml/2006/main">
+  <p:cSld>
+    <p:spTree>
+      <p:nvGrpSpPr>
+        <p:cNvPr id="1" name=""/>
+        <p:cNvGrpSpPr/>
+        <p:nvPr/>
+      </p:nvGrpSpPr>
+      <p:grpSpPr>
+        <a:xfrm>
+          <a:off x="0" y="0"/>
+          <a:ext cx="0" cy="0"/>
+          <a:chOff x="0" y="0"/>
+          <a:chExt cx="0" cy="0"/>
+        </a:xfrm>
+      </p:grpSpPr>
+      <p:sp>
+        <p:nvSpPr>
+          <p:cNvPr id="2" name="Title 1"/>
+          <p:cNvSpPr>
+            <a:spLocks noGrp="1"/>
+          </p:cNvSpPr>
+          <p:nvPr>
+            <p:ph type="title"/>
+          </p:nvPr>
+        </p:nvSpPr>
+        <p:spPr/>
+        <p:txBody>
+          <a:bodyPr/>
+          <a:lstStyle/>
+          <a:p>
+            <a:r>
+              <a:rPr lang="en-US" dirty="0" smtClean="0"/>
+              <a:t>Storage Lifetime: cookies</a:t>
+            </a:r>
+            <a:endParaRPr lang="en-US" dirty="0"/>
+          </a:p>
+        </p:txBody>
+      </p:sp>
+      <p:pic>
+        <p:nvPicPr>
+          <p:cNvPr id="7" name="Content Placeholder 6"/>
+          <p:cNvPicPr>
+            <a:picLocks noGrp="1" noChangeAspect="1"/>
+          </p:cNvPicPr>
+          <p:nvPr>
+            <p:ph idx="1"/>
+          </p:nvPr>
+        </p:nvPicPr>
+        <p:blipFill>
+          <a:blip r:embed="rId2">
+            <a:extLst>
+              <a:ext uri="{28A0092B-C50C-407E-A947-70E740481C1C}">
+                <a14:useLocalDpi xmlns:a14="http://schemas.microsoft.com/office/drawing/2010/main" val="0"/>
+              </a:ext>
+            </a:extLst>
+          </a:blip>
+          <a:stretch>
+            <a:fillRect/>
+          </a:stretch>
+        </p:blipFill>
+        <p:spPr>
+          <a:xfrm>
+            <a:off x="838200" y="1690688"/>
+            <a:ext cx="10088489" cy="541560"/>
+          </a:xfrm>
+        </p:spPr>
+      </p:pic>
+      <p:sp>
+        <p:nvSpPr>
+          <p:cNvPr id="4" name="Date Placeholder 3"/>
+          <p:cNvSpPr>
+            <a:spLocks noGrp="1"/>
+          </p:cNvSpPr>
+          <p:nvPr>
+            <p:ph type="dt" sz="half" idx="10"/>
+          </p:nvPr>
+        </p:nvSpPr>
+        <p:spPr/>
+        <p:txBody>
+          <a:bodyPr/>
+          <a:lstStyle/>
+          <a:p>
+            <a:r>
+              <a:rPr lang="en-US" smtClean="0"/>
+              <a:t>20-DEC-2016</a:t>
+            </a:r>
+            <a:endParaRPr lang="en-US" dirty="0"/>
+          </a:p>
+        </p:txBody>
+      </p:sp>
+      <p:sp>
+        <p:nvSpPr>
+          <p:cNvPr id="5" name="Footer Placeholder 4"/>
+          <p:cNvSpPr>
+            <a:spLocks noGrp="1"/>
+          </p:cNvSpPr>
+          <p:nvPr>
+            <p:ph type="ftr" sz="quarter" idx="11"/>
+          </p:nvPr>
+        </p:nvSpPr>
+        <p:spPr/>
+        <p:txBody>
+          <a:bodyPr/>
+          <a:lstStyle/>
+          <a:p>
+            <a:r>
+              <a:rPr lang="en-US" smtClean="0"/>
+              <a:t>©2016 nVisium</a:t>
+            </a:r>
+            <a:endParaRPr lang="en-US" dirty="0"/>
+          </a:p>
+        </p:txBody>
+      </p:sp>
+      <p:sp>
+        <p:nvSpPr>
+          <p:cNvPr id="6" name="Slide Number Placeholder 5"/>
+          <p:cNvSpPr>
+            <a:spLocks noGrp="1"/>
+          </p:cNvSpPr>
+          <p:nvPr>
+            <p:ph type="sldNum" sz="quarter" idx="12"/>
+          </p:nvPr>
+        </p:nvSpPr>
+        <p:spPr/>
+        <p:txBody>
+          <a:bodyPr/>
+          <a:lstStyle/>
+          <a:p>
+            <a:fld id="{52EE06B1-A74F-7141-A24F-57941FF3B645}" type="slidenum">
+              <a:rPr lang="en-US" smtClean="0"/>
+              <a:t>65</a:t>
+            </a:fld>
+            <a:endParaRPr lang="en-US"/>
+          </a:p>
+        </p:txBody>
+      </p:sp>
+    </p:spTree>
+    <p:extLst>
+      <p:ext uri="{BB962C8B-B14F-4D97-AF65-F5344CB8AC3E}">
+        <p14:creationId xmlns:p14="http://schemas.microsoft.com/office/powerpoint/2010/main" val="2085987984"/>
+      </p:ext>
+    </p:extLst>
+  </p:cSld>
+  <p:clrMapOvr>
+    <a:masterClrMapping/>
+  </p:clrMapOvr>
+  <p:timing>
+    <p:tnLst>
+      <p:par>
+        <p:cTn id="1" dur="indefinite" restart="never" nodeType="tmRoot"/>
+      </p:par>
+    </p:tnLst>
+  </p:timing>
+</p:sld>
+</file>
+
+<file path=ppt/slides/slide66.xml><?xml version="1.0" encoding="utf-8"?>
+<p:sld xmlns:a="http://schemas.openxmlformats.org/drawingml/2006/main" xmlns:r="http://schemas.openxmlformats.org/officeDocument/2006/relationships" xmlns:p="http://schemas.openxmlformats.org/presentationml/2006/main">
+  <p:cSld>
+    <p:spTree>
+      <p:nvGrpSpPr>
+        <p:cNvPr id="1" name=""/>
+        <p:cNvGrpSpPr/>
+        <p:nvPr/>
+      </p:nvGrpSpPr>
+      <p:grpSpPr>
+        <a:xfrm>
+          <a:off x="0" y="0"/>
+          <a:ext cx="0" cy="0"/>
+          <a:chOff x="0" y="0"/>
+          <a:chExt cx="0" cy="0"/>
+        </a:xfrm>
+      </p:grpSpPr>
+      <p:sp>
+        <p:nvSpPr>
+          <p:cNvPr id="2" name="Title 1"/>
+          <p:cNvSpPr>
+            <a:spLocks noGrp="1"/>
+          </p:cNvSpPr>
+          <p:nvPr>
+            <p:ph type="title"/>
+          </p:nvPr>
+        </p:nvSpPr>
+        <p:spPr/>
+        <p:txBody>
+          <a:bodyPr/>
+          <a:lstStyle/>
+          <a:p>
+            <a:r>
+              <a:rPr lang="en-US" dirty="0" smtClean="0"/>
+              <a:t>Storage Lifetime: cache</a:t>
+            </a:r>
+            <a:endParaRPr lang="en-US" dirty="0"/>
+          </a:p>
+        </p:txBody>
+      </p:sp>
+      <p:pic>
+        <p:nvPicPr>
+          <p:cNvPr id="7" name="Content Placeholder 6"/>
+          <p:cNvPicPr>
+            <a:picLocks noGrp="1" noChangeAspect="1"/>
+          </p:cNvPicPr>
+          <p:nvPr>
+            <p:ph idx="1"/>
+          </p:nvPr>
+        </p:nvPicPr>
+        <p:blipFill>
+          <a:blip r:embed="rId2">
+            <a:extLst>
+              <a:ext uri="{28A0092B-C50C-407E-A947-70E740481C1C}">
+                <a14:useLocalDpi xmlns:a14="http://schemas.microsoft.com/office/drawing/2010/main" val="0"/>
+              </a:ext>
+            </a:extLst>
+          </a:blip>
+          <a:stretch>
+            <a:fillRect/>
+          </a:stretch>
+        </p:blipFill>
+        <p:spPr>
+          <a:xfrm>
+            <a:off x="838200" y="1690688"/>
+            <a:ext cx="7964424" cy="4136032"/>
+          </a:xfrm>
+        </p:spPr>
+      </p:pic>
+      <p:sp>
+        <p:nvSpPr>
+          <p:cNvPr id="4" name="Date Placeholder 3"/>
+          <p:cNvSpPr>
+            <a:spLocks noGrp="1"/>
+          </p:cNvSpPr>
+          <p:nvPr>
+            <p:ph type="dt" sz="half" idx="10"/>
+          </p:nvPr>
+        </p:nvSpPr>
+        <p:spPr/>
+        <p:txBody>
+          <a:bodyPr/>
+          <a:lstStyle/>
+          <a:p>
+            <a:r>
+              <a:rPr lang="en-US" smtClean="0"/>
+              <a:t>20-DEC-2016</a:t>
+            </a:r>
+            <a:endParaRPr lang="en-US" dirty="0"/>
+          </a:p>
+        </p:txBody>
+      </p:sp>
+      <p:sp>
+        <p:nvSpPr>
+          <p:cNvPr id="5" name="Footer Placeholder 4"/>
+          <p:cNvSpPr>
+            <a:spLocks noGrp="1"/>
+          </p:cNvSpPr>
+          <p:nvPr>
+            <p:ph type="ftr" sz="quarter" idx="11"/>
+          </p:nvPr>
+        </p:nvSpPr>
+        <p:spPr/>
+        <p:txBody>
+          <a:bodyPr/>
+          <a:lstStyle/>
+          <a:p>
+            <a:r>
+              <a:rPr lang="en-US" smtClean="0"/>
+              <a:t>©2016 nVisium</a:t>
+            </a:r>
+            <a:endParaRPr lang="en-US" dirty="0"/>
+          </a:p>
+        </p:txBody>
+      </p:sp>
+      <p:sp>
+        <p:nvSpPr>
+          <p:cNvPr id="6" name="Slide Number Placeholder 5"/>
+          <p:cNvSpPr>
+            <a:spLocks noGrp="1"/>
+          </p:cNvSpPr>
+          <p:nvPr>
+            <p:ph type="sldNum" sz="quarter" idx="12"/>
+          </p:nvPr>
+        </p:nvSpPr>
+        <p:spPr/>
+        <p:txBody>
+          <a:bodyPr/>
+          <a:lstStyle/>
+          <a:p>
+            <a:fld id="{52EE06B1-A74F-7141-A24F-57941FF3B645}" type="slidenum">
+              <a:rPr lang="en-US" smtClean="0"/>
+              <a:t>66</a:t>
+            </a:fld>
+            <a:endParaRPr lang="en-US"/>
+          </a:p>
+        </p:txBody>
+      </p:sp>
+    </p:spTree>
+    <p:extLst>
+      <p:ext uri="{BB962C8B-B14F-4D97-AF65-F5344CB8AC3E}">
+        <p14:creationId xmlns:p14="http://schemas.microsoft.com/office/powerpoint/2010/main" val="2145921585"/>
+      </p:ext>
+    </p:extLst>
+  </p:cSld>
+  <p:clrMapOvr>
+    <a:masterClrMapping/>
+  </p:clrMapOvr>
+</p:sld>
+</file>
+
+<file path=ppt/slides/slide67.xml><?xml version="1.0" encoding="utf-8"?>
+<p:sld xmlns:a="http://schemas.openxmlformats.org/drawingml/2006/main" xmlns:r="http://schemas.openxmlformats.org/officeDocument/2006/relationships" xmlns:p="http://schemas.openxmlformats.org/presentationml/2006/main">
+  <p:cSld>
+    <p:spTree>
+      <p:nvGrpSpPr>
+        <p:cNvPr id="1" name=""/>
+        <p:cNvGrpSpPr/>
+        <p:nvPr/>
+      </p:nvGrpSpPr>
+      <p:grpSpPr>
+        <a:xfrm>
+          <a:off x="0" y="0"/>
+          <a:ext cx="0" cy="0"/>
+          <a:chOff x="0" y="0"/>
+          <a:chExt cx="0" cy="0"/>
+        </a:xfrm>
+      </p:grpSpPr>
+      <p:sp>
+        <p:nvSpPr>
+          <p:cNvPr id="2" name="Title 1"/>
+          <p:cNvSpPr>
+            <a:spLocks noGrp="1"/>
+          </p:cNvSpPr>
+          <p:nvPr>
+            <p:ph type="title"/>
+          </p:nvPr>
+        </p:nvSpPr>
+        <p:spPr/>
+        <p:txBody>
+          <a:bodyPr/>
+          <a:lstStyle/>
+          <a:p>
+            <a:r>
+              <a:rPr lang="en-US" dirty="0" smtClean="0"/>
+              <a:t>Storage Lifetime: cache</a:t>
+            </a:r>
+            <a:endParaRPr lang="en-US" dirty="0"/>
+          </a:p>
+        </p:txBody>
+      </p:sp>
+      <p:pic>
+        <p:nvPicPr>
+          <p:cNvPr id="7" name="Content Placeholder 6"/>
+          <p:cNvPicPr>
+            <a:picLocks noGrp="1" noChangeAspect="1"/>
+          </p:cNvPicPr>
+          <p:nvPr>
+            <p:ph idx="1"/>
+          </p:nvPr>
+        </p:nvPicPr>
+        <p:blipFill>
+          <a:blip r:embed="rId2">
+            <a:extLst>
+              <a:ext uri="{28A0092B-C50C-407E-A947-70E740481C1C}">
+                <a14:useLocalDpi xmlns:a14="http://schemas.microsoft.com/office/drawing/2010/main" val="0"/>
+              </a:ext>
+            </a:extLst>
+          </a:blip>
+          <a:stretch>
+            <a:fillRect/>
+          </a:stretch>
+        </p:blipFill>
+        <p:spPr>
+          <a:xfrm>
+            <a:off x="838200" y="1690688"/>
+            <a:ext cx="9210951" cy="4351338"/>
+          </a:xfrm>
+        </p:spPr>
+      </p:pic>
+      <p:sp>
+        <p:nvSpPr>
+          <p:cNvPr id="4" name="Date Placeholder 3"/>
+          <p:cNvSpPr>
+            <a:spLocks noGrp="1"/>
+          </p:cNvSpPr>
+          <p:nvPr>
+            <p:ph type="dt" sz="half" idx="10"/>
+          </p:nvPr>
+        </p:nvSpPr>
+        <p:spPr/>
+        <p:txBody>
+          <a:bodyPr/>
+          <a:lstStyle/>
+          <a:p>
+            <a:r>
+              <a:rPr lang="en-US" smtClean="0"/>
+              <a:t>20-DEC-2016</a:t>
+            </a:r>
+            <a:endParaRPr lang="en-US" dirty="0"/>
+          </a:p>
+        </p:txBody>
+      </p:sp>
+      <p:sp>
+        <p:nvSpPr>
+          <p:cNvPr id="5" name="Footer Placeholder 4"/>
+          <p:cNvSpPr>
+            <a:spLocks noGrp="1"/>
+          </p:cNvSpPr>
+          <p:nvPr>
+            <p:ph type="ftr" sz="quarter" idx="11"/>
+          </p:nvPr>
+        </p:nvSpPr>
+        <p:spPr/>
+        <p:txBody>
+          <a:bodyPr/>
+          <a:lstStyle/>
+          <a:p>
+            <a:r>
+              <a:rPr lang="en-US" smtClean="0"/>
+              <a:t>©2016 nVisium</a:t>
+            </a:r>
+            <a:endParaRPr lang="en-US" dirty="0"/>
+          </a:p>
+        </p:txBody>
+      </p:sp>
+      <p:sp>
+        <p:nvSpPr>
+          <p:cNvPr id="6" name="Slide Number Placeholder 5"/>
+          <p:cNvSpPr>
+            <a:spLocks noGrp="1"/>
+          </p:cNvSpPr>
+          <p:nvPr>
+            <p:ph type="sldNum" sz="quarter" idx="12"/>
+          </p:nvPr>
+        </p:nvSpPr>
+        <p:spPr/>
+        <p:txBody>
+          <a:bodyPr/>
+          <a:lstStyle/>
+          <a:p>
+            <a:fld id="{52EE06B1-A74F-7141-A24F-57941FF3B645}" type="slidenum">
+              <a:rPr lang="en-US" smtClean="0"/>
+              <a:t>67</a:t>
+            </a:fld>
+            <a:endParaRPr lang="en-US"/>
+          </a:p>
+        </p:txBody>
+      </p:sp>
+    </p:spTree>
+    <p:extLst>
+      <p:ext uri="{BB962C8B-B14F-4D97-AF65-F5344CB8AC3E}">
+        <p14:creationId xmlns:p14="http://schemas.microsoft.com/office/powerpoint/2010/main" val="1372674515"/>
+      </p:ext>
+    </p:extLst>
+  </p:cSld>
+  <p:clrMapOvr>
+    <a:masterClrMapping/>
+  </p:clrMapOvr>
+  <p:timing>
+    <p:tnLst>
+      <p:par>
+        <p:cTn id="1" dur="indefinite" restart="never" nodeType="tmRoot"/>
+      </p:par>
+    </p:tnLst>
+  </p:timing>
+</p:sld>
+</file>
+
+<file path=ppt/slides/slide68.xml><?xml version="1.0" encoding="utf-8"?>
+<p:sld xmlns:a="http://schemas.openxmlformats.org/drawingml/2006/main" xmlns:r="http://schemas.openxmlformats.org/officeDocument/2006/relationships" xmlns:p="http://schemas.openxmlformats.org/presentationml/2006/main">
+  <p:cSld>
+    <p:spTree>
+      <p:nvGrpSpPr>
+        <p:cNvPr id="1" name=""/>
+        <p:cNvGrpSpPr/>
+        <p:nvPr/>
+      </p:nvGrpSpPr>
+      <p:grpSpPr>
+        <a:xfrm>
+          <a:off x="0" y="0"/>
+          <a:ext cx="0" cy="0"/>
+          <a:chOff x="0" y="0"/>
+          <a:chExt cx="0" cy="0"/>
+        </a:xfrm>
+      </p:grpSpPr>
+      <p:sp>
+        <p:nvSpPr>
+          <p:cNvPr id="2" name="Title 1"/>
+          <p:cNvSpPr>
+            <a:spLocks noGrp="1"/>
+          </p:cNvSpPr>
+          <p:nvPr>
+            <p:ph type="title"/>
+          </p:nvPr>
+        </p:nvSpPr>
+        <p:spPr/>
+        <p:txBody>
+          <a:bodyPr/>
+          <a:lstStyle/>
+          <a:p>
+            <a:r>
+              <a:rPr lang="en-US" dirty="0" smtClean="0"/>
+              <a:t>Backups</a:t>
+            </a:r>
+            <a:endParaRPr lang="en-US" dirty="0"/>
+          </a:p>
+        </p:txBody>
+      </p:sp>
+      <p:sp>
+        <p:nvSpPr>
+          <p:cNvPr id="3" name="Content Placeholder 2"/>
+          <p:cNvSpPr>
+            <a:spLocks noGrp="1"/>
+          </p:cNvSpPr>
+          <p:nvPr>
+            <p:ph idx="1"/>
+          </p:nvPr>
+        </p:nvSpPr>
+        <p:spPr/>
+        <p:txBody>
+          <a:bodyPr/>
+          <a:lstStyle/>
+          <a:p>
+            <a:r>
+              <a:rPr lang="en-US" dirty="0" smtClean="0"/>
+              <a:t>Attackers can access backups from victim’s device or computer</a:t>
+            </a:r>
+          </a:p>
+          <a:p>
+            <a:r>
+              <a:rPr lang="en-US" dirty="0"/>
+              <a:t>Easy to use tools to </a:t>
+            </a:r>
+            <a:r>
+              <a:rPr lang="en-US" dirty="0" smtClean="0"/>
+              <a:t>access</a:t>
+            </a:r>
+          </a:p>
+          <a:p>
+            <a:r>
+              <a:rPr lang="en-US" dirty="0" smtClean="0"/>
+              <a:t>Anything stored in backups is accessible to an attacker</a:t>
+            </a:r>
+          </a:p>
+          <a:p>
+            <a:r>
+              <a:rPr lang="en-US" dirty="0" smtClean="0"/>
+              <a:t>Once they’ve gathered it, they can replay it</a:t>
+            </a:r>
+          </a:p>
+          <a:p>
+            <a:pPr lvl="1"/>
+            <a:r>
+              <a:rPr lang="en-US" dirty="0" smtClean="0"/>
+              <a:t>Cookies</a:t>
+            </a:r>
+          </a:p>
+          <a:p>
+            <a:pPr lvl="1"/>
+            <a:r>
+              <a:rPr lang="en-US" dirty="0" smtClean="0"/>
+              <a:t>Tokens stored in caches</a:t>
+            </a:r>
+          </a:p>
+          <a:p>
+            <a:pPr lvl="1"/>
+            <a:r>
+              <a:rPr lang="en-US" dirty="0" smtClean="0"/>
+              <a:t>URLs exposed in cache</a:t>
+            </a:r>
+            <a:r>
+              <a:rPr lang="is-IS" dirty="0" smtClean="0"/>
+              <a:t>…</a:t>
+            </a:r>
+            <a:endParaRPr lang="en-US" dirty="0" smtClean="0"/>
+          </a:p>
+          <a:p>
+            <a:endParaRPr lang="en-US" dirty="0"/>
+          </a:p>
+        </p:txBody>
+      </p:sp>
+      <p:sp>
+        <p:nvSpPr>
+          <p:cNvPr id="4" name="Date Placeholder 3"/>
+          <p:cNvSpPr>
+            <a:spLocks noGrp="1"/>
+          </p:cNvSpPr>
+          <p:nvPr>
+            <p:ph type="dt" sz="half" idx="10"/>
+          </p:nvPr>
+        </p:nvSpPr>
+        <p:spPr/>
+        <p:txBody>
+          <a:bodyPr/>
+          <a:lstStyle/>
+          <a:p>
+            <a:r>
+              <a:rPr lang="en-US" smtClean="0"/>
+              <a:t>20-DEC-2016</a:t>
+            </a:r>
+            <a:endParaRPr lang="en-US" dirty="0"/>
+          </a:p>
+        </p:txBody>
+      </p:sp>
+      <p:sp>
+        <p:nvSpPr>
+          <p:cNvPr id="5" name="Footer Placeholder 4"/>
+          <p:cNvSpPr>
+            <a:spLocks noGrp="1"/>
+          </p:cNvSpPr>
+          <p:nvPr>
+            <p:ph type="ftr" sz="quarter" idx="11"/>
+          </p:nvPr>
+        </p:nvSpPr>
+        <p:spPr/>
+        <p:txBody>
+          <a:bodyPr/>
+          <a:lstStyle/>
+          <a:p>
+            <a:r>
+              <a:rPr lang="en-US" smtClean="0"/>
+              <a:t>©2016 nVisium</a:t>
+            </a:r>
+            <a:endParaRPr lang="en-US" dirty="0"/>
+          </a:p>
+        </p:txBody>
+      </p:sp>
+      <p:sp>
+        <p:nvSpPr>
+          <p:cNvPr id="6" name="Slide Number Placeholder 5"/>
+          <p:cNvSpPr>
+            <a:spLocks noGrp="1"/>
+          </p:cNvSpPr>
+          <p:nvPr>
+            <p:ph type="sldNum" sz="quarter" idx="12"/>
+          </p:nvPr>
+        </p:nvSpPr>
+        <p:spPr/>
+        <p:txBody>
+          <a:bodyPr/>
+          <a:lstStyle/>
+          <a:p>
+            <a:fld id="{52EE06B1-A74F-7141-A24F-57941FF3B645}" type="slidenum">
+              <a:rPr lang="en-US" smtClean="0"/>
+              <a:t>68</a:t>
+            </a:fld>
+            <a:endParaRPr lang="en-US"/>
+          </a:p>
+        </p:txBody>
+      </p:sp>
+    </p:spTree>
+    <p:extLst>
+      <p:ext uri="{BB962C8B-B14F-4D97-AF65-F5344CB8AC3E}">
+        <p14:creationId xmlns:p14="http://schemas.microsoft.com/office/powerpoint/2010/main" val="2099878305"/>
+      </p:ext>
+    </p:extLst>
+  </p:cSld>
+  <p:clrMapOvr>
+    <a:masterClrMapping/>
+  </p:clrMapOvr>
+</p:sld>
+</file>
+
+<file path=ppt/slides/slide69.xml><?xml version="1.0" encoding="utf-8"?>
+<p:sld xmlns:a="http://schemas.openxmlformats.org/drawingml/2006/main" xmlns:r="http://schemas.openxmlformats.org/officeDocument/2006/relationships" xmlns:p="http://schemas.openxmlformats.org/presentationml/2006/main">
+  <p:cSld>
+    <p:spTree>
+      <p:nvGrpSpPr>
+        <p:cNvPr id="1" name=""/>
+        <p:cNvGrpSpPr/>
+        <p:nvPr/>
+      </p:nvGrpSpPr>
+      <p:grpSpPr>
+        <a:xfrm>
+          <a:off x="0" y="0"/>
+          <a:ext cx="0" cy="0"/>
+          <a:chOff x="0" y="0"/>
+          <a:chExt cx="0" cy="0"/>
+        </a:xfrm>
+      </p:grpSpPr>
+      <p:sp>
+        <p:nvSpPr>
+          <p:cNvPr id="2" name="Title 1"/>
+          <p:cNvSpPr>
+            <a:spLocks noGrp="1"/>
+          </p:cNvSpPr>
+          <p:nvPr>
+            <p:ph type="title"/>
+          </p:nvPr>
+        </p:nvSpPr>
+        <p:spPr/>
+        <p:txBody>
+          <a:bodyPr/>
+          <a:lstStyle/>
+          <a:p>
+            <a:r>
+              <a:rPr lang="en-US" dirty="0" smtClean="0"/>
+              <a:t>Takeaways</a:t>
+            </a:r>
+            <a:endParaRPr lang="en-US" dirty="0"/>
+          </a:p>
+        </p:txBody>
+      </p:sp>
+      <p:sp>
+        <p:nvSpPr>
+          <p:cNvPr id="3" name="Content Placeholder 2"/>
+          <p:cNvSpPr>
+            <a:spLocks noGrp="1"/>
+          </p:cNvSpPr>
+          <p:nvPr>
+            <p:ph idx="1"/>
+          </p:nvPr>
+        </p:nvSpPr>
+        <p:spPr/>
+        <p:txBody>
+          <a:bodyPr/>
+          <a:lstStyle/>
+          <a:p>
+            <a:r>
+              <a:rPr lang="en-US" dirty="0" smtClean="0"/>
+              <a:t>Be aware of </a:t>
+            </a:r>
+            <a:r>
+              <a:rPr lang="en-US" b="1" dirty="0" smtClean="0"/>
+              <a:t>where</a:t>
+            </a:r>
+            <a:r>
+              <a:rPr lang="en-US" dirty="0" smtClean="0"/>
+              <a:t> data can leak, and what data that is</a:t>
+            </a:r>
+          </a:p>
+          <a:p>
+            <a:r>
+              <a:rPr lang="en-US" dirty="0" smtClean="0"/>
+              <a:t>Whenever possible, do not store sensitive data </a:t>
+            </a:r>
+            <a:r>
+              <a:rPr lang="en-US" dirty="0" err="1" smtClean="0"/>
+              <a:t>inadvertanly</a:t>
+            </a:r>
+            <a:r>
+              <a:rPr lang="en-US" dirty="0" smtClean="0"/>
+              <a:t> </a:t>
+            </a:r>
+          </a:p>
+          <a:p>
+            <a:r>
+              <a:rPr lang="en-US" dirty="0" smtClean="0"/>
+              <a:t>Make application cookies:</a:t>
+            </a:r>
+          </a:p>
+          <a:p>
+            <a:pPr lvl="1"/>
+            <a:r>
+              <a:rPr lang="en-US" dirty="0" smtClean="0"/>
+              <a:t>Live a reasonable amount of time</a:t>
+            </a:r>
+          </a:p>
+          <a:p>
+            <a:pPr lvl="1"/>
+            <a:r>
+              <a:rPr lang="en-US" dirty="0" smtClean="0"/>
+              <a:t>But not overly long</a:t>
+            </a:r>
+          </a:p>
+          <a:p>
+            <a:pPr lvl="1"/>
+            <a:r>
+              <a:rPr lang="en-US" dirty="0" smtClean="0"/>
+              <a:t>Completely revocable (such as on sign out)</a:t>
+            </a:r>
+            <a:endParaRPr lang="en-US" dirty="0"/>
+          </a:p>
+        </p:txBody>
+      </p:sp>
+      <p:sp>
+        <p:nvSpPr>
+          <p:cNvPr id="4" name="Date Placeholder 3"/>
+          <p:cNvSpPr>
+            <a:spLocks noGrp="1"/>
+          </p:cNvSpPr>
+          <p:nvPr>
+            <p:ph type="dt" sz="half" idx="10"/>
+          </p:nvPr>
+        </p:nvSpPr>
+        <p:spPr/>
+        <p:txBody>
+          <a:bodyPr/>
+          <a:lstStyle/>
+          <a:p>
+            <a:r>
+              <a:rPr lang="en-US" smtClean="0"/>
+              <a:t>20-DEC-2016</a:t>
+            </a:r>
+            <a:endParaRPr lang="en-US" dirty="0"/>
+          </a:p>
+        </p:txBody>
+      </p:sp>
+      <p:sp>
+        <p:nvSpPr>
+          <p:cNvPr id="5" name="Footer Placeholder 4"/>
+          <p:cNvSpPr>
+            <a:spLocks noGrp="1"/>
+          </p:cNvSpPr>
+          <p:nvPr>
+            <p:ph type="ftr" sz="quarter" idx="11"/>
+          </p:nvPr>
+        </p:nvSpPr>
+        <p:spPr/>
+        <p:txBody>
+          <a:bodyPr/>
+          <a:lstStyle/>
+          <a:p>
+            <a:r>
+              <a:rPr lang="en-US" smtClean="0"/>
+              <a:t>©2016 nVisium</a:t>
+            </a:r>
+            <a:endParaRPr lang="en-US" dirty="0"/>
+          </a:p>
+        </p:txBody>
+      </p:sp>
+      <p:sp>
+        <p:nvSpPr>
+          <p:cNvPr id="6" name="Slide Number Placeholder 5"/>
+          <p:cNvSpPr>
+            <a:spLocks noGrp="1"/>
+          </p:cNvSpPr>
+          <p:nvPr>
+            <p:ph type="sldNum" sz="quarter" idx="12"/>
+          </p:nvPr>
+        </p:nvSpPr>
+        <p:spPr/>
+        <p:txBody>
+          <a:bodyPr/>
+          <a:lstStyle/>
+          <a:p>
+            <a:fld id="{52EE06B1-A74F-7141-A24F-57941FF3B645}" type="slidenum">
+              <a:rPr lang="en-US" smtClean="0"/>
+              <a:t>69</a:t>
+            </a:fld>
+            <a:endParaRPr lang="en-US"/>
+          </a:p>
+        </p:txBody>
+      </p:sp>
+    </p:spTree>
+    <p:extLst>
+      <p:ext uri="{BB962C8B-B14F-4D97-AF65-F5344CB8AC3E}">
+        <p14:creationId xmlns:p14="http://schemas.microsoft.com/office/powerpoint/2010/main" val="321178652"/>
       </p:ext>
     </p:extLst>
   </p:cSld>
@@ -14149,8 +18417,8 @@
               <a:t>, Types, Formal verification, and </a:t>
             </a:r>
             <a:r>
-              <a:rPr lang="en-US" dirty="0" err="1" smtClean="0"/>
-              <a:t>Shakespear</a:t>
+              <a:rPr lang="en-US" dirty="0" smtClean="0"/>
+              <a:t>Shakespeare</a:t>
             </a:r>
             <a:endParaRPr lang="en-US" dirty="0" smtClean="0"/>
           </a:p>
@@ -14243,6 +18511,1999 @@
     <p:extLst>
       <p:ext uri="{BB962C8B-B14F-4D97-AF65-F5344CB8AC3E}">
         <p14:creationId xmlns:p14="http://schemas.microsoft.com/office/powerpoint/2010/main" val="1932423557"/>
+      </p:ext>
+    </p:extLst>
+  </p:cSld>
+  <p:clrMapOvr>
+    <a:masterClrMapping/>
+  </p:clrMapOvr>
+  <p:timing>
+    <p:tnLst>
+      <p:par>
+        <p:cTn id="1" dur="indefinite" restart="never" nodeType="tmRoot"/>
+      </p:par>
+    </p:tnLst>
+  </p:timing>
+</p:sld>
+</file>
+
+<file path=ppt/slides/slide70.xml><?xml version="1.0" encoding="utf-8"?>
+<p:sld xmlns:a="http://schemas.openxmlformats.org/drawingml/2006/main" xmlns:r="http://schemas.openxmlformats.org/officeDocument/2006/relationships" xmlns:p="http://schemas.openxmlformats.org/presentationml/2006/main">
+  <p:cSld>
+    <p:spTree>
+      <p:nvGrpSpPr>
+        <p:cNvPr id="1" name=""/>
+        <p:cNvGrpSpPr/>
+        <p:nvPr/>
+      </p:nvGrpSpPr>
+      <p:grpSpPr>
+        <a:xfrm>
+          <a:off x="0" y="0"/>
+          <a:ext cx="0" cy="0"/>
+          <a:chOff x="0" y="0"/>
+          <a:chExt cx="0" cy="0"/>
+        </a:xfrm>
+      </p:grpSpPr>
+      <p:sp>
+        <p:nvSpPr>
+          <p:cNvPr id="2" name="Title 1"/>
+          <p:cNvSpPr>
+            <a:spLocks noGrp="1"/>
+          </p:cNvSpPr>
+          <p:nvPr>
+            <p:ph type="ctrTitle"/>
+          </p:nvPr>
+        </p:nvSpPr>
+        <p:spPr/>
+        <p:txBody>
+          <a:bodyPr/>
+          <a:lstStyle/>
+          <a:p>
+            <a:r>
+              <a:rPr lang="en-US" dirty="0" smtClean="0"/>
+              <a:t>Mobile Registration</a:t>
+            </a:r>
+            <a:endParaRPr lang="en-US" dirty="0"/>
+          </a:p>
+        </p:txBody>
+      </p:sp>
+      <p:sp>
+        <p:nvSpPr>
+          <p:cNvPr id="3" name="Subtitle 2"/>
+          <p:cNvSpPr>
+            <a:spLocks noGrp="1"/>
+          </p:cNvSpPr>
+          <p:nvPr>
+            <p:ph type="subTitle" idx="1"/>
+          </p:nvPr>
+        </p:nvSpPr>
+        <p:spPr/>
+        <p:txBody>
+          <a:bodyPr/>
+          <a:lstStyle/>
+          <a:p>
+            <a:r>
+              <a:rPr lang="en-US" i="1" dirty="0" smtClean="0"/>
+              <a:t>They would not know the name of justice if these things did not exist</a:t>
+            </a:r>
+            <a:endParaRPr lang="en-US" dirty="0" smtClean="0"/>
+          </a:p>
+          <a:p>
+            <a:r>
+              <a:rPr lang="en-US" sz="1600" dirty="0" smtClean="0"/>
+              <a:t>Clement, </a:t>
+            </a:r>
+            <a:r>
+              <a:rPr lang="en-US" sz="1600" i="1" dirty="0" smtClean="0"/>
+              <a:t>Miscellanies</a:t>
+            </a:r>
+            <a:endParaRPr lang="en-US" sz="1600" i="1" dirty="0"/>
+          </a:p>
+        </p:txBody>
+      </p:sp>
+      <p:sp>
+        <p:nvSpPr>
+          <p:cNvPr id="4" name="Date Placeholder 3"/>
+          <p:cNvSpPr>
+            <a:spLocks noGrp="1"/>
+          </p:cNvSpPr>
+          <p:nvPr>
+            <p:ph type="dt" sz="half" idx="10"/>
+          </p:nvPr>
+        </p:nvSpPr>
+        <p:spPr/>
+        <p:txBody>
+          <a:bodyPr/>
+          <a:lstStyle/>
+          <a:p>
+            <a:r>
+              <a:rPr lang="en-US" smtClean="0"/>
+              <a:t>20-DEC-2016</a:t>
+            </a:r>
+            <a:endParaRPr lang="en-US" dirty="0"/>
+          </a:p>
+        </p:txBody>
+      </p:sp>
+      <p:sp>
+        <p:nvSpPr>
+          <p:cNvPr id="5" name="Footer Placeholder 4"/>
+          <p:cNvSpPr>
+            <a:spLocks noGrp="1"/>
+          </p:cNvSpPr>
+          <p:nvPr>
+            <p:ph type="ftr" sz="quarter" idx="11"/>
+          </p:nvPr>
+        </p:nvSpPr>
+        <p:spPr/>
+        <p:txBody>
+          <a:bodyPr/>
+          <a:lstStyle/>
+          <a:p>
+            <a:r>
+              <a:rPr lang="en-US" smtClean="0"/>
+              <a:t>©2016 nVisium</a:t>
+            </a:r>
+            <a:endParaRPr lang="en-US" dirty="0"/>
+          </a:p>
+        </p:txBody>
+      </p:sp>
+      <p:sp>
+        <p:nvSpPr>
+          <p:cNvPr id="6" name="Slide Number Placeholder 5"/>
+          <p:cNvSpPr>
+            <a:spLocks noGrp="1"/>
+          </p:cNvSpPr>
+          <p:nvPr>
+            <p:ph type="sldNum" sz="quarter" idx="12"/>
+          </p:nvPr>
+        </p:nvSpPr>
+        <p:spPr/>
+        <p:txBody>
+          <a:bodyPr/>
+          <a:lstStyle/>
+          <a:p>
+            <a:fld id="{52EE06B1-A74F-7141-A24F-57941FF3B645}" type="slidenum">
+              <a:rPr lang="en-US" smtClean="0"/>
+              <a:t>70</a:t>
+            </a:fld>
+            <a:endParaRPr lang="en-US"/>
+          </a:p>
+        </p:txBody>
+      </p:sp>
+    </p:spTree>
+    <p:extLst>
+      <p:ext uri="{BB962C8B-B14F-4D97-AF65-F5344CB8AC3E}">
+        <p14:creationId xmlns:p14="http://schemas.microsoft.com/office/powerpoint/2010/main" val="247592528"/>
+      </p:ext>
+    </p:extLst>
+  </p:cSld>
+  <p:clrMapOvr>
+    <a:masterClrMapping/>
+  </p:clrMapOvr>
+  <p:timing>
+    <p:tnLst>
+      <p:par>
+        <p:cTn id="1" dur="indefinite" restart="never" nodeType="tmRoot"/>
+      </p:par>
+    </p:tnLst>
+  </p:timing>
+</p:sld>
+</file>
+
+<file path=ppt/slides/slide71.xml><?xml version="1.0" encoding="utf-8"?>
+<p:sld xmlns:a="http://schemas.openxmlformats.org/drawingml/2006/main" xmlns:r="http://schemas.openxmlformats.org/officeDocument/2006/relationships" xmlns:p="http://schemas.openxmlformats.org/presentationml/2006/main">
+  <p:cSld>
+    <p:spTree>
+      <p:nvGrpSpPr>
+        <p:cNvPr id="1" name=""/>
+        <p:cNvGrpSpPr/>
+        <p:nvPr/>
+      </p:nvGrpSpPr>
+      <p:grpSpPr>
+        <a:xfrm>
+          <a:off x="0" y="0"/>
+          <a:ext cx="0" cy="0"/>
+          <a:chOff x="0" y="0"/>
+          <a:chExt cx="0" cy="0"/>
+        </a:xfrm>
+      </p:grpSpPr>
+      <p:sp>
+        <p:nvSpPr>
+          <p:cNvPr id="2" name="Title 1"/>
+          <p:cNvSpPr>
+            <a:spLocks noGrp="1"/>
+          </p:cNvSpPr>
+          <p:nvPr>
+            <p:ph type="title"/>
+          </p:nvPr>
+        </p:nvSpPr>
+        <p:spPr/>
+        <p:txBody>
+          <a:bodyPr/>
+          <a:lstStyle/>
+          <a:p>
+            <a:r>
+              <a:rPr lang="en-US" dirty="0" smtClean="0"/>
+              <a:t>So</a:t>
+            </a:r>
+            <a:r>
+              <a:rPr lang="is-IS" dirty="0" smtClean="0"/>
+              <a:t>…</a:t>
+            </a:r>
+            <a:endParaRPr lang="en-US" dirty="0"/>
+          </a:p>
+        </p:txBody>
+      </p:sp>
+      <p:sp>
+        <p:nvSpPr>
+          <p:cNvPr id="3" name="Content Placeholder 2"/>
+          <p:cNvSpPr>
+            <a:spLocks noGrp="1"/>
+          </p:cNvSpPr>
+          <p:nvPr>
+            <p:ph idx="1"/>
+          </p:nvPr>
+        </p:nvSpPr>
+        <p:spPr/>
+        <p:txBody>
+          <a:bodyPr/>
+          <a:lstStyle/>
+          <a:p>
+            <a:r>
+              <a:rPr lang="en-US" dirty="0" smtClean="0"/>
+              <a:t>A user signs up with our mobile app</a:t>
+            </a:r>
+            <a:r>
+              <a:rPr lang="is-IS" dirty="0" smtClean="0"/>
+              <a:t>…</a:t>
+            </a:r>
+          </a:p>
+          <a:p>
+            <a:r>
+              <a:rPr lang="is-IS" dirty="0" smtClean="0"/>
+              <a:t>... </a:t>
+            </a:r>
+            <a:r>
+              <a:rPr lang="en-US" dirty="0" smtClean="0"/>
+              <a:t>A</a:t>
+            </a:r>
+            <a:r>
+              <a:rPr lang="is-IS" dirty="0" smtClean="0"/>
+              <a:t>nd they don’t want to sign in all the time</a:t>
+            </a:r>
+          </a:p>
+          <a:p>
+            <a:r>
+              <a:rPr lang="en-US" dirty="0" smtClean="0"/>
+              <a:t>W</a:t>
+            </a:r>
+            <a:r>
+              <a:rPr lang="is-IS" dirty="0" smtClean="0"/>
+              <a:t>hat do we do?</a:t>
+            </a:r>
+          </a:p>
+        </p:txBody>
+      </p:sp>
+      <p:sp>
+        <p:nvSpPr>
+          <p:cNvPr id="4" name="Date Placeholder 3"/>
+          <p:cNvSpPr>
+            <a:spLocks noGrp="1"/>
+          </p:cNvSpPr>
+          <p:nvPr>
+            <p:ph type="dt" sz="half" idx="10"/>
+          </p:nvPr>
+        </p:nvSpPr>
+        <p:spPr/>
+        <p:txBody>
+          <a:bodyPr/>
+          <a:lstStyle/>
+          <a:p>
+            <a:r>
+              <a:rPr lang="en-US" smtClean="0"/>
+              <a:t>20-DEC-2016</a:t>
+            </a:r>
+            <a:endParaRPr lang="en-US" dirty="0"/>
+          </a:p>
+        </p:txBody>
+      </p:sp>
+      <p:sp>
+        <p:nvSpPr>
+          <p:cNvPr id="5" name="Footer Placeholder 4"/>
+          <p:cNvSpPr>
+            <a:spLocks noGrp="1"/>
+          </p:cNvSpPr>
+          <p:nvPr>
+            <p:ph type="ftr" sz="quarter" idx="11"/>
+          </p:nvPr>
+        </p:nvSpPr>
+        <p:spPr/>
+        <p:txBody>
+          <a:bodyPr/>
+          <a:lstStyle/>
+          <a:p>
+            <a:r>
+              <a:rPr lang="en-US" smtClean="0"/>
+              <a:t>©2016 nVisium</a:t>
+            </a:r>
+            <a:endParaRPr lang="en-US" dirty="0"/>
+          </a:p>
+        </p:txBody>
+      </p:sp>
+      <p:sp>
+        <p:nvSpPr>
+          <p:cNvPr id="6" name="Slide Number Placeholder 5"/>
+          <p:cNvSpPr>
+            <a:spLocks noGrp="1"/>
+          </p:cNvSpPr>
+          <p:nvPr>
+            <p:ph type="sldNum" sz="quarter" idx="12"/>
+          </p:nvPr>
+        </p:nvSpPr>
+        <p:spPr/>
+        <p:txBody>
+          <a:bodyPr/>
+          <a:lstStyle/>
+          <a:p>
+            <a:fld id="{52EE06B1-A74F-7141-A24F-57941FF3B645}" type="slidenum">
+              <a:rPr lang="en-US" smtClean="0"/>
+              <a:t>71</a:t>
+            </a:fld>
+            <a:endParaRPr lang="en-US"/>
+          </a:p>
+        </p:txBody>
+      </p:sp>
+    </p:spTree>
+    <p:extLst>
+      <p:ext uri="{BB962C8B-B14F-4D97-AF65-F5344CB8AC3E}">
+        <p14:creationId xmlns:p14="http://schemas.microsoft.com/office/powerpoint/2010/main" val="419074627"/>
+      </p:ext>
+    </p:extLst>
+  </p:cSld>
+  <p:clrMapOvr>
+    <a:masterClrMapping/>
+  </p:clrMapOvr>
+  <p:timing>
+    <p:tnLst>
+      <p:par>
+        <p:cTn id="1" dur="indefinite" restart="never" nodeType="tmRoot"/>
+      </p:par>
+    </p:tnLst>
+  </p:timing>
+</p:sld>
+</file>
+
+<file path=ppt/slides/slide72.xml><?xml version="1.0" encoding="utf-8"?>
+<p:sld xmlns:a="http://schemas.openxmlformats.org/drawingml/2006/main" xmlns:r="http://schemas.openxmlformats.org/officeDocument/2006/relationships" xmlns:p="http://schemas.openxmlformats.org/presentationml/2006/main">
+  <p:cSld>
+    <p:spTree>
+      <p:nvGrpSpPr>
+        <p:cNvPr id="1" name=""/>
+        <p:cNvGrpSpPr/>
+        <p:nvPr/>
+      </p:nvGrpSpPr>
+      <p:grpSpPr>
+        <a:xfrm>
+          <a:off x="0" y="0"/>
+          <a:ext cx="0" cy="0"/>
+          <a:chOff x="0" y="0"/>
+          <a:chExt cx="0" cy="0"/>
+        </a:xfrm>
+      </p:grpSpPr>
+      <p:sp>
+        <p:nvSpPr>
+          <p:cNvPr id="2" name="Title 1"/>
+          <p:cNvSpPr>
+            <a:spLocks noGrp="1"/>
+          </p:cNvSpPr>
+          <p:nvPr>
+            <p:ph type="title"/>
+          </p:nvPr>
+        </p:nvSpPr>
+        <p:spPr/>
+        <p:txBody>
+          <a:bodyPr/>
+          <a:lstStyle/>
+          <a:p>
+            <a:r>
+              <a:rPr lang="en-US" dirty="0" smtClean="0"/>
+              <a:t>Initial Sign up</a:t>
+            </a:r>
+            <a:endParaRPr lang="en-US" dirty="0"/>
+          </a:p>
+        </p:txBody>
+      </p:sp>
+      <p:sp>
+        <p:nvSpPr>
+          <p:cNvPr id="3" name="Content Placeholder 2"/>
+          <p:cNvSpPr>
+            <a:spLocks noGrp="1"/>
+          </p:cNvSpPr>
+          <p:nvPr>
+            <p:ph idx="1"/>
+          </p:nvPr>
+        </p:nvSpPr>
+        <p:spPr/>
+        <p:txBody>
+          <a:bodyPr/>
+          <a:lstStyle/>
+          <a:p>
+            <a:r>
+              <a:rPr lang="en-US" dirty="0" smtClean="0"/>
+              <a:t>User name / Password</a:t>
+            </a:r>
+          </a:p>
+          <a:p>
+            <a:r>
+              <a:rPr lang="en-US" dirty="0" smtClean="0"/>
+              <a:t>Out of Band confirmation</a:t>
+            </a:r>
+          </a:p>
+          <a:p>
+            <a:pPr lvl="1"/>
+            <a:r>
+              <a:rPr lang="en-US" dirty="0" smtClean="0"/>
+              <a:t>Something </a:t>
+            </a:r>
+            <a:r>
+              <a:rPr lang="en-US" i="1" dirty="0" smtClean="0"/>
+              <a:t>only</a:t>
+            </a:r>
+            <a:r>
+              <a:rPr lang="en-US" dirty="0" smtClean="0"/>
+              <a:t> the user could know</a:t>
+            </a:r>
+          </a:p>
+          <a:p>
+            <a:r>
+              <a:rPr lang="en-US" dirty="0" smtClean="0"/>
+              <a:t>User clicks link/app reads SMS</a:t>
+            </a:r>
+            <a:r>
+              <a:rPr lang="is-IS" dirty="0" smtClean="0"/>
+              <a:t>…</a:t>
+            </a:r>
+          </a:p>
+          <a:p>
+            <a:pPr lvl="1"/>
+            <a:r>
+              <a:rPr lang="is-IS" dirty="0" smtClean="0"/>
+              <a:t>Privacy concerns aside</a:t>
+            </a:r>
+          </a:p>
+          <a:p>
+            <a:r>
+              <a:rPr lang="is-IS" dirty="0" smtClean="0"/>
+              <a:t>And... </a:t>
+            </a:r>
+            <a:r>
+              <a:rPr lang="en-US" dirty="0" smtClean="0"/>
+              <a:t>T</a:t>
+            </a:r>
+            <a:r>
+              <a:rPr lang="is-IS" dirty="0" smtClean="0"/>
+              <a:t>hen what?</a:t>
+            </a:r>
+          </a:p>
+          <a:p>
+            <a:r>
+              <a:rPr lang="is-IS" dirty="0" smtClean="0"/>
+              <a:t>Avoid:</a:t>
+            </a:r>
+          </a:p>
+          <a:p>
+            <a:pPr lvl="1"/>
+            <a:r>
+              <a:rPr lang="en-US" dirty="0" smtClean="0"/>
+              <a:t>A</a:t>
+            </a:r>
+            <a:r>
+              <a:rPr lang="is-IS" dirty="0" smtClean="0"/>
+              <a:t>nnoying user</a:t>
+            </a:r>
+          </a:p>
+          <a:p>
+            <a:pPr lvl="1"/>
+            <a:r>
+              <a:rPr lang="en-US" dirty="0" smtClean="0"/>
+              <a:t>O</a:t>
+            </a:r>
+            <a:r>
+              <a:rPr lang="is-IS" dirty="0" smtClean="0"/>
+              <a:t>verly verbose/difficult signup process</a:t>
+            </a:r>
+            <a:endParaRPr lang="en-US" dirty="0"/>
+          </a:p>
+        </p:txBody>
+      </p:sp>
+      <p:sp>
+        <p:nvSpPr>
+          <p:cNvPr id="4" name="Date Placeholder 3"/>
+          <p:cNvSpPr>
+            <a:spLocks noGrp="1"/>
+          </p:cNvSpPr>
+          <p:nvPr>
+            <p:ph type="dt" sz="half" idx="10"/>
+          </p:nvPr>
+        </p:nvSpPr>
+        <p:spPr/>
+        <p:txBody>
+          <a:bodyPr/>
+          <a:lstStyle/>
+          <a:p>
+            <a:r>
+              <a:rPr lang="en-US" smtClean="0"/>
+              <a:t>20-DEC-2016</a:t>
+            </a:r>
+            <a:endParaRPr lang="en-US" dirty="0"/>
+          </a:p>
+        </p:txBody>
+      </p:sp>
+      <p:sp>
+        <p:nvSpPr>
+          <p:cNvPr id="5" name="Footer Placeholder 4"/>
+          <p:cNvSpPr>
+            <a:spLocks noGrp="1"/>
+          </p:cNvSpPr>
+          <p:nvPr>
+            <p:ph type="ftr" sz="quarter" idx="11"/>
+          </p:nvPr>
+        </p:nvSpPr>
+        <p:spPr/>
+        <p:txBody>
+          <a:bodyPr/>
+          <a:lstStyle/>
+          <a:p>
+            <a:r>
+              <a:rPr lang="en-US" smtClean="0"/>
+              <a:t>©2016 nVisium</a:t>
+            </a:r>
+            <a:endParaRPr lang="en-US" dirty="0"/>
+          </a:p>
+        </p:txBody>
+      </p:sp>
+      <p:sp>
+        <p:nvSpPr>
+          <p:cNvPr id="6" name="Slide Number Placeholder 5"/>
+          <p:cNvSpPr>
+            <a:spLocks noGrp="1"/>
+          </p:cNvSpPr>
+          <p:nvPr>
+            <p:ph type="sldNum" sz="quarter" idx="12"/>
+          </p:nvPr>
+        </p:nvSpPr>
+        <p:spPr/>
+        <p:txBody>
+          <a:bodyPr/>
+          <a:lstStyle/>
+          <a:p>
+            <a:fld id="{52EE06B1-A74F-7141-A24F-57941FF3B645}" type="slidenum">
+              <a:rPr lang="en-US" smtClean="0"/>
+              <a:t>72</a:t>
+            </a:fld>
+            <a:endParaRPr lang="en-US"/>
+          </a:p>
+        </p:txBody>
+      </p:sp>
+    </p:spTree>
+    <p:extLst>
+      <p:ext uri="{BB962C8B-B14F-4D97-AF65-F5344CB8AC3E}">
+        <p14:creationId xmlns:p14="http://schemas.microsoft.com/office/powerpoint/2010/main" val="232524474"/>
+      </p:ext>
+    </p:extLst>
+  </p:cSld>
+  <p:clrMapOvr>
+    <a:masterClrMapping/>
+  </p:clrMapOvr>
+  <p:timing>
+    <p:tnLst>
+      <p:par>
+        <p:cTn id="1" dur="indefinite" restart="never" nodeType="tmRoot"/>
+      </p:par>
+    </p:tnLst>
+  </p:timing>
+</p:sld>
+</file>
+
+<file path=ppt/slides/slide73.xml><?xml version="1.0" encoding="utf-8"?>
+<p:sld xmlns:a="http://schemas.openxmlformats.org/drawingml/2006/main" xmlns:r="http://schemas.openxmlformats.org/officeDocument/2006/relationships" xmlns:p="http://schemas.openxmlformats.org/presentationml/2006/main">
+  <p:cSld>
+    <p:spTree>
+      <p:nvGrpSpPr>
+        <p:cNvPr id="1" name=""/>
+        <p:cNvGrpSpPr/>
+        <p:nvPr/>
+      </p:nvGrpSpPr>
+      <p:grpSpPr>
+        <a:xfrm>
+          <a:off x="0" y="0"/>
+          <a:ext cx="0" cy="0"/>
+          <a:chOff x="0" y="0"/>
+          <a:chExt cx="0" cy="0"/>
+        </a:xfrm>
+      </p:grpSpPr>
+      <p:sp>
+        <p:nvSpPr>
+          <p:cNvPr id="2" name="Title 1"/>
+          <p:cNvSpPr>
+            <a:spLocks noGrp="1"/>
+          </p:cNvSpPr>
+          <p:nvPr>
+            <p:ph type="title"/>
+          </p:nvPr>
+        </p:nvSpPr>
+        <p:spPr/>
+        <p:txBody>
+          <a:bodyPr/>
+          <a:lstStyle/>
+          <a:p>
+            <a:r>
+              <a:rPr lang="en-US" dirty="0" smtClean="0"/>
+              <a:t>Cookies</a:t>
+            </a:r>
+            <a:endParaRPr lang="en-US" dirty="0"/>
+          </a:p>
+        </p:txBody>
+      </p:sp>
+      <p:sp>
+        <p:nvSpPr>
+          <p:cNvPr id="3" name="Content Placeholder 2"/>
+          <p:cNvSpPr>
+            <a:spLocks noGrp="1"/>
+          </p:cNvSpPr>
+          <p:nvPr>
+            <p:ph idx="1"/>
+          </p:nvPr>
+        </p:nvSpPr>
+        <p:spPr/>
+        <p:txBody>
+          <a:bodyPr/>
+          <a:lstStyle/>
+          <a:p>
+            <a:r>
+              <a:rPr lang="en-US" dirty="0" smtClean="0"/>
+              <a:t>Sign in once and</a:t>
+            </a:r>
+            <a:r>
+              <a:rPr lang="is-IS" dirty="0" smtClean="0"/>
+              <a:t>…</a:t>
+            </a:r>
+            <a:endParaRPr lang="en-US" dirty="0" smtClean="0"/>
+          </a:p>
+          <a:p>
+            <a:r>
+              <a:rPr lang="en-US" dirty="0" smtClean="0"/>
+              <a:t>Use overly long cookies</a:t>
+            </a:r>
+            <a:r>
+              <a:rPr lang="is-IS" dirty="0"/>
+              <a:t>?</a:t>
+            </a:r>
+            <a:endParaRPr lang="is-IS" dirty="0" smtClean="0"/>
+          </a:p>
+          <a:p>
+            <a:r>
+              <a:rPr lang="en-US" i="1" dirty="0" smtClean="0"/>
+              <a:t>K</a:t>
+            </a:r>
+            <a:r>
+              <a:rPr lang="is-IS" i="1" dirty="0" smtClean="0"/>
+              <a:t>inda</a:t>
+            </a:r>
+            <a:r>
+              <a:rPr lang="is-IS" dirty="0" smtClean="0"/>
+              <a:t> like the above demo wherein we extracted cookies?</a:t>
+            </a:r>
+            <a:endParaRPr lang="en-US" i="1" dirty="0"/>
+          </a:p>
+        </p:txBody>
+      </p:sp>
+      <p:sp>
+        <p:nvSpPr>
+          <p:cNvPr id="4" name="Date Placeholder 3"/>
+          <p:cNvSpPr>
+            <a:spLocks noGrp="1"/>
+          </p:cNvSpPr>
+          <p:nvPr>
+            <p:ph type="dt" sz="half" idx="10"/>
+          </p:nvPr>
+        </p:nvSpPr>
+        <p:spPr/>
+        <p:txBody>
+          <a:bodyPr/>
+          <a:lstStyle/>
+          <a:p>
+            <a:r>
+              <a:rPr lang="en-US" smtClean="0"/>
+              <a:t>20-DEC-2016</a:t>
+            </a:r>
+            <a:endParaRPr lang="en-US" dirty="0"/>
+          </a:p>
+        </p:txBody>
+      </p:sp>
+      <p:sp>
+        <p:nvSpPr>
+          <p:cNvPr id="5" name="Footer Placeholder 4"/>
+          <p:cNvSpPr>
+            <a:spLocks noGrp="1"/>
+          </p:cNvSpPr>
+          <p:nvPr>
+            <p:ph type="ftr" sz="quarter" idx="11"/>
+          </p:nvPr>
+        </p:nvSpPr>
+        <p:spPr/>
+        <p:txBody>
+          <a:bodyPr/>
+          <a:lstStyle/>
+          <a:p>
+            <a:r>
+              <a:rPr lang="en-US" smtClean="0"/>
+              <a:t>©2016 nVisium</a:t>
+            </a:r>
+            <a:endParaRPr lang="en-US" dirty="0"/>
+          </a:p>
+        </p:txBody>
+      </p:sp>
+      <p:sp>
+        <p:nvSpPr>
+          <p:cNvPr id="6" name="Slide Number Placeholder 5"/>
+          <p:cNvSpPr>
+            <a:spLocks noGrp="1"/>
+          </p:cNvSpPr>
+          <p:nvPr>
+            <p:ph type="sldNum" sz="quarter" idx="12"/>
+          </p:nvPr>
+        </p:nvSpPr>
+        <p:spPr/>
+        <p:txBody>
+          <a:bodyPr/>
+          <a:lstStyle/>
+          <a:p>
+            <a:fld id="{52EE06B1-A74F-7141-A24F-57941FF3B645}" type="slidenum">
+              <a:rPr lang="en-US" smtClean="0"/>
+              <a:t>73</a:t>
+            </a:fld>
+            <a:endParaRPr lang="en-US"/>
+          </a:p>
+        </p:txBody>
+      </p:sp>
+    </p:spTree>
+    <p:extLst>
+      <p:ext uri="{BB962C8B-B14F-4D97-AF65-F5344CB8AC3E}">
+        <p14:creationId xmlns:p14="http://schemas.microsoft.com/office/powerpoint/2010/main" val="513275030"/>
+      </p:ext>
+    </p:extLst>
+  </p:cSld>
+  <p:clrMapOvr>
+    <a:masterClrMapping/>
+  </p:clrMapOvr>
+  <p:timing>
+    <p:tnLst>
+      <p:par>
+        <p:cTn id="1" dur="indefinite" restart="never" nodeType="tmRoot"/>
+      </p:par>
+    </p:tnLst>
+  </p:timing>
+</p:sld>
+</file>
+
+<file path=ppt/slides/slide74.xml><?xml version="1.0" encoding="utf-8"?>
+<p:sld xmlns:a="http://schemas.openxmlformats.org/drawingml/2006/main" xmlns:r="http://schemas.openxmlformats.org/officeDocument/2006/relationships" xmlns:p="http://schemas.openxmlformats.org/presentationml/2006/main">
+  <p:cSld>
+    <p:spTree>
+      <p:nvGrpSpPr>
+        <p:cNvPr id="1" name=""/>
+        <p:cNvGrpSpPr/>
+        <p:nvPr/>
+      </p:nvGrpSpPr>
+      <p:grpSpPr>
+        <a:xfrm>
+          <a:off x="0" y="0"/>
+          <a:ext cx="0" cy="0"/>
+          <a:chOff x="0" y="0"/>
+          <a:chExt cx="0" cy="0"/>
+        </a:xfrm>
+      </p:grpSpPr>
+      <p:sp>
+        <p:nvSpPr>
+          <p:cNvPr id="2" name="Title 1"/>
+          <p:cNvSpPr>
+            <a:spLocks noGrp="1"/>
+          </p:cNvSpPr>
+          <p:nvPr>
+            <p:ph type="title"/>
+          </p:nvPr>
+        </p:nvSpPr>
+        <p:spPr/>
+        <p:txBody>
+          <a:bodyPr/>
+          <a:lstStyle/>
+          <a:p>
+            <a:r>
+              <a:rPr lang="en-US" dirty="0" err="1" smtClean="0"/>
+              <a:t>TouchID</a:t>
+            </a:r>
+            <a:endParaRPr lang="en-US" dirty="0"/>
+          </a:p>
+        </p:txBody>
+      </p:sp>
+      <p:sp>
+        <p:nvSpPr>
+          <p:cNvPr id="3" name="Content Placeholder 2"/>
+          <p:cNvSpPr>
+            <a:spLocks noGrp="1"/>
+          </p:cNvSpPr>
+          <p:nvPr>
+            <p:ph idx="1"/>
+          </p:nvPr>
+        </p:nvSpPr>
+        <p:spPr/>
+        <p:txBody>
+          <a:bodyPr/>
+          <a:lstStyle/>
+          <a:p>
+            <a:r>
+              <a:rPr lang="en-US" dirty="0" smtClean="0"/>
+              <a:t>We can use </a:t>
+            </a:r>
+            <a:r>
+              <a:rPr lang="en-US" dirty="0" err="1" smtClean="0"/>
+              <a:t>TouchID</a:t>
+            </a:r>
+            <a:endParaRPr lang="en-US" dirty="0" smtClean="0"/>
+          </a:p>
+          <a:p>
+            <a:pPr lvl="1"/>
+            <a:r>
+              <a:rPr lang="en-US" dirty="0" smtClean="0"/>
+              <a:t>Unlocks phone</a:t>
+            </a:r>
+          </a:p>
+          <a:p>
+            <a:pPr lvl="1"/>
+            <a:r>
+              <a:rPr lang="en-US" dirty="0" smtClean="0"/>
+              <a:t>Unlocks the keychain</a:t>
+            </a:r>
+          </a:p>
+          <a:p>
+            <a:r>
+              <a:rPr lang="is-IS" dirty="0" smtClean="0"/>
+              <a:t>And we know that’s the user who signed in because...</a:t>
+            </a:r>
+          </a:p>
+          <a:p>
+            <a:pPr lvl="1"/>
+            <a:r>
+              <a:rPr lang="en-US" dirty="0" smtClean="0"/>
+              <a:t>A</a:t>
+            </a:r>
+            <a:r>
+              <a:rPr lang="is-IS" dirty="0" smtClean="0"/>
+              <a:t>ctually we don’t.</a:t>
+            </a:r>
+            <a:endParaRPr lang="en-US" dirty="0"/>
+          </a:p>
+        </p:txBody>
+      </p:sp>
+      <p:sp>
+        <p:nvSpPr>
+          <p:cNvPr id="4" name="Date Placeholder 3"/>
+          <p:cNvSpPr>
+            <a:spLocks noGrp="1"/>
+          </p:cNvSpPr>
+          <p:nvPr>
+            <p:ph type="dt" sz="half" idx="10"/>
+          </p:nvPr>
+        </p:nvSpPr>
+        <p:spPr/>
+        <p:txBody>
+          <a:bodyPr/>
+          <a:lstStyle/>
+          <a:p>
+            <a:r>
+              <a:rPr lang="en-US" smtClean="0"/>
+              <a:t>20-DEC-2016</a:t>
+            </a:r>
+            <a:endParaRPr lang="en-US" dirty="0"/>
+          </a:p>
+        </p:txBody>
+      </p:sp>
+      <p:sp>
+        <p:nvSpPr>
+          <p:cNvPr id="5" name="Footer Placeholder 4"/>
+          <p:cNvSpPr>
+            <a:spLocks noGrp="1"/>
+          </p:cNvSpPr>
+          <p:nvPr>
+            <p:ph type="ftr" sz="quarter" idx="11"/>
+          </p:nvPr>
+        </p:nvSpPr>
+        <p:spPr/>
+        <p:txBody>
+          <a:bodyPr/>
+          <a:lstStyle/>
+          <a:p>
+            <a:r>
+              <a:rPr lang="en-US" smtClean="0"/>
+              <a:t>©2016 nVisium</a:t>
+            </a:r>
+            <a:endParaRPr lang="en-US" dirty="0"/>
+          </a:p>
+        </p:txBody>
+      </p:sp>
+      <p:sp>
+        <p:nvSpPr>
+          <p:cNvPr id="6" name="Slide Number Placeholder 5"/>
+          <p:cNvSpPr>
+            <a:spLocks noGrp="1"/>
+          </p:cNvSpPr>
+          <p:nvPr>
+            <p:ph type="sldNum" sz="quarter" idx="12"/>
+          </p:nvPr>
+        </p:nvSpPr>
+        <p:spPr/>
+        <p:txBody>
+          <a:bodyPr/>
+          <a:lstStyle/>
+          <a:p>
+            <a:fld id="{52EE06B1-A74F-7141-A24F-57941FF3B645}" type="slidenum">
+              <a:rPr lang="en-US" smtClean="0"/>
+              <a:t>74</a:t>
+            </a:fld>
+            <a:endParaRPr lang="en-US"/>
+          </a:p>
+        </p:txBody>
+      </p:sp>
+    </p:spTree>
+    <p:extLst>
+      <p:ext uri="{BB962C8B-B14F-4D97-AF65-F5344CB8AC3E}">
+        <p14:creationId xmlns:p14="http://schemas.microsoft.com/office/powerpoint/2010/main" val="1084931569"/>
+      </p:ext>
+    </p:extLst>
+  </p:cSld>
+  <p:clrMapOvr>
+    <a:masterClrMapping/>
+  </p:clrMapOvr>
+  <p:timing>
+    <p:tnLst>
+      <p:par>
+        <p:cTn id="1" dur="indefinite" restart="never" nodeType="tmRoot"/>
+      </p:par>
+    </p:tnLst>
+  </p:timing>
+</p:sld>
+</file>
+
+<file path=ppt/slides/slide75.xml><?xml version="1.0" encoding="utf-8"?>
+<p:sld xmlns:a="http://schemas.openxmlformats.org/drawingml/2006/main" xmlns:r="http://schemas.openxmlformats.org/officeDocument/2006/relationships" xmlns:p="http://schemas.openxmlformats.org/presentationml/2006/main">
+  <p:cSld>
+    <p:spTree>
+      <p:nvGrpSpPr>
+        <p:cNvPr id="1" name=""/>
+        <p:cNvGrpSpPr/>
+        <p:nvPr/>
+      </p:nvGrpSpPr>
+      <p:grpSpPr>
+        <a:xfrm>
+          <a:off x="0" y="0"/>
+          <a:ext cx="0" cy="0"/>
+          <a:chOff x="0" y="0"/>
+          <a:chExt cx="0" cy="0"/>
+        </a:xfrm>
+      </p:grpSpPr>
+      <p:sp>
+        <p:nvSpPr>
+          <p:cNvPr id="2" name="Title 1"/>
+          <p:cNvSpPr>
+            <a:spLocks noGrp="1"/>
+          </p:cNvSpPr>
+          <p:nvPr>
+            <p:ph type="title"/>
+          </p:nvPr>
+        </p:nvSpPr>
+        <p:spPr/>
+        <p:txBody>
+          <a:bodyPr/>
+          <a:lstStyle/>
+          <a:p>
+            <a:r>
+              <a:rPr lang="en-US" dirty="0" smtClean="0"/>
+              <a:t>Possible Fixes</a:t>
+            </a:r>
+            <a:endParaRPr lang="en-US" dirty="0"/>
+          </a:p>
+        </p:txBody>
+      </p:sp>
+      <p:sp>
+        <p:nvSpPr>
+          <p:cNvPr id="3" name="Content Placeholder 2"/>
+          <p:cNvSpPr>
+            <a:spLocks noGrp="1"/>
+          </p:cNvSpPr>
+          <p:nvPr>
+            <p:ph idx="1"/>
+          </p:nvPr>
+        </p:nvSpPr>
+        <p:spPr/>
+        <p:txBody>
+          <a:bodyPr/>
+          <a:lstStyle/>
+          <a:p>
+            <a:r>
+              <a:rPr lang="en-US" dirty="0" smtClean="0"/>
+              <a:t>A little less easy to fix</a:t>
+            </a:r>
+            <a:r>
+              <a:rPr lang="is-IS" dirty="0" smtClean="0"/>
+              <a:t>…</a:t>
+            </a:r>
+            <a:endParaRPr lang="en-US" dirty="0" smtClean="0"/>
+          </a:p>
+          <a:p>
+            <a:r>
+              <a:rPr lang="en-US" dirty="0" smtClean="0"/>
+              <a:t>Store a </a:t>
+            </a:r>
+            <a:r>
+              <a:rPr lang="en-US" i="1" dirty="0" smtClean="0"/>
+              <a:t>per device</a:t>
+            </a:r>
+            <a:r>
+              <a:rPr lang="en-US" dirty="0" smtClean="0"/>
+              <a:t> token</a:t>
+            </a:r>
+          </a:p>
+          <a:p>
+            <a:pPr lvl="1"/>
+            <a:r>
+              <a:rPr lang="en-US" dirty="0" smtClean="0"/>
+              <a:t>Something like a UUID, since the UDID is no longer around</a:t>
+            </a:r>
+          </a:p>
+          <a:p>
+            <a:r>
+              <a:rPr lang="en-US" dirty="0" smtClean="0"/>
+              <a:t>Use that as part of any requests to the server</a:t>
+            </a:r>
+          </a:p>
+          <a:p>
+            <a:pPr lvl="1"/>
+            <a:r>
+              <a:rPr lang="en-US" dirty="0" smtClean="0"/>
+              <a:t>New device new token</a:t>
+            </a:r>
+          </a:p>
+          <a:p>
+            <a:r>
+              <a:rPr lang="en-US" dirty="0" smtClean="0"/>
+              <a:t>Keep application cookies short-lived</a:t>
+            </a:r>
+          </a:p>
+          <a:p>
+            <a:r>
+              <a:rPr lang="en-US" dirty="0" smtClean="0"/>
+              <a:t>Re-</a:t>
+            </a:r>
+            <a:r>
+              <a:rPr lang="en-US" dirty="0" err="1" smtClean="0"/>
+              <a:t>auth</a:t>
+            </a:r>
+            <a:r>
+              <a:rPr lang="en-US" dirty="0" smtClean="0"/>
+              <a:t> as needed to the sever </a:t>
+            </a:r>
+          </a:p>
+          <a:p>
+            <a:pPr lvl="1"/>
+            <a:r>
+              <a:rPr lang="en-US" dirty="0" smtClean="0"/>
+              <a:t>Always manually re-</a:t>
+            </a:r>
+            <a:r>
+              <a:rPr lang="en-US" dirty="0" err="1" smtClean="0"/>
+              <a:t>auth</a:t>
+            </a:r>
+            <a:r>
+              <a:rPr lang="en-US" dirty="0" smtClean="0"/>
+              <a:t> the user when sensitive operations needed </a:t>
+            </a:r>
+          </a:p>
+          <a:p>
+            <a:r>
+              <a:rPr lang="en-US" dirty="0" smtClean="0"/>
+              <a:t>OOB   </a:t>
+            </a:r>
+            <a:endParaRPr lang="en-US" dirty="0"/>
+          </a:p>
+        </p:txBody>
+      </p:sp>
+      <p:sp>
+        <p:nvSpPr>
+          <p:cNvPr id="4" name="Date Placeholder 3"/>
+          <p:cNvSpPr>
+            <a:spLocks noGrp="1"/>
+          </p:cNvSpPr>
+          <p:nvPr>
+            <p:ph type="dt" sz="half" idx="10"/>
+          </p:nvPr>
+        </p:nvSpPr>
+        <p:spPr/>
+        <p:txBody>
+          <a:bodyPr/>
+          <a:lstStyle/>
+          <a:p>
+            <a:r>
+              <a:rPr lang="en-US" smtClean="0"/>
+              <a:t>20-DEC-2016</a:t>
+            </a:r>
+            <a:endParaRPr lang="en-US" dirty="0"/>
+          </a:p>
+        </p:txBody>
+      </p:sp>
+      <p:sp>
+        <p:nvSpPr>
+          <p:cNvPr id="5" name="Footer Placeholder 4"/>
+          <p:cNvSpPr>
+            <a:spLocks noGrp="1"/>
+          </p:cNvSpPr>
+          <p:nvPr>
+            <p:ph type="ftr" sz="quarter" idx="11"/>
+          </p:nvPr>
+        </p:nvSpPr>
+        <p:spPr/>
+        <p:txBody>
+          <a:bodyPr/>
+          <a:lstStyle/>
+          <a:p>
+            <a:r>
+              <a:rPr lang="en-US" smtClean="0"/>
+              <a:t>©2016 nVisium</a:t>
+            </a:r>
+            <a:endParaRPr lang="en-US" dirty="0"/>
+          </a:p>
+        </p:txBody>
+      </p:sp>
+      <p:sp>
+        <p:nvSpPr>
+          <p:cNvPr id="6" name="Slide Number Placeholder 5"/>
+          <p:cNvSpPr>
+            <a:spLocks noGrp="1"/>
+          </p:cNvSpPr>
+          <p:nvPr>
+            <p:ph type="sldNum" sz="quarter" idx="12"/>
+          </p:nvPr>
+        </p:nvSpPr>
+        <p:spPr/>
+        <p:txBody>
+          <a:bodyPr/>
+          <a:lstStyle/>
+          <a:p>
+            <a:fld id="{52EE06B1-A74F-7141-A24F-57941FF3B645}" type="slidenum">
+              <a:rPr lang="en-US" smtClean="0"/>
+              <a:t>75</a:t>
+            </a:fld>
+            <a:endParaRPr lang="en-US"/>
+          </a:p>
+        </p:txBody>
+      </p:sp>
+    </p:spTree>
+    <p:extLst>
+      <p:ext uri="{BB962C8B-B14F-4D97-AF65-F5344CB8AC3E}">
+        <p14:creationId xmlns:p14="http://schemas.microsoft.com/office/powerpoint/2010/main" val="1861106937"/>
+      </p:ext>
+    </p:extLst>
+  </p:cSld>
+  <p:clrMapOvr>
+    <a:masterClrMapping/>
+  </p:clrMapOvr>
+  <p:timing>
+    <p:tnLst>
+      <p:par>
+        <p:cTn id="1" dur="indefinite" restart="never" nodeType="tmRoot"/>
+      </p:par>
+    </p:tnLst>
+  </p:timing>
+</p:sld>
+</file>
+
+<file path=ppt/slides/slide76.xml><?xml version="1.0" encoding="utf-8"?>
+<p:sld xmlns:a="http://schemas.openxmlformats.org/drawingml/2006/main" xmlns:r="http://schemas.openxmlformats.org/officeDocument/2006/relationships" xmlns:p="http://schemas.openxmlformats.org/presentationml/2006/main">
+  <p:cSld>
+    <p:spTree>
+      <p:nvGrpSpPr>
+        <p:cNvPr id="1" name=""/>
+        <p:cNvGrpSpPr/>
+        <p:nvPr/>
+      </p:nvGrpSpPr>
+      <p:grpSpPr>
+        <a:xfrm>
+          <a:off x="0" y="0"/>
+          <a:ext cx="0" cy="0"/>
+          <a:chOff x="0" y="0"/>
+          <a:chExt cx="0" cy="0"/>
+        </a:xfrm>
+      </p:grpSpPr>
+      <p:sp>
+        <p:nvSpPr>
+          <p:cNvPr id="2" name="Title 1"/>
+          <p:cNvSpPr>
+            <a:spLocks noGrp="1"/>
+          </p:cNvSpPr>
+          <p:nvPr>
+            <p:ph type="ctrTitle"/>
+          </p:nvPr>
+        </p:nvSpPr>
+        <p:spPr/>
+        <p:txBody>
+          <a:bodyPr/>
+          <a:lstStyle/>
+          <a:p>
+            <a:r>
+              <a:rPr lang="en-US" dirty="0" smtClean="0"/>
+              <a:t>Entropy Sources</a:t>
+            </a:r>
+            <a:endParaRPr lang="en-US" dirty="0"/>
+          </a:p>
+        </p:txBody>
+      </p:sp>
+      <p:sp>
+        <p:nvSpPr>
+          <p:cNvPr id="3" name="Subtitle 2"/>
+          <p:cNvSpPr>
+            <a:spLocks noGrp="1"/>
+          </p:cNvSpPr>
+          <p:nvPr>
+            <p:ph type="subTitle" idx="1"/>
+          </p:nvPr>
+        </p:nvSpPr>
+        <p:spPr/>
+        <p:txBody>
+          <a:bodyPr/>
+          <a:lstStyle/>
+          <a:p>
+            <a:r>
+              <a:rPr lang="en-US" i="1" dirty="0" smtClean="0"/>
+              <a:t>Let us not conjecture at random about the most important things</a:t>
+            </a:r>
+          </a:p>
+          <a:p>
+            <a:r>
+              <a:rPr lang="en-US" dirty="0" smtClean="0"/>
+              <a:t>Diogenes Laertius, </a:t>
+            </a:r>
+            <a:r>
+              <a:rPr lang="en-US" i="1" dirty="0" smtClean="0"/>
+              <a:t>Lives of the Philosophers</a:t>
+            </a:r>
+            <a:endParaRPr lang="en-US" dirty="0"/>
+          </a:p>
+        </p:txBody>
+      </p:sp>
+      <p:sp>
+        <p:nvSpPr>
+          <p:cNvPr id="4" name="Date Placeholder 3"/>
+          <p:cNvSpPr>
+            <a:spLocks noGrp="1"/>
+          </p:cNvSpPr>
+          <p:nvPr>
+            <p:ph type="dt" sz="half" idx="10"/>
+          </p:nvPr>
+        </p:nvSpPr>
+        <p:spPr/>
+        <p:txBody>
+          <a:bodyPr/>
+          <a:lstStyle/>
+          <a:p>
+            <a:r>
+              <a:rPr lang="en-US" smtClean="0"/>
+              <a:t>20-DEC-2016</a:t>
+            </a:r>
+            <a:endParaRPr lang="en-US" dirty="0"/>
+          </a:p>
+        </p:txBody>
+      </p:sp>
+      <p:sp>
+        <p:nvSpPr>
+          <p:cNvPr id="5" name="Footer Placeholder 4"/>
+          <p:cNvSpPr>
+            <a:spLocks noGrp="1"/>
+          </p:cNvSpPr>
+          <p:nvPr>
+            <p:ph type="ftr" sz="quarter" idx="11"/>
+          </p:nvPr>
+        </p:nvSpPr>
+        <p:spPr/>
+        <p:txBody>
+          <a:bodyPr/>
+          <a:lstStyle/>
+          <a:p>
+            <a:r>
+              <a:rPr lang="en-US" smtClean="0"/>
+              <a:t>©2016 nVisium</a:t>
+            </a:r>
+            <a:endParaRPr lang="en-US" dirty="0"/>
+          </a:p>
+        </p:txBody>
+      </p:sp>
+      <p:sp>
+        <p:nvSpPr>
+          <p:cNvPr id="6" name="Slide Number Placeholder 5"/>
+          <p:cNvSpPr>
+            <a:spLocks noGrp="1"/>
+          </p:cNvSpPr>
+          <p:nvPr>
+            <p:ph type="sldNum" sz="quarter" idx="12"/>
+          </p:nvPr>
+        </p:nvSpPr>
+        <p:spPr/>
+        <p:txBody>
+          <a:bodyPr/>
+          <a:lstStyle/>
+          <a:p>
+            <a:fld id="{52EE06B1-A74F-7141-A24F-57941FF3B645}" type="slidenum">
+              <a:rPr lang="en-US" smtClean="0"/>
+              <a:t>76</a:t>
+            </a:fld>
+            <a:endParaRPr lang="en-US"/>
+          </a:p>
+        </p:txBody>
+      </p:sp>
+    </p:spTree>
+    <p:extLst>
+      <p:ext uri="{BB962C8B-B14F-4D97-AF65-F5344CB8AC3E}">
+        <p14:creationId xmlns:p14="http://schemas.microsoft.com/office/powerpoint/2010/main" val="2070448506"/>
+      </p:ext>
+    </p:extLst>
+  </p:cSld>
+  <p:clrMapOvr>
+    <a:masterClrMapping/>
+  </p:clrMapOvr>
+</p:sld>
+</file>
+
+<file path=ppt/slides/slide77.xml><?xml version="1.0" encoding="utf-8"?>
+<p:sld xmlns:a="http://schemas.openxmlformats.org/drawingml/2006/main" xmlns:r="http://schemas.openxmlformats.org/officeDocument/2006/relationships" xmlns:p="http://schemas.openxmlformats.org/presentationml/2006/main">
+  <p:cSld>
+    <p:spTree>
+      <p:nvGrpSpPr>
+        <p:cNvPr id="1" name=""/>
+        <p:cNvGrpSpPr/>
+        <p:nvPr/>
+      </p:nvGrpSpPr>
+      <p:grpSpPr>
+        <a:xfrm>
+          <a:off x="0" y="0"/>
+          <a:ext cx="0" cy="0"/>
+          <a:chOff x="0" y="0"/>
+          <a:chExt cx="0" cy="0"/>
+        </a:xfrm>
+      </p:grpSpPr>
+      <p:sp>
+        <p:nvSpPr>
+          <p:cNvPr id="2" name="Title 1"/>
+          <p:cNvSpPr>
+            <a:spLocks noGrp="1"/>
+          </p:cNvSpPr>
+          <p:nvPr>
+            <p:ph type="title"/>
+          </p:nvPr>
+        </p:nvSpPr>
+        <p:spPr/>
+        <p:txBody>
+          <a:bodyPr/>
+          <a:lstStyle/>
+          <a:p>
+            <a:r>
+              <a:rPr lang="en-US" dirty="0" smtClean="0"/>
+              <a:t>This seems silly but</a:t>
+            </a:r>
+            <a:r>
+              <a:rPr lang="is-IS" dirty="0" smtClean="0"/>
+              <a:t>…</a:t>
+            </a:r>
+            <a:endParaRPr lang="en-US" dirty="0"/>
+          </a:p>
+        </p:txBody>
+      </p:sp>
+      <p:sp>
+        <p:nvSpPr>
+          <p:cNvPr id="3" name="Content Placeholder 2"/>
+          <p:cNvSpPr>
+            <a:spLocks noGrp="1"/>
+          </p:cNvSpPr>
+          <p:nvPr>
+            <p:ph idx="1"/>
+          </p:nvPr>
+        </p:nvSpPr>
+        <p:spPr/>
+        <p:txBody>
+          <a:bodyPr/>
+          <a:lstStyle/>
+          <a:p>
+            <a:r>
+              <a:rPr lang="en-US" dirty="0" smtClean="0"/>
+              <a:t>Not all random things are equal</a:t>
+            </a:r>
+          </a:p>
+          <a:p>
+            <a:r>
+              <a:rPr lang="en-US" dirty="0" smtClean="0"/>
+              <a:t>Here is a Pseudo-Random Number Generator</a:t>
+            </a:r>
+            <a:r>
+              <a:rPr lang="en-US" dirty="0">
+                <a:sym typeface="Wingdings"/>
+              </a:rPr>
+              <a:t> </a:t>
+            </a:r>
+            <a:r>
+              <a:rPr lang="en-US" dirty="0" smtClean="0">
+                <a:sym typeface="Wingdings"/>
+              </a:rPr>
+              <a:t>(PRNG): </a:t>
+            </a:r>
+            <a:endParaRPr lang="en-US" dirty="0" smtClean="0"/>
+          </a:p>
+          <a:p>
+            <a:pPr marL="0" indent="0">
+              <a:buNone/>
+            </a:pPr>
+            <a:r>
+              <a:rPr lang="en-US" sz="2400" dirty="0" smtClean="0">
+                <a:latin typeface="Andale Mono" charset="0"/>
+                <a:ea typeface="Andale Mono" charset="0"/>
+                <a:cs typeface="Andale Mono" charset="0"/>
+              </a:rPr>
+              <a:t>uint64_t</a:t>
+            </a:r>
+            <a:endParaRPr lang="en-US" sz="2400" dirty="0">
+              <a:latin typeface="Andale Mono" charset="0"/>
+              <a:ea typeface="Andale Mono" charset="0"/>
+              <a:cs typeface="Andale Mono" charset="0"/>
+            </a:endParaRPr>
+          </a:p>
+          <a:p>
+            <a:pPr marL="0" indent="0">
+              <a:buNone/>
+            </a:pPr>
+            <a:r>
+              <a:rPr lang="en-US" sz="2400" dirty="0" err="1">
+                <a:latin typeface="Andale Mono" charset="0"/>
+                <a:ea typeface="Andale Mono" charset="0"/>
+                <a:cs typeface="Andale Mono" charset="0"/>
+              </a:rPr>
+              <a:t>lcg</a:t>
+            </a:r>
+            <a:r>
+              <a:rPr lang="en-US" sz="2400" dirty="0">
+                <a:latin typeface="Andale Mono" charset="0"/>
+                <a:ea typeface="Andale Mono" charset="0"/>
+                <a:cs typeface="Andale Mono" charset="0"/>
+              </a:rPr>
+              <a:t>(uint64_t mod, uint64_t a, uint64_t c, uint64_t seed) {</a:t>
+            </a:r>
+          </a:p>
+          <a:p>
+            <a:pPr marL="0" indent="0">
+              <a:buNone/>
+            </a:pPr>
+            <a:r>
+              <a:rPr lang="en-US" sz="2400" dirty="0">
+                <a:latin typeface="Andale Mono" charset="0"/>
+                <a:ea typeface="Andale Mono" charset="0"/>
+                <a:cs typeface="Andale Mono" charset="0"/>
+              </a:rPr>
+              <a:t>    return ((a * seed) + c) % mod;</a:t>
+            </a:r>
+          </a:p>
+          <a:p>
+            <a:pPr marL="0" indent="0">
+              <a:buNone/>
+            </a:pPr>
+            <a:r>
+              <a:rPr lang="en-US" sz="2400" dirty="0">
+                <a:latin typeface="Andale Mono" charset="0"/>
+                <a:ea typeface="Andale Mono" charset="0"/>
+                <a:cs typeface="Andale Mono" charset="0"/>
+              </a:rPr>
+              <a:t>}</a:t>
+            </a:r>
+          </a:p>
+          <a:p>
+            <a:endParaRPr lang="en-US" dirty="0"/>
+          </a:p>
+        </p:txBody>
+      </p:sp>
+      <p:sp>
+        <p:nvSpPr>
+          <p:cNvPr id="4" name="Date Placeholder 3"/>
+          <p:cNvSpPr>
+            <a:spLocks noGrp="1"/>
+          </p:cNvSpPr>
+          <p:nvPr>
+            <p:ph type="dt" sz="half" idx="10"/>
+          </p:nvPr>
+        </p:nvSpPr>
+        <p:spPr/>
+        <p:txBody>
+          <a:bodyPr/>
+          <a:lstStyle/>
+          <a:p>
+            <a:r>
+              <a:rPr lang="en-US" smtClean="0"/>
+              <a:t>20-DEC-2016</a:t>
+            </a:r>
+            <a:endParaRPr lang="en-US" dirty="0"/>
+          </a:p>
+        </p:txBody>
+      </p:sp>
+      <p:sp>
+        <p:nvSpPr>
+          <p:cNvPr id="5" name="Footer Placeholder 4"/>
+          <p:cNvSpPr>
+            <a:spLocks noGrp="1"/>
+          </p:cNvSpPr>
+          <p:nvPr>
+            <p:ph type="ftr" sz="quarter" idx="11"/>
+          </p:nvPr>
+        </p:nvSpPr>
+        <p:spPr/>
+        <p:txBody>
+          <a:bodyPr/>
+          <a:lstStyle/>
+          <a:p>
+            <a:r>
+              <a:rPr lang="en-US" smtClean="0"/>
+              <a:t>©2016 nVisium</a:t>
+            </a:r>
+            <a:endParaRPr lang="en-US" dirty="0"/>
+          </a:p>
+        </p:txBody>
+      </p:sp>
+      <p:sp>
+        <p:nvSpPr>
+          <p:cNvPr id="6" name="Slide Number Placeholder 5"/>
+          <p:cNvSpPr>
+            <a:spLocks noGrp="1"/>
+          </p:cNvSpPr>
+          <p:nvPr>
+            <p:ph type="sldNum" sz="quarter" idx="12"/>
+          </p:nvPr>
+        </p:nvSpPr>
+        <p:spPr/>
+        <p:txBody>
+          <a:bodyPr/>
+          <a:lstStyle/>
+          <a:p>
+            <a:fld id="{52EE06B1-A74F-7141-A24F-57941FF3B645}" type="slidenum">
+              <a:rPr lang="en-US" smtClean="0"/>
+              <a:t>77</a:t>
+            </a:fld>
+            <a:endParaRPr lang="en-US"/>
+          </a:p>
+        </p:txBody>
+      </p:sp>
+    </p:spTree>
+    <p:extLst>
+      <p:ext uri="{BB962C8B-B14F-4D97-AF65-F5344CB8AC3E}">
+        <p14:creationId xmlns:p14="http://schemas.microsoft.com/office/powerpoint/2010/main" val="1867560220"/>
+      </p:ext>
+    </p:extLst>
+  </p:cSld>
+  <p:clrMapOvr>
+    <a:masterClrMapping/>
+  </p:clrMapOvr>
+</p:sld>
+</file>
+
+<file path=ppt/slides/slide78.xml><?xml version="1.0" encoding="utf-8"?>
+<p:sld xmlns:a="http://schemas.openxmlformats.org/drawingml/2006/main" xmlns:r="http://schemas.openxmlformats.org/officeDocument/2006/relationships" xmlns:p="http://schemas.openxmlformats.org/presentationml/2006/main">
+  <p:cSld>
+    <p:spTree>
+      <p:nvGrpSpPr>
+        <p:cNvPr id="1" name=""/>
+        <p:cNvGrpSpPr/>
+        <p:nvPr/>
+      </p:nvGrpSpPr>
+      <p:grpSpPr>
+        <a:xfrm>
+          <a:off x="0" y="0"/>
+          <a:ext cx="0" cy="0"/>
+          <a:chOff x="0" y="0"/>
+          <a:chExt cx="0" cy="0"/>
+        </a:xfrm>
+      </p:grpSpPr>
+      <p:sp>
+        <p:nvSpPr>
+          <p:cNvPr id="2" name="Title 1"/>
+          <p:cNvSpPr>
+            <a:spLocks noGrp="1"/>
+          </p:cNvSpPr>
+          <p:nvPr>
+            <p:ph type="title"/>
+          </p:nvPr>
+        </p:nvSpPr>
+        <p:spPr/>
+        <p:txBody>
+          <a:bodyPr/>
+          <a:lstStyle/>
+          <a:p>
+            <a:r>
+              <a:rPr lang="en-US" dirty="0" smtClean="0"/>
+              <a:t>Linear Congruence</a:t>
+            </a:r>
+            <a:endParaRPr lang="en-US" dirty="0"/>
+          </a:p>
+        </p:txBody>
+      </p:sp>
+      <p:sp>
+        <p:nvSpPr>
+          <p:cNvPr id="3" name="Content Placeholder 2"/>
+          <p:cNvSpPr>
+            <a:spLocks noGrp="1"/>
+          </p:cNvSpPr>
+          <p:nvPr>
+            <p:ph idx="1"/>
+          </p:nvPr>
+        </p:nvSpPr>
+        <p:spPr/>
+        <p:txBody>
+          <a:bodyPr>
+            <a:normAutofit lnSpcReduction="10000"/>
+          </a:bodyPr>
+          <a:lstStyle/>
+          <a:p>
+            <a:r>
+              <a:rPr lang="en-US" dirty="0" smtClean="0"/>
+              <a:t>Creates lots of Random-looking data: </a:t>
+            </a:r>
+          </a:p>
+          <a:p>
+            <a:pPr lvl="1"/>
+            <a:r>
+              <a:rPr lang="is-IS" dirty="0"/>
+              <a:t>696741729</a:t>
+            </a:r>
+          </a:p>
+          <a:p>
+            <a:pPr lvl="1"/>
+            <a:r>
+              <a:rPr lang="is-IS" dirty="0"/>
+              <a:t>3061048176</a:t>
+            </a:r>
+          </a:p>
+          <a:p>
+            <a:pPr lvl="1"/>
+            <a:r>
+              <a:rPr lang="is-IS" dirty="0"/>
+              <a:t>1179345054</a:t>
+            </a:r>
+          </a:p>
+          <a:p>
+            <a:pPr lvl="1"/>
+            <a:r>
+              <a:rPr lang="is-IS" dirty="0"/>
+              <a:t>2307581784</a:t>
+            </a:r>
+          </a:p>
+          <a:p>
+            <a:pPr lvl="1"/>
+            <a:r>
+              <a:rPr lang="is-IS" dirty="0"/>
+              <a:t>2298185335</a:t>
+            </a:r>
+          </a:p>
+          <a:p>
+            <a:pPr lvl="1"/>
+            <a:r>
+              <a:rPr lang="is-IS" dirty="0"/>
+              <a:t>468838506</a:t>
+            </a:r>
+          </a:p>
+          <a:p>
+            <a:pPr lvl="1"/>
+            <a:r>
+              <a:rPr lang="is-IS" dirty="0"/>
+              <a:t>3374381503</a:t>
+            </a:r>
+          </a:p>
+          <a:p>
+            <a:pPr lvl="1"/>
+            <a:r>
+              <a:rPr lang="is-IS" dirty="0"/>
+              <a:t>2776561725</a:t>
+            </a:r>
+          </a:p>
+          <a:p>
+            <a:pPr lvl="1"/>
+            <a:r>
+              <a:rPr lang="is-IS" dirty="0"/>
+              <a:t>3036789030</a:t>
+            </a:r>
+          </a:p>
+          <a:p>
+            <a:pPr lvl="1"/>
+            <a:r>
+              <a:rPr lang="is-IS" dirty="0"/>
+              <a:t>3052269189</a:t>
+            </a:r>
+          </a:p>
+          <a:p>
+            <a:pPr lvl="1"/>
+            <a:endParaRPr lang="en-US" dirty="0" smtClean="0"/>
+          </a:p>
+        </p:txBody>
+      </p:sp>
+      <p:sp>
+        <p:nvSpPr>
+          <p:cNvPr id="4" name="Date Placeholder 3"/>
+          <p:cNvSpPr>
+            <a:spLocks noGrp="1"/>
+          </p:cNvSpPr>
+          <p:nvPr>
+            <p:ph type="dt" sz="half" idx="10"/>
+          </p:nvPr>
+        </p:nvSpPr>
+        <p:spPr/>
+        <p:txBody>
+          <a:bodyPr/>
+          <a:lstStyle/>
+          <a:p>
+            <a:r>
+              <a:rPr lang="en-US" smtClean="0"/>
+              <a:t>20-DEC-2016</a:t>
+            </a:r>
+            <a:endParaRPr lang="en-US" dirty="0"/>
+          </a:p>
+        </p:txBody>
+      </p:sp>
+      <p:sp>
+        <p:nvSpPr>
+          <p:cNvPr id="5" name="Footer Placeholder 4"/>
+          <p:cNvSpPr>
+            <a:spLocks noGrp="1"/>
+          </p:cNvSpPr>
+          <p:nvPr>
+            <p:ph type="ftr" sz="quarter" idx="11"/>
+          </p:nvPr>
+        </p:nvSpPr>
+        <p:spPr/>
+        <p:txBody>
+          <a:bodyPr/>
+          <a:lstStyle/>
+          <a:p>
+            <a:r>
+              <a:rPr lang="en-US" smtClean="0"/>
+              <a:t>©2016 nVisium</a:t>
+            </a:r>
+            <a:endParaRPr lang="en-US" dirty="0"/>
+          </a:p>
+        </p:txBody>
+      </p:sp>
+      <p:sp>
+        <p:nvSpPr>
+          <p:cNvPr id="6" name="Slide Number Placeholder 5"/>
+          <p:cNvSpPr>
+            <a:spLocks noGrp="1"/>
+          </p:cNvSpPr>
+          <p:nvPr>
+            <p:ph type="sldNum" sz="quarter" idx="12"/>
+          </p:nvPr>
+        </p:nvSpPr>
+        <p:spPr/>
+        <p:txBody>
+          <a:bodyPr/>
+          <a:lstStyle/>
+          <a:p>
+            <a:fld id="{52EE06B1-A74F-7141-A24F-57941FF3B645}" type="slidenum">
+              <a:rPr lang="en-US" smtClean="0"/>
+              <a:t>78</a:t>
+            </a:fld>
+            <a:endParaRPr lang="en-US"/>
+          </a:p>
+        </p:txBody>
+      </p:sp>
+    </p:spTree>
+    <p:extLst>
+      <p:ext uri="{BB962C8B-B14F-4D97-AF65-F5344CB8AC3E}">
+        <p14:creationId xmlns:p14="http://schemas.microsoft.com/office/powerpoint/2010/main" val="142261684"/>
+      </p:ext>
+    </p:extLst>
+  </p:cSld>
+  <p:clrMapOvr>
+    <a:masterClrMapping/>
+  </p:clrMapOvr>
+</p:sld>
+</file>
+
+<file path=ppt/slides/slide79.xml><?xml version="1.0" encoding="utf-8"?>
+<p:sld xmlns:a="http://schemas.openxmlformats.org/drawingml/2006/main" xmlns:r="http://schemas.openxmlformats.org/officeDocument/2006/relationships" xmlns:p="http://schemas.openxmlformats.org/presentationml/2006/main">
+  <p:cSld>
+    <p:spTree>
+      <p:nvGrpSpPr>
+        <p:cNvPr id="1" name=""/>
+        <p:cNvGrpSpPr/>
+        <p:nvPr/>
+      </p:nvGrpSpPr>
+      <p:grpSpPr>
+        <a:xfrm>
+          <a:off x="0" y="0"/>
+          <a:ext cx="0" cy="0"/>
+          <a:chOff x="0" y="0"/>
+          <a:chExt cx="0" cy="0"/>
+        </a:xfrm>
+      </p:grpSpPr>
+      <p:sp>
+        <p:nvSpPr>
+          <p:cNvPr id="2" name="Title 1"/>
+          <p:cNvSpPr>
+            <a:spLocks noGrp="1"/>
+          </p:cNvSpPr>
+          <p:nvPr>
+            <p:ph type="title"/>
+          </p:nvPr>
+        </p:nvSpPr>
+        <p:spPr/>
+        <p:txBody>
+          <a:bodyPr/>
+          <a:lstStyle/>
+          <a:p>
+            <a:r>
+              <a:rPr lang="en-US" dirty="0" smtClean="0"/>
+              <a:t>But, like encryption</a:t>
+            </a:r>
+            <a:r>
+              <a:rPr lang="is-IS" dirty="0" smtClean="0"/>
+              <a:t>…</a:t>
+            </a:r>
+            <a:endParaRPr lang="en-US" dirty="0"/>
+          </a:p>
+        </p:txBody>
+      </p:sp>
+      <p:sp>
+        <p:nvSpPr>
+          <p:cNvPr id="3" name="Content Placeholder 2"/>
+          <p:cNvSpPr>
+            <a:spLocks noGrp="1"/>
+          </p:cNvSpPr>
+          <p:nvPr>
+            <p:ph idx="1"/>
+          </p:nvPr>
+        </p:nvSpPr>
+        <p:spPr/>
+        <p:txBody>
+          <a:bodyPr/>
+          <a:lstStyle/>
+          <a:p>
+            <a:r>
+              <a:rPr lang="en-US" dirty="0" smtClean="0"/>
+              <a:t>It matters what you use and where</a:t>
+            </a:r>
+          </a:p>
+          <a:p>
+            <a:r>
+              <a:rPr lang="en-US" dirty="0" smtClean="0"/>
+              <a:t>Non-cryptographic PRNGs have small cycles (periods)</a:t>
+            </a:r>
+          </a:p>
+          <a:p>
+            <a:r>
+              <a:rPr lang="en-US" dirty="0" smtClean="0"/>
+              <a:t>Use PRNGs for non sensitive operations, like Cache busting</a:t>
+            </a:r>
+          </a:p>
+          <a:p>
+            <a:r>
+              <a:rPr lang="en-US" dirty="0" smtClean="0"/>
+              <a:t>Use </a:t>
+            </a:r>
+            <a:r>
+              <a:rPr lang="en-US" dirty="0" err="1" smtClean="0"/>
+              <a:t>csPRNGs</a:t>
+            </a:r>
+            <a:r>
+              <a:rPr lang="en-US" dirty="0" smtClean="0"/>
+              <a:t> for sensitive operations</a:t>
+            </a:r>
+          </a:p>
+          <a:p>
+            <a:pPr lvl="1"/>
+            <a:r>
+              <a:rPr lang="en-US" dirty="0" smtClean="0"/>
+              <a:t>Key generation</a:t>
+            </a:r>
+          </a:p>
+          <a:p>
+            <a:pPr lvl="1"/>
+            <a:r>
+              <a:rPr lang="en-US" dirty="0" smtClean="0"/>
+              <a:t>Unforgeable document references</a:t>
+            </a:r>
+          </a:p>
+          <a:p>
+            <a:pPr lvl="1"/>
+            <a:r>
+              <a:rPr lang="en-US" dirty="0" smtClean="0"/>
+              <a:t>&amp;c.</a:t>
+            </a:r>
+            <a:endParaRPr lang="en-US" dirty="0"/>
+          </a:p>
+        </p:txBody>
+      </p:sp>
+      <p:sp>
+        <p:nvSpPr>
+          <p:cNvPr id="4" name="Date Placeholder 3"/>
+          <p:cNvSpPr>
+            <a:spLocks noGrp="1"/>
+          </p:cNvSpPr>
+          <p:nvPr>
+            <p:ph type="dt" sz="half" idx="10"/>
+          </p:nvPr>
+        </p:nvSpPr>
+        <p:spPr/>
+        <p:txBody>
+          <a:bodyPr/>
+          <a:lstStyle/>
+          <a:p>
+            <a:r>
+              <a:rPr lang="en-US" smtClean="0"/>
+              <a:t>20-DEC-2016</a:t>
+            </a:r>
+            <a:endParaRPr lang="en-US" dirty="0"/>
+          </a:p>
+        </p:txBody>
+      </p:sp>
+      <p:sp>
+        <p:nvSpPr>
+          <p:cNvPr id="5" name="Footer Placeholder 4"/>
+          <p:cNvSpPr>
+            <a:spLocks noGrp="1"/>
+          </p:cNvSpPr>
+          <p:nvPr>
+            <p:ph type="ftr" sz="quarter" idx="11"/>
+          </p:nvPr>
+        </p:nvSpPr>
+        <p:spPr/>
+        <p:txBody>
+          <a:bodyPr/>
+          <a:lstStyle/>
+          <a:p>
+            <a:r>
+              <a:rPr lang="en-US" smtClean="0"/>
+              <a:t>©2016 nVisium</a:t>
+            </a:r>
+            <a:endParaRPr lang="en-US" dirty="0"/>
+          </a:p>
+        </p:txBody>
+      </p:sp>
+      <p:sp>
+        <p:nvSpPr>
+          <p:cNvPr id="6" name="Slide Number Placeholder 5"/>
+          <p:cNvSpPr>
+            <a:spLocks noGrp="1"/>
+          </p:cNvSpPr>
+          <p:nvPr>
+            <p:ph type="sldNum" sz="quarter" idx="12"/>
+          </p:nvPr>
+        </p:nvSpPr>
+        <p:spPr/>
+        <p:txBody>
+          <a:bodyPr/>
+          <a:lstStyle/>
+          <a:p>
+            <a:fld id="{52EE06B1-A74F-7141-A24F-57941FF3B645}" type="slidenum">
+              <a:rPr lang="en-US" smtClean="0"/>
+              <a:t>79</a:t>
+            </a:fld>
+            <a:endParaRPr lang="en-US"/>
+          </a:p>
+        </p:txBody>
+      </p:sp>
+    </p:spTree>
+    <p:extLst>
+      <p:ext uri="{BB962C8B-B14F-4D97-AF65-F5344CB8AC3E}">
+        <p14:creationId xmlns:p14="http://schemas.microsoft.com/office/powerpoint/2010/main" val="531437747"/>
       </p:ext>
     </p:extLst>
   </p:cSld>
@@ -14416,6 +20677,1310 @@
   <p:clrMapOvr>
     <a:masterClrMapping/>
   </p:clrMapOvr>
+  <p:timing>
+    <p:tnLst>
+      <p:par>
+        <p:cTn id="1" dur="indefinite" restart="never" nodeType="tmRoot"/>
+      </p:par>
+    </p:tnLst>
+  </p:timing>
+</p:sld>
+</file>
+
+<file path=ppt/slides/slide80.xml><?xml version="1.0" encoding="utf-8"?>
+<p:sld xmlns:a="http://schemas.openxmlformats.org/drawingml/2006/main" xmlns:r="http://schemas.openxmlformats.org/officeDocument/2006/relationships" xmlns:p="http://schemas.openxmlformats.org/presentationml/2006/main">
+  <p:cSld>
+    <p:spTree>
+      <p:nvGrpSpPr>
+        <p:cNvPr id="1" name=""/>
+        <p:cNvGrpSpPr/>
+        <p:nvPr/>
+      </p:nvGrpSpPr>
+      <p:grpSpPr>
+        <a:xfrm>
+          <a:off x="0" y="0"/>
+          <a:ext cx="0" cy="0"/>
+          <a:chOff x="0" y="0"/>
+          <a:chExt cx="0" cy="0"/>
+        </a:xfrm>
+      </p:grpSpPr>
+      <p:sp>
+        <p:nvSpPr>
+          <p:cNvPr id="2" name="Title 1"/>
+          <p:cNvSpPr>
+            <a:spLocks noGrp="1"/>
+          </p:cNvSpPr>
+          <p:nvPr>
+            <p:ph type="title"/>
+          </p:nvPr>
+        </p:nvSpPr>
+        <p:spPr/>
+        <p:txBody>
+          <a:bodyPr/>
+          <a:lstStyle/>
+          <a:p>
+            <a:r>
+              <a:rPr lang="en-US" dirty="0" smtClean="0"/>
+              <a:t>Think about this:</a:t>
+            </a:r>
+            <a:endParaRPr lang="en-US" dirty="0"/>
+          </a:p>
+        </p:txBody>
+      </p:sp>
+      <p:sp>
+        <p:nvSpPr>
+          <p:cNvPr id="3" name="Content Placeholder 2"/>
+          <p:cNvSpPr>
+            <a:spLocks noGrp="1"/>
+          </p:cNvSpPr>
+          <p:nvPr>
+            <p:ph idx="1"/>
+          </p:nvPr>
+        </p:nvSpPr>
+        <p:spPr/>
+        <p:txBody>
+          <a:bodyPr/>
+          <a:lstStyle/>
+          <a:p>
+            <a:r>
+              <a:rPr lang="en-US" dirty="0" smtClean="0"/>
+              <a:t>Which one is an attacker going to find easer:</a:t>
+            </a:r>
+          </a:p>
+          <a:p>
+            <a:pPr lvl="1"/>
+            <a:r>
+              <a:rPr lang="en-US" dirty="0" smtClean="0"/>
+              <a:t>This: /documents/5791, /documents/493, /documents</a:t>
+            </a:r>
+            <a:r>
+              <a:rPr lang="is-IS" dirty="0" smtClean="0"/>
+              <a:t>…</a:t>
+            </a:r>
+          </a:p>
+          <a:p>
+            <a:pPr lvl="1"/>
+            <a:r>
+              <a:rPr lang="is-IS" dirty="0" smtClean="0"/>
+              <a:t>Or this: /documents/</a:t>
+            </a:r>
+            <a:r>
+              <a:rPr lang="is-IS" dirty="0"/>
+              <a:t>e71a83b6-23b8-4b50-8a9e-75df927074e4</a:t>
+            </a:r>
+          </a:p>
+          <a:p>
+            <a:r>
+              <a:rPr lang="is-IS" dirty="0" smtClean="0"/>
+              <a:t>Not to say you shouldn’t have access controls...</a:t>
+            </a:r>
+          </a:p>
+          <a:p>
+            <a:pPr lvl="1"/>
+            <a:r>
+              <a:rPr lang="en-US" dirty="0" smtClean="0"/>
+              <a:t>Y</a:t>
+            </a:r>
+            <a:r>
+              <a:rPr lang="is-IS" dirty="0" smtClean="0"/>
+              <a:t>ou should. </a:t>
+            </a:r>
+            <a:r>
+              <a:rPr lang="en-US" dirty="0" smtClean="0"/>
+              <a:t>D</a:t>
+            </a:r>
+            <a:r>
+              <a:rPr lang="is-IS" dirty="0" smtClean="0"/>
+              <a:t>on’t use me as a scape goat to not implement them</a:t>
+            </a:r>
+          </a:p>
+          <a:p>
+            <a:r>
+              <a:rPr lang="is-IS" dirty="0" smtClean="0"/>
+              <a:t>But the search space makes this less feasible</a:t>
+            </a:r>
+          </a:p>
+          <a:p>
+            <a:pPr lvl="1"/>
+            <a:r>
+              <a:rPr lang="en-US" dirty="0" smtClean="0"/>
+              <a:t>A</a:t>
+            </a:r>
+            <a:r>
+              <a:rPr lang="is-IS" dirty="0" smtClean="0"/>
+              <a:t> UUID is 128bit number (give or take)</a:t>
+            </a:r>
+          </a:p>
+          <a:p>
+            <a:pPr lvl="1"/>
+            <a:endParaRPr lang="en-US" dirty="0"/>
+          </a:p>
+        </p:txBody>
+      </p:sp>
+      <p:sp>
+        <p:nvSpPr>
+          <p:cNvPr id="4" name="Date Placeholder 3"/>
+          <p:cNvSpPr>
+            <a:spLocks noGrp="1"/>
+          </p:cNvSpPr>
+          <p:nvPr>
+            <p:ph type="dt" sz="half" idx="10"/>
+          </p:nvPr>
+        </p:nvSpPr>
+        <p:spPr/>
+        <p:txBody>
+          <a:bodyPr/>
+          <a:lstStyle/>
+          <a:p>
+            <a:r>
+              <a:rPr lang="en-US" smtClean="0"/>
+              <a:t>20-DEC-2016</a:t>
+            </a:r>
+            <a:endParaRPr lang="en-US" dirty="0"/>
+          </a:p>
+        </p:txBody>
+      </p:sp>
+      <p:sp>
+        <p:nvSpPr>
+          <p:cNvPr id="5" name="Footer Placeholder 4"/>
+          <p:cNvSpPr>
+            <a:spLocks noGrp="1"/>
+          </p:cNvSpPr>
+          <p:nvPr>
+            <p:ph type="ftr" sz="quarter" idx="11"/>
+          </p:nvPr>
+        </p:nvSpPr>
+        <p:spPr/>
+        <p:txBody>
+          <a:bodyPr/>
+          <a:lstStyle/>
+          <a:p>
+            <a:r>
+              <a:rPr lang="en-US" smtClean="0"/>
+              <a:t>©2016 nVisium</a:t>
+            </a:r>
+            <a:endParaRPr lang="en-US" dirty="0"/>
+          </a:p>
+        </p:txBody>
+      </p:sp>
+      <p:sp>
+        <p:nvSpPr>
+          <p:cNvPr id="6" name="Slide Number Placeholder 5"/>
+          <p:cNvSpPr>
+            <a:spLocks noGrp="1"/>
+          </p:cNvSpPr>
+          <p:nvPr>
+            <p:ph type="sldNum" sz="quarter" idx="12"/>
+          </p:nvPr>
+        </p:nvSpPr>
+        <p:spPr/>
+        <p:txBody>
+          <a:bodyPr/>
+          <a:lstStyle/>
+          <a:p>
+            <a:fld id="{52EE06B1-A74F-7141-A24F-57941FF3B645}" type="slidenum">
+              <a:rPr lang="en-US" smtClean="0"/>
+              <a:t>80</a:t>
+            </a:fld>
+            <a:endParaRPr lang="en-US"/>
+          </a:p>
+        </p:txBody>
+      </p:sp>
+    </p:spTree>
+    <p:extLst>
+      <p:ext uri="{BB962C8B-B14F-4D97-AF65-F5344CB8AC3E}">
+        <p14:creationId xmlns:p14="http://schemas.microsoft.com/office/powerpoint/2010/main" val="1539967631"/>
+      </p:ext>
+    </p:extLst>
+  </p:cSld>
+  <p:clrMapOvr>
+    <a:masterClrMapping/>
+  </p:clrMapOvr>
+</p:sld>
+</file>
+
+<file path=ppt/slides/slide81.xml><?xml version="1.0" encoding="utf-8"?>
+<p:sld xmlns:a="http://schemas.openxmlformats.org/drawingml/2006/main" xmlns:r="http://schemas.openxmlformats.org/officeDocument/2006/relationships" xmlns:p="http://schemas.openxmlformats.org/presentationml/2006/main">
+  <p:cSld>
+    <p:spTree>
+      <p:nvGrpSpPr>
+        <p:cNvPr id="1" name=""/>
+        <p:cNvGrpSpPr/>
+        <p:nvPr/>
+      </p:nvGrpSpPr>
+      <p:grpSpPr>
+        <a:xfrm>
+          <a:off x="0" y="0"/>
+          <a:ext cx="0" cy="0"/>
+          <a:chOff x="0" y="0"/>
+          <a:chExt cx="0" cy="0"/>
+        </a:xfrm>
+      </p:grpSpPr>
+      <p:sp>
+        <p:nvSpPr>
+          <p:cNvPr id="2" name="Title 1"/>
+          <p:cNvSpPr>
+            <a:spLocks noGrp="1"/>
+          </p:cNvSpPr>
+          <p:nvPr>
+            <p:ph type="title"/>
+          </p:nvPr>
+        </p:nvSpPr>
+        <p:spPr/>
+        <p:txBody>
+          <a:bodyPr/>
+          <a:lstStyle/>
+          <a:p>
+            <a:r>
+              <a:rPr lang="en-US" dirty="0" smtClean="0"/>
+              <a:t>Takeaways</a:t>
+            </a:r>
+            <a:endParaRPr lang="en-US" dirty="0"/>
+          </a:p>
+        </p:txBody>
+      </p:sp>
+      <p:sp>
+        <p:nvSpPr>
+          <p:cNvPr id="3" name="Content Placeholder 2"/>
+          <p:cNvSpPr>
+            <a:spLocks noGrp="1"/>
+          </p:cNvSpPr>
+          <p:nvPr>
+            <p:ph idx="1"/>
+          </p:nvPr>
+        </p:nvSpPr>
+        <p:spPr>
+          <a:xfrm>
+            <a:off x="838200" y="1690688"/>
+            <a:ext cx="4562856" cy="2942272"/>
+          </a:xfrm>
+        </p:spPr>
+        <p:txBody>
+          <a:bodyPr/>
+          <a:lstStyle/>
+          <a:p>
+            <a:r>
+              <a:rPr lang="en-US" dirty="0" smtClean="0"/>
+              <a:t>For non-secure operations:</a:t>
+            </a:r>
+          </a:p>
+          <a:p>
+            <a:pPr lvl="1"/>
+            <a:r>
+              <a:rPr lang="en-US" dirty="0" smtClean="0"/>
+              <a:t>arc4random_uniform</a:t>
+            </a:r>
+          </a:p>
+          <a:p>
+            <a:pPr lvl="1"/>
+            <a:r>
+              <a:rPr lang="en-US" dirty="0" smtClean="0"/>
+              <a:t>rand(3)</a:t>
+            </a:r>
+          </a:p>
+          <a:p>
+            <a:pPr lvl="1"/>
+            <a:r>
+              <a:rPr lang="en-US" dirty="0" smtClean="0"/>
+              <a:t>&amp;c.</a:t>
+            </a:r>
+          </a:p>
+          <a:p>
+            <a:pPr lvl="1"/>
+            <a:endParaRPr lang="en-US" dirty="0" smtClean="0"/>
+          </a:p>
+          <a:p>
+            <a:pPr lvl="1"/>
+            <a:endParaRPr lang="en-US" dirty="0"/>
+          </a:p>
+        </p:txBody>
+      </p:sp>
+      <p:sp>
+        <p:nvSpPr>
+          <p:cNvPr id="4" name="Date Placeholder 3"/>
+          <p:cNvSpPr>
+            <a:spLocks noGrp="1"/>
+          </p:cNvSpPr>
+          <p:nvPr>
+            <p:ph type="dt" sz="half" idx="10"/>
+          </p:nvPr>
+        </p:nvSpPr>
+        <p:spPr/>
+        <p:txBody>
+          <a:bodyPr/>
+          <a:lstStyle/>
+          <a:p>
+            <a:r>
+              <a:rPr lang="en-US" smtClean="0"/>
+              <a:t>20-DEC-2016</a:t>
+            </a:r>
+            <a:endParaRPr lang="en-US" dirty="0"/>
+          </a:p>
+        </p:txBody>
+      </p:sp>
+      <p:sp>
+        <p:nvSpPr>
+          <p:cNvPr id="5" name="Footer Placeholder 4"/>
+          <p:cNvSpPr>
+            <a:spLocks noGrp="1"/>
+          </p:cNvSpPr>
+          <p:nvPr>
+            <p:ph type="ftr" sz="quarter" idx="11"/>
+          </p:nvPr>
+        </p:nvSpPr>
+        <p:spPr/>
+        <p:txBody>
+          <a:bodyPr/>
+          <a:lstStyle/>
+          <a:p>
+            <a:r>
+              <a:rPr lang="en-US" smtClean="0"/>
+              <a:t>©2016 nVisium</a:t>
+            </a:r>
+            <a:endParaRPr lang="en-US" dirty="0"/>
+          </a:p>
+        </p:txBody>
+      </p:sp>
+      <p:sp>
+        <p:nvSpPr>
+          <p:cNvPr id="6" name="Slide Number Placeholder 5"/>
+          <p:cNvSpPr>
+            <a:spLocks noGrp="1"/>
+          </p:cNvSpPr>
+          <p:nvPr>
+            <p:ph type="sldNum" sz="quarter" idx="12"/>
+          </p:nvPr>
+        </p:nvSpPr>
+        <p:spPr/>
+        <p:txBody>
+          <a:bodyPr/>
+          <a:lstStyle/>
+          <a:p>
+            <a:fld id="{52EE06B1-A74F-7141-A24F-57941FF3B645}" type="slidenum">
+              <a:rPr lang="en-US" smtClean="0"/>
+              <a:t>81</a:t>
+            </a:fld>
+            <a:endParaRPr lang="en-US"/>
+          </a:p>
+        </p:txBody>
+      </p:sp>
+      <p:sp>
+        <p:nvSpPr>
+          <p:cNvPr id="8" name="TextBox 7"/>
+          <p:cNvSpPr txBox="1"/>
+          <p:nvPr/>
+        </p:nvSpPr>
+        <p:spPr>
+          <a:xfrm>
+            <a:off x="5914644" y="1690688"/>
+            <a:ext cx="4925568" cy="3754874"/>
+          </a:xfrm>
+          <a:prstGeom prst="rect">
+            <a:avLst/>
+          </a:prstGeom>
+          <a:noFill/>
+        </p:spPr>
+        <p:txBody>
+          <a:bodyPr wrap="square" rtlCol="0">
+            <a:spAutoFit/>
+          </a:bodyPr>
+          <a:lstStyle/>
+          <a:p>
+            <a:pPr marL="285750" indent="-285750">
+              <a:buFont typeface="Arial" charset="0"/>
+              <a:buChar char="•"/>
+            </a:pPr>
+            <a:r>
+              <a:rPr lang="en-US" sz="2800" dirty="0" smtClean="0"/>
+              <a:t>For secure </a:t>
+            </a:r>
+            <a:r>
+              <a:rPr lang="en-US" sz="2800" dirty="0"/>
+              <a:t>o</a:t>
+            </a:r>
+            <a:r>
+              <a:rPr lang="en-US" sz="2800" dirty="0" smtClean="0"/>
+              <a:t>perations</a:t>
+            </a:r>
+          </a:p>
+          <a:p>
+            <a:pPr marL="742950" lvl="1" indent="-285750">
+              <a:buFont typeface="Arial" charset="0"/>
+              <a:buChar char="•"/>
+            </a:pPr>
+            <a:r>
+              <a:rPr lang="en-US" sz="2400" dirty="0" err="1" smtClean="0"/>
+              <a:t>Mersenne</a:t>
+            </a:r>
+            <a:r>
+              <a:rPr lang="en-US" sz="2400" dirty="0" smtClean="0"/>
+              <a:t> Twister (modified for secure use)</a:t>
+            </a:r>
+          </a:p>
+          <a:p>
+            <a:pPr marL="742950" lvl="1" indent="-285750">
+              <a:buFont typeface="Arial" charset="0"/>
+              <a:buChar char="•"/>
+            </a:pPr>
+            <a:r>
+              <a:rPr lang="en-US" sz="2400" dirty="0" smtClean="0"/>
+              <a:t>UUID (v4)</a:t>
+            </a:r>
+          </a:p>
+          <a:p>
+            <a:pPr marL="742950" lvl="1" indent="-285750">
+              <a:buFont typeface="Arial" charset="0"/>
+              <a:buChar char="•"/>
+            </a:pPr>
+            <a:r>
+              <a:rPr lang="en-US" sz="2400" dirty="0" smtClean="0"/>
+              <a:t>Blum-Blum-</a:t>
+            </a:r>
+            <a:r>
+              <a:rPr lang="en-US" sz="2400" dirty="0" err="1" smtClean="0"/>
+              <a:t>Shub</a:t>
+            </a:r>
+            <a:endParaRPr lang="en-US" sz="2400" dirty="0" smtClean="0"/>
+          </a:p>
+          <a:p>
+            <a:pPr marL="742950" lvl="1" indent="-285750">
+              <a:buFont typeface="Arial" charset="0"/>
+              <a:buChar char="•"/>
+            </a:pPr>
+            <a:r>
+              <a:rPr lang="en-US" sz="2400" dirty="0" err="1" smtClean="0"/>
+              <a:t>SecRandomCopyBytes</a:t>
+            </a:r>
+            <a:r>
+              <a:rPr lang="en-US" sz="2400" dirty="0" smtClean="0"/>
+              <a:t> (iOS)</a:t>
+            </a:r>
+          </a:p>
+          <a:p>
+            <a:pPr marL="742950" lvl="1" indent="-285750">
+              <a:buFont typeface="Arial" charset="0"/>
+              <a:buChar char="•"/>
+            </a:pPr>
+            <a:r>
+              <a:rPr lang="en-US" sz="2400" dirty="0" smtClean="0"/>
+              <a:t>A mix of JCA, </a:t>
+            </a:r>
+            <a:r>
+              <a:rPr lang="en-US" sz="2400" dirty="0" err="1" smtClean="0"/>
+              <a:t>BouncyCastle</a:t>
+            </a:r>
+            <a:r>
+              <a:rPr lang="en-US" sz="2400" dirty="0" smtClean="0"/>
+              <a:t>, &amp; </a:t>
+            </a:r>
+            <a:r>
+              <a:rPr lang="en-US" sz="2400" dirty="0" smtClean="0">
+                <a:latin typeface="Andale Mono" charset="0"/>
+                <a:ea typeface="Andale Mono" charset="0"/>
+                <a:cs typeface="Andale Mono" charset="0"/>
+              </a:rPr>
+              <a:t>/dev/</a:t>
+            </a:r>
+            <a:r>
+              <a:rPr lang="en-US" sz="2400" dirty="0" err="1" smtClean="0">
+                <a:latin typeface="Andale Mono" charset="0"/>
+                <a:ea typeface="Andale Mono" charset="0"/>
+                <a:cs typeface="Andale Mono" charset="0"/>
+              </a:rPr>
+              <a:t>urandom</a:t>
+            </a:r>
+            <a:r>
+              <a:rPr lang="en-US" sz="2400" dirty="0" smtClean="0">
+                <a:latin typeface="Andale Mono" charset="0"/>
+                <a:ea typeface="Andale Mono" charset="0"/>
+                <a:cs typeface="Andale Mono" charset="0"/>
+              </a:rPr>
+              <a:t> </a:t>
+            </a:r>
+            <a:r>
+              <a:rPr lang="en-US" sz="2400" dirty="0" smtClean="0">
+                <a:ea typeface="Andale Mono" charset="0"/>
+                <a:cs typeface="Andale Mono" charset="0"/>
+              </a:rPr>
+              <a:t>(Android)</a:t>
+            </a:r>
+          </a:p>
+          <a:p>
+            <a:pPr marL="742950" lvl="1" indent="-285750">
+              <a:buFont typeface="Arial" charset="0"/>
+              <a:buChar char="•"/>
+            </a:pPr>
+            <a:endParaRPr lang="en-US" sz="2400" dirty="0"/>
+          </a:p>
+          <a:p>
+            <a:pPr marL="742950" lvl="1" indent="-285750">
+              <a:buFont typeface="Arial" charset="0"/>
+              <a:buChar char="•"/>
+            </a:pPr>
+            <a:endParaRPr lang="en-US" dirty="0"/>
+          </a:p>
+        </p:txBody>
+      </p:sp>
+      <p:sp>
+        <p:nvSpPr>
+          <p:cNvPr id="9" name="TextBox 8"/>
+          <p:cNvSpPr txBox="1"/>
+          <p:nvPr/>
+        </p:nvSpPr>
+        <p:spPr>
+          <a:xfrm>
+            <a:off x="3534156" y="4971435"/>
+            <a:ext cx="4520212" cy="523220"/>
+          </a:xfrm>
+          <a:prstGeom prst="rect">
+            <a:avLst/>
+          </a:prstGeom>
+          <a:noFill/>
+        </p:spPr>
+        <p:txBody>
+          <a:bodyPr wrap="none" rtlCol="0">
+            <a:spAutoFit/>
+          </a:bodyPr>
+          <a:lstStyle/>
+          <a:p>
+            <a:r>
+              <a:rPr lang="en-US" sz="2800" dirty="0" smtClean="0"/>
+              <a:t>Never mix the two operations</a:t>
+            </a:r>
+            <a:endParaRPr lang="en-US" sz="2800" dirty="0"/>
+          </a:p>
+        </p:txBody>
+      </p:sp>
+    </p:spTree>
+    <p:extLst>
+      <p:ext uri="{BB962C8B-B14F-4D97-AF65-F5344CB8AC3E}">
+        <p14:creationId xmlns:p14="http://schemas.microsoft.com/office/powerpoint/2010/main" val="847389754"/>
+      </p:ext>
+    </p:extLst>
+  </p:cSld>
+  <p:clrMapOvr>
+    <a:masterClrMapping/>
+  </p:clrMapOvr>
+</p:sld>
+</file>
+
+<file path=ppt/slides/slide82.xml><?xml version="1.0" encoding="utf-8"?>
+<p:sld xmlns:a="http://schemas.openxmlformats.org/drawingml/2006/main" xmlns:r="http://schemas.openxmlformats.org/officeDocument/2006/relationships" xmlns:p="http://schemas.openxmlformats.org/presentationml/2006/main">
+  <p:cSld>
+    <p:spTree>
+      <p:nvGrpSpPr>
+        <p:cNvPr id="1" name=""/>
+        <p:cNvGrpSpPr/>
+        <p:nvPr/>
+      </p:nvGrpSpPr>
+      <p:grpSpPr>
+        <a:xfrm>
+          <a:off x="0" y="0"/>
+          <a:ext cx="0" cy="0"/>
+          <a:chOff x="0" y="0"/>
+          <a:chExt cx="0" cy="0"/>
+        </a:xfrm>
+      </p:grpSpPr>
+      <p:sp>
+        <p:nvSpPr>
+          <p:cNvPr id="2" name="Title 1"/>
+          <p:cNvSpPr>
+            <a:spLocks noGrp="1"/>
+          </p:cNvSpPr>
+          <p:nvPr>
+            <p:ph type="ctrTitle"/>
+          </p:nvPr>
+        </p:nvSpPr>
+        <p:spPr/>
+        <p:txBody>
+          <a:bodyPr/>
+          <a:lstStyle/>
+          <a:p>
+            <a:r>
+              <a:rPr lang="en-US" dirty="0" smtClean="0"/>
+              <a:t>Take </a:t>
+            </a:r>
+            <a:r>
+              <a:rPr lang="en-US" dirty="0" err="1" smtClean="0"/>
+              <a:t>Aways</a:t>
+            </a:r>
+            <a:endParaRPr lang="en-US" dirty="0"/>
+          </a:p>
+        </p:txBody>
+      </p:sp>
+      <p:sp>
+        <p:nvSpPr>
+          <p:cNvPr id="3" name="Subtitle 2"/>
+          <p:cNvSpPr>
+            <a:spLocks noGrp="1"/>
+          </p:cNvSpPr>
+          <p:nvPr>
+            <p:ph type="subTitle" idx="1"/>
+          </p:nvPr>
+        </p:nvSpPr>
+        <p:spPr/>
+        <p:txBody>
+          <a:bodyPr/>
+          <a:lstStyle/>
+          <a:p>
+            <a:r>
+              <a:rPr lang="en-US" i="1" dirty="0" smtClean="0"/>
+              <a:t>For fire will come and judge and convict all things</a:t>
+            </a:r>
+          </a:p>
+          <a:p>
+            <a:r>
+              <a:rPr lang="en-US" dirty="0" smtClean="0"/>
+              <a:t>Hippolytus, </a:t>
+            </a:r>
+            <a:r>
+              <a:rPr lang="en-US" i="1" dirty="0" smtClean="0"/>
+              <a:t>Refutation of all Heresies</a:t>
+            </a:r>
+            <a:endParaRPr lang="en-US" dirty="0" smtClean="0"/>
+          </a:p>
+          <a:p>
+            <a:endParaRPr lang="en-US" dirty="0"/>
+          </a:p>
+        </p:txBody>
+      </p:sp>
+      <p:sp>
+        <p:nvSpPr>
+          <p:cNvPr id="4" name="Date Placeholder 3"/>
+          <p:cNvSpPr>
+            <a:spLocks noGrp="1"/>
+          </p:cNvSpPr>
+          <p:nvPr>
+            <p:ph type="dt" sz="half" idx="10"/>
+          </p:nvPr>
+        </p:nvSpPr>
+        <p:spPr/>
+        <p:txBody>
+          <a:bodyPr/>
+          <a:lstStyle/>
+          <a:p>
+            <a:r>
+              <a:rPr lang="en-US" smtClean="0"/>
+              <a:t>20-DEC-2016</a:t>
+            </a:r>
+            <a:endParaRPr lang="en-US" dirty="0"/>
+          </a:p>
+        </p:txBody>
+      </p:sp>
+      <p:sp>
+        <p:nvSpPr>
+          <p:cNvPr id="5" name="Footer Placeholder 4"/>
+          <p:cNvSpPr>
+            <a:spLocks noGrp="1"/>
+          </p:cNvSpPr>
+          <p:nvPr>
+            <p:ph type="ftr" sz="quarter" idx="11"/>
+          </p:nvPr>
+        </p:nvSpPr>
+        <p:spPr/>
+        <p:txBody>
+          <a:bodyPr/>
+          <a:lstStyle/>
+          <a:p>
+            <a:r>
+              <a:rPr lang="en-US" smtClean="0"/>
+              <a:t>©2016 nVisium</a:t>
+            </a:r>
+            <a:endParaRPr lang="en-US" dirty="0"/>
+          </a:p>
+        </p:txBody>
+      </p:sp>
+      <p:sp>
+        <p:nvSpPr>
+          <p:cNvPr id="6" name="Slide Number Placeholder 5"/>
+          <p:cNvSpPr>
+            <a:spLocks noGrp="1"/>
+          </p:cNvSpPr>
+          <p:nvPr>
+            <p:ph type="sldNum" sz="quarter" idx="12"/>
+          </p:nvPr>
+        </p:nvSpPr>
+        <p:spPr/>
+        <p:txBody>
+          <a:bodyPr/>
+          <a:lstStyle/>
+          <a:p>
+            <a:fld id="{52EE06B1-A74F-7141-A24F-57941FF3B645}" type="slidenum">
+              <a:rPr lang="en-US" smtClean="0"/>
+              <a:t>82</a:t>
+            </a:fld>
+            <a:endParaRPr lang="en-US"/>
+          </a:p>
+        </p:txBody>
+      </p:sp>
+    </p:spTree>
+    <p:extLst>
+      <p:ext uri="{BB962C8B-B14F-4D97-AF65-F5344CB8AC3E}">
+        <p14:creationId xmlns:p14="http://schemas.microsoft.com/office/powerpoint/2010/main" val="1060423506"/>
+      </p:ext>
+    </p:extLst>
+  </p:cSld>
+  <p:clrMapOvr>
+    <a:masterClrMapping/>
+  </p:clrMapOvr>
+</p:sld>
+</file>
+
+<file path=ppt/slides/slide83.xml><?xml version="1.0" encoding="utf-8"?>
+<p:sld xmlns:a="http://schemas.openxmlformats.org/drawingml/2006/main" xmlns:r="http://schemas.openxmlformats.org/officeDocument/2006/relationships" xmlns:p="http://schemas.openxmlformats.org/presentationml/2006/main">
+  <p:cSld>
+    <p:spTree>
+      <p:nvGrpSpPr>
+        <p:cNvPr id="1" name=""/>
+        <p:cNvGrpSpPr/>
+        <p:nvPr/>
+      </p:nvGrpSpPr>
+      <p:grpSpPr>
+        <a:xfrm>
+          <a:off x="0" y="0"/>
+          <a:ext cx="0" cy="0"/>
+          <a:chOff x="0" y="0"/>
+          <a:chExt cx="0" cy="0"/>
+        </a:xfrm>
+      </p:grpSpPr>
+      <p:sp>
+        <p:nvSpPr>
+          <p:cNvPr id="2" name="Title 1"/>
+          <p:cNvSpPr>
+            <a:spLocks noGrp="1"/>
+          </p:cNvSpPr>
+          <p:nvPr>
+            <p:ph type="title"/>
+          </p:nvPr>
+        </p:nvSpPr>
+        <p:spPr/>
+        <p:txBody>
+          <a:bodyPr/>
+          <a:lstStyle/>
+          <a:p>
+            <a:r>
+              <a:rPr lang="en-US" dirty="0" smtClean="0"/>
+              <a:t>Take </a:t>
+            </a:r>
+            <a:r>
+              <a:rPr lang="en-US" dirty="0" err="1" smtClean="0"/>
+              <a:t>Aways</a:t>
+            </a:r>
+            <a:endParaRPr lang="en-US" dirty="0"/>
+          </a:p>
+        </p:txBody>
+      </p:sp>
+      <p:sp>
+        <p:nvSpPr>
+          <p:cNvPr id="3" name="Content Placeholder 2"/>
+          <p:cNvSpPr>
+            <a:spLocks noGrp="1"/>
+          </p:cNvSpPr>
+          <p:nvPr>
+            <p:ph idx="1"/>
+          </p:nvPr>
+        </p:nvSpPr>
+        <p:spPr/>
+        <p:txBody>
+          <a:bodyPr/>
+          <a:lstStyle/>
+          <a:p>
+            <a:r>
+              <a:rPr lang="en-US" dirty="0" smtClean="0"/>
+              <a:t>TLS: </a:t>
+            </a:r>
+          </a:p>
+          <a:p>
+            <a:pPr lvl="1"/>
+            <a:r>
+              <a:rPr lang="en-US" dirty="0" smtClean="0"/>
+              <a:t>pin the public key or the certificate</a:t>
+            </a:r>
+          </a:p>
+          <a:p>
+            <a:pPr lvl="1"/>
+            <a:r>
+              <a:rPr lang="en-US" dirty="0" smtClean="0"/>
+              <a:t>use the latest version of TLS</a:t>
+            </a:r>
+          </a:p>
+          <a:p>
+            <a:pPr lvl="1"/>
+            <a:r>
+              <a:rPr lang="en-US" dirty="0" smtClean="0"/>
+              <a:t>Do not mix HTTP &amp; HTTPS</a:t>
+            </a:r>
+          </a:p>
+          <a:p>
+            <a:r>
+              <a:rPr lang="en-US" dirty="0" smtClean="0"/>
+              <a:t>Data: </a:t>
+            </a:r>
+          </a:p>
+          <a:p>
+            <a:pPr lvl="1"/>
+            <a:r>
+              <a:rPr lang="en-US" dirty="0" smtClean="0"/>
+              <a:t>know when to encrypt, hash, or both your data</a:t>
+            </a:r>
+            <a:endParaRPr lang="en-US" dirty="0"/>
+          </a:p>
+          <a:p>
+            <a:pPr lvl="1"/>
+            <a:r>
+              <a:rPr lang="en-US" dirty="0" smtClean="0"/>
+              <a:t>Understand the cycle of your data, and try whenever possible to use OS primitives</a:t>
+            </a:r>
+          </a:p>
+        </p:txBody>
+      </p:sp>
+      <p:sp>
+        <p:nvSpPr>
+          <p:cNvPr id="4" name="Date Placeholder 3"/>
+          <p:cNvSpPr>
+            <a:spLocks noGrp="1"/>
+          </p:cNvSpPr>
+          <p:nvPr>
+            <p:ph type="dt" sz="half" idx="10"/>
+          </p:nvPr>
+        </p:nvSpPr>
+        <p:spPr/>
+        <p:txBody>
+          <a:bodyPr/>
+          <a:lstStyle/>
+          <a:p>
+            <a:r>
+              <a:rPr lang="en-US" smtClean="0"/>
+              <a:t>20-DEC-2016</a:t>
+            </a:r>
+            <a:endParaRPr lang="en-US" dirty="0"/>
+          </a:p>
+        </p:txBody>
+      </p:sp>
+      <p:sp>
+        <p:nvSpPr>
+          <p:cNvPr id="5" name="Footer Placeholder 4"/>
+          <p:cNvSpPr>
+            <a:spLocks noGrp="1"/>
+          </p:cNvSpPr>
+          <p:nvPr>
+            <p:ph type="ftr" sz="quarter" idx="11"/>
+          </p:nvPr>
+        </p:nvSpPr>
+        <p:spPr/>
+        <p:txBody>
+          <a:bodyPr/>
+          <a:lstStyle/>
+          <a:p>
+            <a:r>
+              <a:rPr lang="en-US" smtClean="0"/>
+              <a:t>©2016 nVisium</a:t>
+            </a:r>
+            <a:endParaRPr lang="en-US" dirty="0"/>
+          </a:p>
+        </p:txBody>
+      </p:sp>
+      <p:sp>
+        <p:nvSpPr>
+          <p:cNvPr id="6" name="Slide Number Placeholder 5"/>
+          <p:cNvSpPr>
+            <a:spLocks noGrp="1"/>
+          </p:cNvSpPr>
+          <p:nvPr>
+            <p:ph type="sldNum" sz="quarter" idx="12"/>
+          </p:nvPr>
+        </p:nvSpPr>
+        <p:spPr/>
+        <p:txBody>
+          <a:bodyPr/>
+          <a:lstStyle/>
+          <a:p>
+            <a:fld id="{52EE06B1-A74F-7141-A24F-57941FF3B645}" type="slidenum">
+              <a:rPr lang="en-US" smtClean="0"/>
+              <a:t>83</a:t>
+            </a:fld>
+            <a:endParaRPr lang="en-US"/>
+          </a:p>
+        </p:txBody>
+      </p:sp>
+    </p:spTree>
+    <p:extLst>
+      <p:ext uri="{BB962C8B-B14F-4D97-AF65-F5344CB8AC3E}">
+        <p14:creationId xmlns:p14="http://schemas.microsoft.com/office/powerpoint/2010/main" val="1666281814"/>
+      </p:ext>
+    </p:extLst>
+  </p:cSld>
+  <p:clrMapOvr>
+    <a:masterClrMapping/>
+  </p:clrMapOvr>
+</p:sld>
+</file>
+
+<file path=ppt/slides/slide84.xml><?xml version="1.0" encoding="utf-8"?>
+<p:sld xmlns:a="http://schemas.openxmlformats.org/drawingml/2006/main" xmlns:r="http://schemas.openxmlformats.org/officeDocument/2006/relationships" xmlns:p="http://schemas.openxmlformats.org/presentationml/2006/main">
+  <p:cSld>
+    <p:spTree>
+      <p:nvGrpSpPr>
+        <p:cNvPr id="1" name=""/>
+        <p:cNvGrpSpPr/>
+        <p:nvPr/>
+      </p:nvGrpSpPr>
+      <p:grpSpPr>
+        <a:xfrm>
+          <a:off x="0" y="0"/>
+          <a:ext cx="0" cy="0"/>
+          <a:chOff x="0" y="0"/>
+          <a:chExt cx="0" cy="0"/>
+        </a:xfrm>
+      </p:grpSpPr>
+      <p:sp>
+        <p:nvSpPr>
+          <p:cNvPr id="2" name="Title 1"/>
+          <p:cNvSpPr>
+            <a:spLocks noGrp="1"/>
+          </p:cNvSpPr>
+          <p:nvPr>
+            <p:ph type="title"/>
+          </p:nvPr>
+        </p:nvSpPr>
+        <p:spPr/>
+        <p:txBody>
+          <a:bodyPr/>
+          <a:lstStyle/>
+          <a:p>
+            <a:r>
+              <a:rPr lang="en-US" dirty="0" smtClean="0"/>
+              <a:t>Take </a:t>
+            </a:r>
+            <a:r>
+              <a:rPr lang="en-US" dirty="0" err="1" smtClean="0"/>
+              <a:t>Aways</a:t>
+            </a:r>
+            <a:endParaRPr lang="en-US" dirty="0"/>
+          </a:p>
+        </p:txBody>
+      </p:sp>
+      <p:sp>
+        <p:nvSpPr>
+          <p:cNvPr id="3" name="Content Placeholder 2"/>
+          <p:cNvSpPr>
+            <a:spLocks noGrp="1"/>
+          </p:cNvSpPr>
+          <p:nvPr>
+            <p:ph idx="1"/>
+          </p:nvPr>
+        </p:nvSpPr>
+        <p:spPr/>
+        <p:txBody>
+          <a:bodyPr/>
+          <a:lstStyle/>
+          <a:p>
+            <a:r>
+              <a:rPr lang="en-US" dirty="0"/>
+              <a:t>Data: </a:t>
+            </a:r>
+            <a:endParaRPr lang="en-US" dirty="0" smtClean="0"/>
+          </a:p>
+          <a:p>
+            <a:pPr lvl="1"/>
+            <a:r>
+              <a:rPr lang="en-US" dirty="0" smtClean="0"/>
+              <a:t>make </a:t>
+            </a:r>
+            <a:r>
+              <a:rPr lang="en-US" dirty="0"/>
+              <a:t>sure you know when &amp; where data is being </a:t>
+            </a:r>
+            <a:r>
+              <a:rPr lang="en-US" dirty="0" smtClean="0"/>
+              <a:t>used</a:t>
+            </a:r>
+            <a:endParaRPr lang="en-US" dirty="0"/>
+          </a:p>
+          <a:p>
+            <a:pPr lvl="1"/>
+            <a:r>
+              <a:rPr lang="en-US" dirty="0" smtClean="0"/>
+              <a:t>Understand the lifecycle of data within the application</a:t>
+            </a:r>
+          </a:p>
+          <a:p>
+            <a:pPr lvl="1"/>
+            <a:r>
+              <a:rPr lang="en-US" dirty="0" smtClean="0"/>
+              <a:t>Reduce that cycle as much as possible</a:t>
+            </a:r>
+            <a:endParaRPr lang="en-US" dirty="0"/>
+          </a:p>
+          <a:p>
+            <a:r>
+              <a:rPr lang="en-US" dirty="0"/>
+              <a:t>Registration: </a:t>
+            </a:r>
+            <a:endParaRPr lang="en-US" dirty="0" smtClean="0"/>
+          </a:p>
+          <a:p>
+            <a:pPr lvl="1"/>
+            <a:r>
+              <a:rPr lang="en-US" dirty="0" smtClean="0"/>
+              <a:t>make </a:t>
+            </a:r>
+            <a:r>
+              <a:rPr lang="en-US" dirty="0"/>
+              <a:t>sure you know who your user is, and what device they’re on</a:t>
+            </a:r>
+          </a:p>
+          <a:p>
+            <a:r>
+              <a:rPr lang="en-US" dirty="0"/>
+              <a:t>Entropy</a:t>
+            </a:r>
+            <a:r>
+              <a:rPr lang="en-US" dirty="0" smtClean="0"/>
+              <a:t>:</a:t>
+            </a:r>
+          </a:p>
+          <a:p>
+            <a:pPr lvl="1"/>
+            <a:r>
+              <a:rPr lang="en-US" dirty="0" smtClean="0"/>
+              <a:t>Randomness is surprisingly hard to get right</a:t>
+            </a:r>
+          </a:p>
+          <a:p>
+            <a:pPr lvl="1"/>
+            <a:r>
+              <a:rPr lang="en-US" dirty="0" smtClean="0"/>
+              <a:t>And it can burn you when it’s not.</a:t>
+            </a:r>
+            <a:endParaRPr lang="en-US" dirty="0"/>
+          </a:p>
+        </p:txBody>
+      </p:sp>
+      <p:sp>
+        <p:nvSpPr>
+          <p:cNvPr id="4" name="Date Placeholder 3"/>
+          <p:cNvSpPr>
+            <a:spLocks noGrp="1"/>
+          </p:cNvSpPr>
+          <p:nvPr>
+            <p:ph type="dt" sz="half" idx="10"/>
+          </p:nvPr>
+        </p:nvSpPr>
+        <p:spPr/>
+        <p:txBody>
+          <a:bodyPr/>
+          <a:lstStyle/>
+          <a:p>
+            <a:r>
+              <a:rPr lang="en-US" smtClean="0"/>
+              <a:t>20-DEC-2016</a:t>
+            </a:r>
+            <a:endParaRPr lang="en-US" dirty="0"/>
+          </a:p>
+        </p:txBody>
+      </p:sp>
+      <p:sp>
+        <p:nvSpPr>
+          <p:cNvPr id="5" name="Footer Placeholder 4"/>
+          <p:cNvSpPr>
+            <a:spLocks noGrp="1"/>
+          </p:cNvSpPr>
+          <p:nvPr>
+            <p:ph type="ftr" sz="quarter" idx="11"/>
+          </p:nvPr>
+        </p:nvSpPr>
+        <p:spPr/>
+        <p:txBody>
+          <a:bodyPr/>
+          <a:lstStyle/>
+          <a:p>
+            <a:r>
+              <a:rPr lang="en-US" smtClean="0"/>
+              <a:t>©2016 nVisium</a:t>
+            </a:r>
+            <a:endParaRPr lang="en-US" dirty="0"/>
+          </a:p>
+        </p:txBody>
+      </p:sp>
+      <p:sp>
+        <p:nvSpPr>
+          <p:cNvPr id="6" name="Slide Number Placeholder 5"/>
+          <p:cNvSpPr>
+            <a:spLocks noGrp="1"/>
+          </p:cNvSpPr>
+          <p:nvPr>
+            <p:ph type="sldNum" sz="quarter" idx="12"/>
+          </p:nvPr>
+        </p:nvSpPr>
+        <p:spPr/>
+        <p:txBody>
+          <a:bodyPr/>
+          <a:lstStyle/>
+          <a:p>
+            <a:fld id="{52EE06B1-A74F-7141-A24F-57941FF3B645}" type="slidenum">
+              <a:rPr lang="en-US" smtClean="0"/>
+              <a:t>84</a:t>
+            </a:fld>
+            <a:endParaRPr lang="en-US"/>
+          </a:p>
+        </p:txBody>
+      </p:sp>
+    </p:spTree>
+    <p:extLst>
+      <p:ext uri="{BB962C8B-B14F-4D97-AF65-F5344CB8AC3E}">
+        <p14:creationId xmlns:p14="http://schemas.microsoft.com/office/powerpoint/2010/main" val="777707363"/>
+      </p:ext>
+    </p:extLst>
+  </p:cSld>
+  <p:clrMapOvr>
+    <a:masterClrMapping/>
+  </p:clrMapOvr>
+</p:sld>
+</file>
+
+<file path=ppt/slides/slide85.xml><?xml version="1.0" encoding="utf-8"?>
+<p:sld xmlns:a="http://schemas.openxmlformats.org/drawingml/2006/main" xmlns:r="http://schemas.openxmlformats.org/officeDocument/2006/relationships" xmlns:p="http://schemas.openxmlformats.org/presentationml/2006/main">
+  <p:cSld>
+    <p:spTree>
+      <p:nvGrpSpPr>
+        <p:cNvPr id="1" name=""/>
+        <p:cNvGrpSpPr/>
+        <p:nvPr/>
+      </p:nvGrpSpPr>
+      <p:grpSpPr>
+        <a:xfrm>
+          <a:off x="0" y="0"/>
+          <a:ext cx="0" cy="0"/>
+          <a:chOff x="0" y="0"/>
+          <a:chExt cx="0" cy="0"/>
+        </a:xfrm>
+      </p:grpSpPr>
+      <p:sp>
+        <p:nvSpPr>
+          <p:cNvPr id="2" name="Title 1"/>
+          <p:cNvSpPr>
+            <a:spLocks noGrp="1"/>
+          </p:cNvSpPr>
+          <p:nvPr>
+            <p:ph type="title"/>
+          </p:nvPr>
+        </p:nvSpPr>
+        <p:spPr/>
+        <p:txBody>
+          <a:bodyPr/>
+          <a:lstStyle/>
+          <a:p>
+            <a:r>
+              <a:rPr lang="en-US" dirty="0" smtClean="0"/>
+              <a:t>Thanks!</a:t>
+            </a:r>
+            <a:endParaRPr lang="en-US" dirty="0"/>
+          </a:p>
+        </p:txBody>
+      </p:sp>
+      <p:sp>
+        <p:nvSpPr>
+          <p:cNvPr id="3" name="Content Placeholder 2"/>
+          <p:cNvSpPr>
+            <a:spLocks noGrp="1"/>
+          </p:cNvSpPr>
+          <p:nvPr>
+            <p:ph idx="1"/>
+          </p:nvPr>
+        </p:nvSpPr>
+        <p:spPr/>
+        <p:txBody>
+          <a:bodyPr/>
+          <a:lstStyle/>
+          <a:p>
+            <a:r>
+              <a:rPr lang="en-US" dirty="0" smtClean="0"/>
+              <a:t>Questions?</a:t>
+            </a:r>
+            <a:endParaRPr lang="en-US" dirty="0"/>
+          </a:p>
+        </p:txBody>
+      </p:sp>
+      <p:sp>
+        <p:nvSpPr>
+          <p:cNvPr id="4" name="Date Placeholder 3"/>
+          <p:cNvSpPr>
+            <a:spLocks noGrp="1"/>
+          </p:cNvSpPr>
+          <p:nvPr>
+            <p:ph type="dt" sz="half" idx="10"/>
+          </p:nvPr>
+        </p:nvSpPr>
+        <p:spPr/>
+        <p:txBody>
+          <a:bodyPr/>
+          <a:lstStyle/>
+          <a:p>
+            <a:r>
+              <a:rPr lang="en-US" smtClean="0"/>
+              <a:t>20-DEC-2016</a:t>
+            </a:r>
+            <a:endParaRPr lang="en-US" dirty="0"/>
+          </a:p>
+        </p:txBody>
+      </p:sp>
+      <p:sp>
+        <p:nvSpPr>
+          <p:cNvPr id="5" name="Footer Placeholder 4"/>
+          <p:cNvSpPr>
+            <a:spLocks noGrp="1"/>
+          </p:cNvSpPr>
+          <p:nvPr>
+            <p:ph type="ftr" sz="quarter" idx="11"/>
+          </p:nvPr>
+        </p:nvSpPr>
+        <p:spPr/>
+        <p:txBody>
+          <a:bodyPr/>
+          <a:lstStyle/>
+          <a:p>
+            <a:r>
+              <a:rPr lang="en-US" smtClean="0"/>
+              <a:t>©2016 nVisium</a:t>
+            </a:r>
+            <a:endParaRPr lang="en-US" dirty="0"/>
+          </a:p>
+        </p:txBody>
+      </p:sp>
+      <p:sp>
+        <p:nvSpPr>
+          <p:cNvPr id="6" name="Slide Number Placeholder 5"/>
+          <p:cNvSpPr>
+            <a:spLocks noGrp="1"/>
+          </p:cNvSpPr>
+          <p:nvPr>
+            <p:ph type="sldNum" sz="quarter" idx="12"/>
+          </p:nvPr>
+        </p:nvSpPr>
+        <p:spPr/>
+        <p:txBody>
+          <a:bodyPr/>
+          <a:lstStyle/>
+          <a:p>
+            <a:fld id="{52EE06B1-A74F-7141-A24F-57941FF3B645}" type="slidenum">
+              <a:rPr lang="en-US" smtClean="0"/>
+              <a:t>85</a:t>
+            </a:fld>
+            <a:endParaRPr lang="en-US"/>
+          </a:p>
+        </p:txBody>
+      </p:sp>
+    </p:spTree>
+    <p:extLst>
+      <p:ext uri="{BB962C8B-B14F-4D97-AF65-F5344CB8AC3E}">
+        <p14:creationId xmlns:p14="http://schemas.microsoft.com/office/powerpoint/2010/main" val="862882034"/>
+      </p:ext>
+    </p:extLst>
+  </p:cSld>
+  <p:clrMapOvr>
+    <a:masterClrMapping/>
+  </p:clrMapOvr>
 </p:sld>
 </file>
 
@@ -14491,14 +22056,34 @@
             <a:pPr lvl="1"/>
             <a:r>
               <a:rPr lang="en-US" dirty="0" smtClean="0"/>
-              <a:t>What the problems are.</a:t>
+              <a:t>What the problems are</a:t>
+            </a:r>
+            <a:r>
+              <a:rPr lang="en-US" dirty="0" smtClean="0"/>
+              <a:t>.</a:t>
             </a:r>
           </a:p>
           <a:p>
             <a:pPr lvl="1"/>
             <a:r>
               <a:rPr lang="en-US" dirty="0" smtClean="0"/>
-              <a:t>What the solutions are.</a:t>
+              <a:t>What the attacks are.</a:t>
+            </a:r>
+            <a:endParaRPr lang="en-US" dirty="0" smtClean="0"/>
+          </a:p>
+          <a:p>
+            <a:pPr lvl="1"/>
+            <a:r>
+              <a:rPr lang="en-US" dirty="0" smtClean="0"/>
+              <a:t>What the </a:t>
+            </a:r>
+            <a:r>
+              <a:rPr lang="en-US" dirty="0" smtClean="0"/>
+              <a:t>(non-)solutions </a:t>
+            </a:r>
+            <a:r>
+              <a:rPr lang="en-US" dirty="0" smtClean="0"/>
+              <a:t>are.</a:t>
             </a:r>
           </a:p>
           <a:p>
@@ -14590,6 +22175,13 @@
   <p:clrMapOvr>
     <a:masterClrMapping/>
   </p:clrMapOvr>
+  <p:timing>
+    <p:tnLst>
+      <p:par>
+        <p:cTn id="1" dur="indefinite" restart="never" nodeType="tmRoot"/>
+      </p:par>
+    </p:tnLst>
+  </p:timing>
 </p:sld>
 </file>
 
